--- a/Hack_present.pptx
+++ b/Hack_present.pptx
@@ -2,17 +2,16 @@
 <file path=ppt/presentation.xml><?xml version="1.0" encoding="utf-8"?>
 <p:presentation xmlns:a="http://schemas.openxmlformats.org/drawingml/2006/main" xmlns:r="http://schemas.openxmlformats.org/officeDocument/2006/relationships" xmlns:p="http://schemas.openxmlformats.org/presentationml/2006/main" saveSubsetFonts="1">
   <p:sldMasterIdLst>
-    <p:sldMasterId id="2147483648" r:id="rId1"/>
+    <p:sldMasterId id="2147483672" r:id="rId1"/>
+    <p:sldMasterId id="2147483684" r:id="rId2"/>
   </p:sldMasterIdLst>
   <p:sldIdLst>
-    <p:sldId id="256" r:id="rId2"/>
-    <p:sldId id="262" r:id="rId3"/>
-    <p:sldId id="257" r:id="rId4"/>
-    <p:sldId id="258" r:id="rId5"/>
-    <p:sldId id="260" r:id="rId6"/>
-    <p:sldId id="263" r:id="rId7"/>
-    <p:sldId id="264" r:id="rId8"/>
-    <p:sldId id="261" r:id="rId9"/>
+    <p:sldId id="256" r:id="rId3"/>
+    <p:sldId id="262" r:id="rId4"/>
+    <p:sldId id="257" r:id="rId5"/>
+    <p:sldId id="258" r:id="rId6"/>
+    <p:sldId id="260" r:id="rId7"/>
+    <p:sldId id="261" r:id="rId8"/>
   </p:sldIdLst>
   <p:sldSz cx="12192000" cy="6858000"/>
   <p:notesSz cx="6858000" cy="9144000"/>
@@ -1220,7 +1219,7 @@
       </p:grpSpPr>
       <p:sp>
         <p:nvSpPr>
-          <p:cNvPr id="2" name="Заголовок 1"/>
+          <p:cNvPr id="2" name="Title 1"/>
           <p:cNvSpPr>
             <a:spLocks noGrp="1"/>
           </p:cNvSpPr>
@@ -1230,12 +1229,14 @@
         </p:nvSpPr>
         <p:spPr>
           <a:xfrm>
-            <a:off x="1524000" y="1122363"/>
+            <a:off x="1524000" y="1124530"/>
             <a:ext cx="9144000" cy="2387600"/>
           </a:xfrm>
         </p:spPr>
         <p:txBody>
-          <a:bodyPr anchor="b"/>
+          <a:bodyPr anchor="b">
+            <a:normAutofit/>
+          </a:bodyPr>
           <a:lstStyle>
             <a:lvl1pPr algn="ctr">
               <a:defRPr sz="6000"/>
@@ -1246,13 +1247,13 @@
               <a:rPr lang="ru-RU" smtClean="0"/>
               <a:t>Образец заголовка</a:t>
             </a:r>
-            <a:endParaRPr lang="ru-RU"/>
-          </a:p>
-        </p:txBody>
-      </p:sp>
-      <p:sp>
-        <p:nvSpPr>
-          <p:cNvPr id="3" name="Подзаголовок 2"/>
+            <a:endParaRPr lang="en-US" dirty="0"/>
+          </a:p>
+        </p:txBody>
+      </p:sp>
+      <p:sp>
+        <p:nvSpPr>
+          <p:cNvPr id="3" name="Subtitle 2"/>
           <p:cNvSpPr>
             <a:spLocks noGrp="1"/>
           </p:cNvSpPr>
@@ -1267,43 +1268,52 @@
           </a:xfrm>
         </p:spPr>
         <p:txBody>
-          <a:bodyPr/>
+          <a:bodyPr>
+            <a:normAutofit/>
+          </a:bodyPr>
           <a:lstStyle>
             <a:lvl1pPr marL="0" indent="0" algn="ctr">
               <a:buNone/>
-              <a:defRPr sz="2400"/>
+              <a:defRPr sz="2400">
+                <a:solidFill>
+                  <a:schemeClr val="tx1">
+                    <a:lumMod val="75000"/>
+                    <a:lumOff val="25000"/>
+                  </a:schemeClr>
+                </a:solidFill>
+              </a:defRPr>
             </a:lvl1pPr>
             <a:lvl2pPr marL="457200" indent="0" algn="ctr">
               <a:buNone/>
-              <a:defRPr sz="2000"/>
+              <a:defRPr sz="2800"/>
             </a:lvl2pPr>
             <a:lvl3pPr marL="914400" indent="0" algn="ctr">
               <a:buNone/>
-              <a:defRPr sz="1800"/>
+              <a:defRPr sz="2400"/>
             </a:lvl3pPr>
             <a:lvl4pPr marL="1371600" indent="0" algn="ctr">
               <a:buNone/>
-              <a:defRPr sz="1600"/>
+              <a:defRPr sz="2000"/>
             </a:lvl4pPr>
             <a:lvl5pPr marL="1828800" indent="0" algn="ctr">
               <a:buNone/>
-              <a:defRPr sz="1600"/>
+              <a:defRPr sz="2000"/>
             </a:lvl5pPr>
             <a:lvl6pPr marL="2286000" indent="0" algn="ctr">
               <a:buNone/>
-              <a:defRPr sz="1600"/>
+              <a:defRPr sz="2000"/>
             </a:lvl6pPr>
             <a:lvl7pPr marL="2743200" indent="0" algn="ctr">
               <a:buNone/>
-              <a:defRPr sz="1600"/>
+              <a:defRPr sz="2000"/>
             </a:lvl7pPr>
             <a:lvl8pPr marL="3200400" indent="0" algn="ctr">
               <a:buNone/>
-              <a:defRPr sz="1600"/>
+              <a:defRPr sz="2000"/>
             </a:lvl8pPr>
             <a:lvl9pPr marL="3657600" indent="0" algn="ctr">
               <a:buNone/>
-              <a:defRPr sz="1600"/>
+              <a:defRPr sz="2000"/>
             </a:lvl9pPr>
           </a:lstStyle>
           <a:p>
@@ -1311,13 +1321,13 @@
               <a:rPr lang="ru-RU" smtClean="0"/>
               <a:t>Образец подзаголовка</a:t>
             </a:r>
-            <a:endParaRPr lang="ru-RU"/>
-          </a:p>
-        </p:txBody>
-      </p:sp>
-      <p:sp>
-        <p:nvSpPr>
-          <p:cNvPr id="4" name="Дата 3"/>
+            <a:endParaRPr lang="en-US" dirty="0"/>
+          </a:p>
+        </p:txBody>
+      </p:sp>
+      <p:sp>
+        <p:nvSpPr>
+          <p:cNvPr id="4" name="Date Placeholder 3"/>
           <p:cNvSpPr>
             <a:spLocks noGrp="1"/>
           </p:cNvSpPr>
@@ -1340,7 +1350,7 @@
       </p:sp>
       <p:sp>
         <p:nvSpPr>
-          <p:cNvPr id="5" name="Нижний колонтитул 4"/>
+          <p:cNvPr id="5" name="Footer Placeholder 4"/>
           <p:cNvSpPr>
             <a:spLocks noGrp="1"/>
           </p:cNvSpPr>
@@ -1359,7 +1369,7 @@
       </p:sp>
       <p:sp>
         <p:nvSpPr>
-          <p:cNvPr id="6" name="Номер слайда 5"/>
+          <p:cNvPr id="6" name="Slide Number Placeholder 5"/>
           <p:cNvSpPr>
             <a:spLocks noGrp="1"/>
           </p:cNvSpPr>
@@ -1383,7 +1393,7 @@
     </p:spTree>
     <p:extLst>
       <p:ext uri="{BB962C8B-B14F-4D97-AF65-F5344CB8AC3E}">
-        <p14:creationId xmlns:p14="http://schemas.microsoft.com/office/powerpoint/2010/main" val="3228165476"/>
+        <p14:creationId xmlns:p14="http://schemas.microsoft.com/office/powerpoint/2010/main" val="577939546"/>
       </p:ext>
     </p:extLst>
   </p:cSld>
@@ -1412,7 +1422,7 @@
       </p:grpSpPr>
       <p:sp>
         <p:nvSpPr>
-          <p:cNvPr id="2" name="Заголовок 1"/>
+          <p:cNvPr id="2" name="Title 1"/>
           <p:cNvSpPr>
             <a:spLocks noGrp="1"/>
           </p:cNvSpPr>
@@ -1429,13 +1439,13 @@
               <a:rPr lang="ru-RU" smtClean="0"/>
               <a:t>Образец заголовка</a:t>
             </a:r>
-            <a:endParaRPr lang="ru-RU"/>
-          </a:p>
-        </p:txBody>
-      </p:sp>
-      <p:sp>
-        <p:nvSpPr>
-          <p:cNvPr id="3" name="Вертикальный текст 2"/>
+            <a:endParaRPr lang="en-US"/>
+          </a:p>
+        </p:txBody>
+      </p:sp>
+      <p:sp>
+        <p:nvSpPr>
+          <p:cNvPr id="3" name="Vertical Text Placeholder 2"/>
           <p:cNvSpPr>
             <a:spLocks noGrp="1"/>
           </p:cNvSpPr>
@@ -1481,13 +1491,13 @@
               <a:rPr lang="ru-RU" smtClean="0"/>
               <a:t>Пятый уровень</a:t>
             </a:r>
-            <a:endParaRPr lang="ru-RU"/>
-          </a:p>
-        </p:txBody>
-      </p:sp>
-      <p:sp>
-        <p:nvSpPr>
-          <p:cNvPr id="4" name="Дата 3"/>
+            <a:endParaRPr lang="en-US" dirty="0"/>
+          </a:p>
+        </p:txBody>
+      </p:sp>
+      <p:sp>
+        <p:nvSpPr>
+          <p:cNvPr id="4" name="Date Placeholder 3"/>
           <p:cNvSpPr>
             <a:spLocks noGrp="1"/>
           </p:cNvSpPr>
@@ -1510,7 +1520,7 @@
       </p:sp>
       <p:sp>
         <p:nvSpPr>
-          <p:cNvPr id="5" name="Нижний колонтитул 4"/>
+          <p:cNvPr id="5" name="Footer Placeholder 4"/>
           <p:cNvSpPr>
             <a:spLocks noGrp="1"/>
           </p:cNvSpPr>
@@ -1529,7 +1539,7 @@
       </p:sp>
       <p:sp>
         <p:nvSpPr>
-          <p:cNvPr id="6" name="Номер слайда 5"/>
+          <p:cNvPr id="6" name="Slide Number Placeholder 5"/>
           <p:cNvSpPr>
             <a:spLocks noGrp="1"/>
           </p:cNvSpPr>
@@ -1553,7 +1563,7 @@
     </p:spTree>
     <p:extLst>
       <p:ext uri="{BB962C8B-B14F-4D97-AF65-F5344CB8AC3E}">
-        <p14:creationId xmlns:p14="http://schemas.microsoft.com/office/powerpoint/2010/main" val="1117358852"/>
+        <p14:creationId xmlns:p14="http://schemas.microsoft.com/office/powerpoint/2010/main" val="2615712362"/>
       </p:ext>
     </p:extLst>
   </p:cSld>
@@ -1582,7 +1592,7 @@
       </p:grpSpPr>
       <p:sp>
         <p:nvSpPr>
-          <p:cNvPr id="2" name="Вертикальный заголовок 1"/>
+          <p:cNvPr id="2" name="Vertical Title 1"/>
           <p:cNvSpPr>
             <a:spLocks noGrp="1"/>
           </p:cNvSpPr>
@@ -1592,7 +1602,7 @@
         </p:nvSpPr>
         <p:spPr>
           <a:xfrm>
-            <a:off x="8724900" y="365125"/>
+            <a:off x="8724900" y="360362"/>
             <a:ext cx="2628900" cy="5811838"/>
           </a:xfrm>
         </p:spPr>
@@ -1604,13 +1614,13 @@
               <a:rPr lang="ru-RU" smtClean="0"/>
               <a:t>Образец заголовка</a:t>
             </a:r>
-            <a:endParaRPr lang="ru-RU"/>
-          </a:p>
-        </p:txBody>
-      </p:sp>
-      <p:sp>
-        <p:nvSpPr>
-          <p:cNvPr id="3" name="Вертикальный текст 2"/>
+            <a:endParaRPr lang="en-US"/>
+          </a:p>
+        </p:txBody>
+      </p:sp>
+      <p:sp>
+        <p:nvSpPr>
+          <p:cNvPr id="3" name="Vertical Text Placeholder 2"/>
           <p:cNvSpPr>
             <a:spLocks noGrp="1"/>
           </p:cNvSpPr>
@@ -1620,8 +1630,8 @@
         </p:nvSpPr>
         <p:spPr>
           <a:xfrm>
-            <a:off x="838200" y="365125"/>
-            <a:ext cx="7734300" cy="5811838"/>
+            <a:off x="838200" y="360362"/>
+            <a:ext cx="7734300" cy="5811837"/>
           </a:xfrm>
         </p:spPr>
         <p:txBody>
@@ -1661,13 +1671,13 @@
               <a:rPr lang="ru-RU" smtClean="0"/>
               <a:t>Пятый уровень</a:t>
             </a:r>
-            <a:endParaRPr lang="ru-RU"/>
-          </a:p>
-        </p:txBody>
-      </p:sp>
-      <p:sp>
-        <p:nvSpPr>
-          <p:cNvPr id="4" name="Дата 3"/>
+            <a:endParaRPr lang="en-US"/>
+          </a:p>
+        </p:txBody>
+      </p:sp>
+      <p:sp>
+        <p:nvSpPr>
+          <p:cNvPr id="4" name="Date Placeholder 3"/>
           <p:cNvSpPr>
             <a:spLocks noGrp="1"/>
           </p:cNvSpPr>
@@ -1690,7 +1700,7 @@
       </p:sp>
       <p:sp>
         <p:nvSpPr>
-          <p:cNvPr id="5" name="Нижний колонтитул 4"/>
+          <p:cNvPr id="5" name="Footer Placeholder 4"/>
           <p:cNvSpPr>
             <a:spLocks noGrp="1"/>
           </p:cNvSpPr>
@@ -1709,7 +1719,7 @@
       </p:sp>
       <p:sp>
         <p:nvSpPr>
-          <p:cNvPr id="6" name="Номер слайда 5"/>
+          <p:cNvPr id="6" name="Slide Number Placeholder 5"/>
           <p:cNvSpPr>
             <a:spLocks noGrp="1"/>
           </p:cNvSpPr>
@@ -1733,7 +1743,7 @@
     </p:spTree>
     <p:extLst>
       <p:ext uri="{BB962C8B-B14F-4D97-AF65-F5344CB8AC3E}">
-        <p14:creationId xmlns:p14="http://schemas.microsoft.com/office/powerpoint/2010/main" val="1742585327"/>
+        <p14:creationId xmlns:p14="http://schemas.microsoft.com/office/powerpoint/2010/main" val="487002354"/>
       </p:ext>
     </p:extLst>
   </p:cSld>
@@ -1743,7 +1753,210 @@
 </p:sldLayout>
 </file>
 
-<file path=ppt/slideLayouts/slideLayout2.xml><?xml version="1.0" encoding="utf-8"?>
+<file path=ppt/slideLayouts/slideLayout12.xml><?xml version="1.0" encoding="utf-8"?>
+<p:sldLayout xmlns:a="http://schemas.openxmlformats.org/drawingml/2006/main" xmlns:r="http://schemas.openxmlformats.org/officeDocument/2006/relationships" xmlns:p="http://schemas.openxmlformats.org/presentationml/2006/main" type="title" preserve="1">
+  <p:cSld name="Титульный слайд">
+    <p:spTree>
+      <p:nvGrpSpPr>
+        <p:cNvPr id="1" name=""/>
+        <p:cNvGrpSpPr/>
+        <p:nvPr/>
+      </p:nvGrpSpPr>
+      <p:grpSpPr>
+        <a:xfrm>
+          <a:off x="0" y="0"/>
+          <a:ext cx="0" cy="0"/>
+          <a:chOff x="0" y="0"/>
+          <a:chExt cx="0" cy="0"/>
+        </a:xfrm>
+      </p:grpSpPr>
+      <p:sp>
+        <p:nvSpPr>
+          <p:cNvPr id="2" name="Title 1"/>
+          <p:cNvSpPr>
+            <a:spLocks noGrp="1"/>
+          </p:cNvSpPr>
+          <p:nvPr>
+            <p:ph type="ctrTitle"/>
+          </p:nvPr>
+        </p:nvSpPr>
+        <p:spPr>
+          <a:xfrm>
+            <a:off x="1524000" y="1124530"/>
+            <a:ext cx="9144000" cy="2387600"/>
+          </a:xfrm>
+        </p:spPr>
+        <p:txBody>
+          <a:bodyPr anchor="b">
+            <a:normAutofit/>
+          </a:bodyPr>
+          <a:lstStyle>
+            <a:lvl1pPr algn="ctr">
+              <a:defRPr sz="6000"/>
+            </a:lvl1pPr>
+          </a:lstStyle>
+          <a:p>
+            <a:r>
+              <a:rPr lang="ru-RU" smtClean="0"/>
+              <a:t>Образец заголовка</a:t>
+            </a:r>
+            <a:endParaRPr lang="en-US" dirty="0"/>
+          </a:p>
+        </p:txBody>
+      </p:sp>
+      <p:sp>
+        <p:nvSpPr>
+          <p:cNvPr id="3" name="Subtitle 2"/>
+          <p:cNvSpPr>
+            <a:spLocks noGrp="1"/>
+          </p:cNvSpPr>
+          <p:nvPr>
+            <p:ph type="subTitle" idx="1"/>
+          </p:nvPr>
+        </p:nvSpPr>
+        <p:spPr>
+          <a:xfrm>
+            <a:off x="1524000" y="3602038"/>
+            <a:ext cx="9144000" cy="1655762"/>
+          </a:xfrm>
+        </p:spPr>
+        <p:txBody>
+          <a:bodyPr>
+            <a:normAutofit/>
+          </a:bodyPr>
+          <a:lstStyle>
+            <a:lvl1pPr marL="0" indent="0" algn="ctr">
+              <a:buNone/>
+              <a:defRPr sz="2400">
+                <a:solidFill>
+                  <a:schemeClr val="tx1">
+                    <a:lumMod val="75000"/>
+                    <a:lumOff val="25000"/>
+                  </a:schemeClr>
+                </a:solidFill>
+              </a:defRPr>
+            </a:lvl1pPr>
+            <a:lvl2pPr marL="457200" indent="0" algn="ctr">
+              <a:buNone/>
+              <a:defRPr sz="2800"/>
+            </a:lvl2pPr>
+            <a:lvl3pPr marL="914400" indent="0" algn="ctr">
+              <a:buNone/>
+              <a:defRPr sz="2400"/>
+            </a:lvl3pPr>
+            <a:lvl4pPr marL="1371600" indent="0" algn="ctr">
+              <a:buNone/>
+              <a:defRPr sz="2000"/>
+            </a:lvl4pPr>
+            <a:lvl5pPr marL="1828800" indent="0" algn="ctr">
+              <a:buNone/>
+              <a:defRPr sz="2000"/>
+            </a:lvl5pPr>
+            <a:lvl6pPr marL="2286000" indent="0" algn="ctr">
+              <a:buNone/>
+              <a:defRPr sz="2000"/>
+            </a:lvl6pPr>
+            <a:lvl7pPr marL="2743200" indent="0" algn="ctr">
+              <a:buNone/>
+              <a:defRPr sz="2000"/>
+            </a:lvl7pPr>
+            <a:lvl8pPr marL="3200400" indent="0" algn="ctr">
+              <a:buNone/>
+              <a:defRPr sz="2000"/>
+            </a:lvl8pPr>
+            <a:lvl9pPr marL="3657600" indent="0" algn="ctr">
+              <a:buNone/>
+              <a:defRPr sz="2000"/>
+            </a:lvl9pPr>
+          </a:lstStyle>
+          <a:p>
+            <a:r>
+              <a:rPr lang="ru-RU" smtClean="0"/>
+              <a:t>Образец подзаголовка</a:t>
+            </a:r>
+            <a:endParaRPr lang="en-US" dirty="0"/>
+          </a:p>
+        </p:txBody>
+      </p:sp>
+      <p:sp>
+        <p:nvSpPr>
+          <p:cNvPr id="4" name="Date Placeholder 3"/>
+          <p:cNvSpPr>
+            <a:spLocks noGrp="1"/>
+          </p:cNvSpPr>
+          <p:nvPr>
+            <p:ph type="dt" sz="half" idx="10"/>
+          </p:nvPr>
+        </p:nvSpPr>
+        <p:spPr/>
+        <p:txBody>
+          <a:bodyPr/>
+          <a:lstStyle/>
+          <a:p>
+            <a:fld id="{AED9AC87-F41B-4C81-BDFE-6A4ECF2E6DE7}" type="datetimeFigureOut">
+              <a:rPr lang="ru-RU" smtClean="0"/>
+              <a:t>14.04.2018</a:t>
+            </a:fld>
+            <a:endParaRPr lang="ru-RU"/>
+          </a:p>
+        </p:txBody>
+      </p:sp>
+      <p:sp>
+        <p:nvSpPr>
+          <p:cNvPr id="5" name="Footer Placeholder 4"/>
+          <p:cNvSpPr>
+            <a:spLocks noGrp="1"/>
+          </p:cNvSpPr>
+          <p:nvPr>
+            <p:ph type="ftr" sz="quarter" idx="11"/>
+          </p:nvPr>
+        </p:nvSpPr>
+        <p:spPr/>
+        <p:txBody>
+          <a:bodyPr/>
+          <a:lstStyle/>
+          <a:p>
+            <a:endParaRPr lang="ru-RU"/>
+          </a:p>
+        </p:txBody>
+      </p:sp>
+      <p:sp>
+        <p:nvSpPr>
+          <p:cNvPr id="6" name="Slide Number Placeholder 5"/>
+          <p:cNvSpPr>
+            <a:spLocks noGrp="1"/>
+          </p:cNvSpPr>
+          <p:nvPr>
+            <p:ph type="sldNum" sz="quarter" idx="12"/>
+          </p:nvPr>
+        </p:nvSpPr>
+        <p:spPr/>
+        <p:txBody>
+          <a:bodyPr/>
+          <a:lstStyle/>
+          <a:p>
+            <a:fld id="{8DF65420-A45C-4D30-9D1D-FB4539C05F77}" type="slidenum">
+              <a:rPr lang="ru-RU" smtClean="0"/>
+              <a:t>‹#›</a:t>
+            </a:fld>
+            <a:endParaRPr lang="ru-RU"/>
+          </a:p>
+        </p:txBody>
+      </p:sp>
+    </p:spTree>
+    <p:extLst>
+      <p:ext uri="{BB962C8B-B14F-4D97-AF65-F5344CB8AC3E}">
+        <p14:creationId xmlns:p14="http://schemas.microsoft.com/office/powerpoint/2010/main" val="1176165228"/>
+      </p:ext>
+    </p:extLst>
+  </p:cSld>
+  <p:clrMapOvr>
+    <a:masterClrMapping/>
+  </p:clrMapOvr>
+</p:sldLayout>
+</file>
+
+<file path=ppt/slideLayouts/slideLayout13.xml><?xml version="1.0" encoding="utf-8"?>
 <p:sldLayout xmlns:a="http://schemas.openxmlformats.org/drawingml/2006/main" xmlns:r="http://schemas.openxmlformats.org/officeDocument/2006/relationships" xmlns:p="http://schemas.openxmlformats.org/presentationml/2006/main" type="obj" preserve="1">
   <p:cSld name="Заголовок и объект">
     <p:spTree>
@@ -1762,7 +1975,7 @@
       </p:grpSpPr>
       <p:sp>
         <p:nvSpPr>
-          <p:cNvPr id="2" name="Заголовок 1"/>
+          <p:cNvPr id="2" name="Title 1"/>
           <p:cNvSpPr>
             <a:spLocks noGrp="1"/>
           </p:cNvSpPr>
@@ -1779,13 +1992,13 @@
               <a:rPr lang="ru-RU" smtClean="0"/>
               <a:t>Образец заголовка</a:t>
             </a:r>
-            <a:endParaRPr lang="ru-RU"/>
-          </a:p>
-        </p:txBody>
-      </p:sp>
-      <p:sp>
-        <p:nvSpPr>
-          <p:cNvPr id="3" name="Объект 2"/>
+            <a:endParaRPr lang="en-US" dirty="0"/>
+          </a:p>
+        </p:txBody>
+      </p:sp>
+      <p:sp>
+        <p:nvSpPr>
+          <p:cNvPr id="3" name="Content Placeholder 2"/>
           <p:cNvSpPr>
             <a:spLocks noGrp="1"/>
           </p:cNvSpPr>
@@ -1831,13 +2044,13 @@
               <a:rPr lang="ru-RU" smtClean="0"/>
               <a:t>Пятый уровень</a:t>
             </a:r>
-            <a:endParaRPr lang="ru-RU"/>
-          </a:p>
-        </p:txBody>
-      </p:sp>
-      <p:sp>
-        <p:nvSpPr>
-          <p:cNvPr id="4" name="Дата 3"/>
+            <a:endParaRPr lang="en-US" dirty="0"/>
+          </a:p>
+        </p:txBody>
+      </p:sp>
+      <p:sp>
+        <p:nvSpPr>
+          <p:cNvPr id="4" name="Date Placeholder 3"/>
           <p:cNvSpPr>
             <a:spLocks noGrp="1"/>
           </p:cNvSpPr>
@@ -1860,7 +2073,7 @@
       </p:sp>
       <p:sp>
         <p:nvSpPr>
-          <p:cNvPr id="5" name="Нижний колонтитул 4"/>
+          <p:cNvPr id="5" name="Footer Placeholder 4"/>
           <p:cNvSpPr>
             <a:spLocks noGrp="1"/>
           </p:cNvSpPr>
@@ -1879,7 +2092,7 @@
       </p:sp>
       <p:sp>
         <p:nvSpPr>
-          <p:cNvPr id="6" name="Номер слайда 5"/>
+          <p:cNvPr id="6" name="Slide Number Placeholder 5"/>
           <p:cNvSpPr>
             <a:spLocks noGrp="1"/>
           </p:cNvSpPr>
@@ -1903,7 +2116,7 @@
     </p:spTree>
     <p:extLst>
       <p:ext uri="{BB962C8B-B14F-4D97-AF65-F5344CB8AC3E}">
-        <p14:creationId xmlns:p14="http://schemas.microsoft.com/office/powerpoint/2010/main" val="4265238930"/>
+        <p14:creationId xmlns:p14="http://schemas.microsoft.com/office/powerpoint/2010/main" val="1399857297"/>
       </p:ext>
     </p:extLst>
   </p:cSld>
@@ -1913,7 +2126,7 @@
 </p:sldLayout>
 </file>
 
-<file path=ppt/slideLayouts/slideLayout3.xml><?xml version="1.0" encoding="utf-8"?>
+<file path=ppt/slideLayouts/slideLayout14.xml><?xml version="1.0" encoding="utf-8"?>
 <p:sldLayout xmlns:a="http://schemas.openxmlformats.org/drawingml/2006/main" xmlns:r="http://schemas.openxmlformats.org/officeDocument/2006/relationships" xmlns:p="http://schemas.openxmlformats.org/presentationml/2006/main" type="secHead" preserve="1">
   <p:cSld name="Заголовок раздела">
     <p:spTree>
@@ -1932,7 +2145,7 @@
       </p:grpSpPr>
       <p:sp>
         <p:nvSpPr>
-          <p:cNvPr id="2" name="Заголовок 1"/>
+          <p:cNvPr id="2" name="Title 1"/>
           <p:cNvSpPr>
             <a:spLocks noGrp="1"/>
           </p:cNvSpPr>
@@ -1942,15 +2155,17 @@
         </p:nvSpPr>
         <p:spPr>
           <a:xfrm>
-            <a:off x="831850" y="1709738"/>
-            <a:ext cx="10515600" cy="2852737"/>
+            <a:off x="831850" y="1712423"/>
+            <a:ext cx="10515600" cy="2851208"/>
           </a:xfrm>
         </p:spPr>
         <p:txBody>
-          <a:bodyPr anchor="b"/>
+          <a:bodyPr anchor="b">
+            <a:normAutofit/>
+          </a:bodyPr>
           <a:lstStyle>
             <a:lvl1pPr>
-              <a:defRPr sz="6000"/>
+              <a:defRPr sz="6000" b="0"/>
             </a:lvl1pPr>
           </a:lstStyle>
           <a:p>
@@ -1958,13 +2173,13 @@
               <a:rPr lang="ru-RU" smtClean="0"/>
               <a:t>Образец заголовка</a:t>
             </a:r>
-            <a:endParaRPr lang="ru-RU"/>
-          </a:p>
-        </p:txBody>
-      </p:sp>
-      <p:sp>
-        <p:nvSpPr>
-          <p:cNvPr id="3" name="Текст 2"/>
+            <a:endParaRPr lang="en-US" dirty="0"/>
+          </a:p>
+        </p:txBody>
+      </p:sp>
+      <p:sp>
+        <p:nvSpPr>
+          <p:cNvPr id="3" name="Text Placeholder 2"/>
           <p:cNvSpPr>
             <a:spLocks noGrp="1"/>
           </p:cNvSpPr>
@@ -1974,26 +2189,29 @@
         </p:nvSpPr>
         <p:spPr>
           <a:xfrm>
-            <a:off x="831850" y="4589463"/>
+            <a:off x="831850" y="4552633"/>
             <a:ext cx="10515600" cy="1500187"/>
           </a:xfrm>
         </p:spPr>
         <p:txBody>
-          <a:bodyPr/>
+          <a:bodyPr anchor="t">
+            <a:normAutofit/>
+          </a:bodyPr>
           <a:lstStyle>
             <a:lvl1pPr marL="0" indent="0">
               <a:buNone/>
               <a:defRPr sz="2400">
                 <a:solidFill>
                   <a:schemeClr val="tx1">
-                    <a:tint val="75000"/>
+                    <a:lumMod val="75000"/>
+                    <a:lumOff val="25000"/>
                   </a:schemeClr>
                 </a:solidFill>
               </a:defRPr>
             </a:lvl1pPr>
             <a:lvl2pPr marL="457200" indent="0">
               <a:buNone/>
-              <a:defRPr sz="2000">
+              <a:defRPr sz="1800">
                 <a:solidFill>
                   <a:schemeClr val="tx1">
                     <a:tint val="75000"/>
@@ -2003,7 +2221,7 @@
             </a:lvl2pPr>
             <a:lvl3pPr marL="914400" indent="0">
               <a:buNone/>
-              <a:defRPr sz="1800">
+              <a:defRPr sz="1600">
                 <a:solidFill>
                   <a:schemeClr val="tx1">
                     <a:tint val="75000"/>
@@ -2013,7 +2231,7 @@
             </a:lvl3pPr>
             <a:lvl4pPr marL="1371600" indent="0">
               <a:buNone/>
-              <a:defRPr sz="1600">
+              <a:defRPr sz="1400">
                 <a:solidFill>
                   <a:schemeClr val="tx1">
                     <a:tint val="75000"/>
@@ -2023,7 +2241,7 @@
             </a:lvl4pPr>
             <a:lvl5pPr marL="1828800" indent="0">
               <a:buNone/>
-              <a:defRPr sz="1600">
+              <a:defRPr sz="1400">
                 <a:solidFill>
                   <a:schemeClr val="tx1">
                     <a:tint val="75000"/>
@@ -2033,7 +2251,7 @@
             </a:lvl5pPr>
             <a:lvl6pPr marL="2286000" indent="0">
               <a:buNone/>
-              <a:defRPr sz="1600">
+              <a:defRPr sz="1400">
                 <a:solidFill>
                   <a:schemeClr val="tx1">
                     <a:tint val="75000"/>
@@ -2043,7 +2261,7 @@
             </a:lvl6pPr>
             <a:lvl7pPr marL="2743200" indent="0">
               <a:buNone/>
-              <a:defRPr sz="1600">
+              <a:defRPr sz="1400">
                 <a:solidFill>
                   <a:schemeClr val="tx1">
                     <a:tint val="75000"/>
@@ -2053,7 +2271,7 @@
             </a:lvl7pPr>
             <a:lvl8pPr marL="3200400" indent="0">
               <a:buNone/>
-              <a:defRPr sz="1600">
+              <a:defRPr sz="1400">
                 <a:solidFill>
                   <a:schemeClr val="tx1">
                     <a:tint val="75000"/>
@@ -2063,7 +2281,7 @@
             </a:lvl8pPr>
             <a:lvl9pPr marL="3657600" indent="0">
               <a:buNone/>
-              <a:defRPr sz="1600">
+              <a:defRPr sz="1400">
                 <a:solidFill>
                   <a:schemeClr val="tx1">
                     <a:tint val="75000"/>
@@ -2083,7 +2301,7 @@
       </p:sp>
       <p:sp>
         <p:nvSpPr>
-          <p:cNvPr id="4" name="Дата 3"/>
+          <p:cNvPr id="4" name="Date Placeholder 3"/>
           <p:cNvSpPr>
             <a:spLocks noGrp="1"/>
           </p:cNvSpPr>
@@ -2106,7 +2324,7 @@
       </p:sp>
       <p:sp>
         <p:nvSpPr>
-          <p:cNvPr id="5" name="Нижний колонтитул 4"/>
+          <p:cNvPr id="5" name="Footer Placeholder 4"/>
           <p:cNvSpPr>
             <a:spLocks noGrp="1"/>
           </p:cNvSpPr>
@@ -2125,7 +2343,7 @@
       </p:sp>
       <p:sp>
         <p:nvSpPr>
-          <p:cNvPr id="6" name="Номер слайда 5"/>
+          <p:cNvPr id="6" name="Slide Number Placeholder 5"/>
           <p:cNvSpPr>
             <a:spLocks noGrp="1"/>
           </p:cNvSpPr>
@@ -2149,7 +2367,7 @@
     </p:spTree>
     <p:extLst>
       <p:ext uri="{BB962C8B-B14F-4D97-AF65-F5344CB8AC3E}">
-        <p14:creationId xmlns:p14="http://schemas.microsoft.com/office/powerpoint/2010/main" val="570309483"/>
+        <p14:creationId xmlns:p14="http://schemas.microsoft.com/office/powerpoint/2010/main" val="2161129300"/>
       </p:ext>
     </p:extLst>
   </p:cSld>
@@ -2159,7 +2377,7 @@
 </p:sldLayout>
 </file>
 
-<file path=ppt/slideLayouts/slideLayout4.xml><?xml version="1.0" encoding="utf-8"?>
+<file path=ppt/slideLayouts/slideLayout15.xml><?xml version="1.0" encoding="utf-8"?>
 <p:sldLayout xmlns:a="http://schemas.openxmlformats.org/drawingml/2006/main" xmlns:r="http://schemas.openxmlformats.org/officeDocument/2006/relationships" xmlns:p="http://schemas.openxmlformats.org/presentationml/2006/main" type="twoObj" preserve="1">
   <p:cSld name="Два объекта">
     <p:spTree>
@@ -2178,7 +2396,7 @@
       </p:grpSpPr>
       <p:sp>
         <p:nvSpPr>
-          <p:cNvPr id="2" name="Заголовок 1"/>
+          <p:cNvPr id="2" name="Title 1"/>
           <p:cNvSpPr>
             <a:spLocks noGrp="1"/>
           </p:cNvSpPr>
@@ -2195,13 +2413,13 @@
               <a:rPr lang="ru-RU" smtClean="0"/>
               <a:t>Образец заголовка</a:t>
             </a:r>
-            <a:endParaRPr lang="ru-RU"/>
-          </a:p>
-        </p:txBody>
-      </p:sp>
-      <p:sp>
-        <p:nvSpPr>
-          <p:cNvPr id="3" name="Объект 2"/>
+            <a:endParaRPr lang="en-US" dirty="0"/>
+          </a:p>
+        </p:txBody>
+      </p:sp>
+      <p:sp>
+        <p:nvSpPr>
+          <p:cNvPr id="3" name="Content Placeholder 2"/>
           <p:cNvSpPr>
             <a:spLocks noGrp="1"/>
           </p:cNvSpPr>
@@ -2211,8 +2429,8 @@
         </p:nvSpPr>
         <p:spPr>
           <a:xfrm>
-            <a:off x="838200" y="1825625"/>
-            <a:ext cx="5181600" cy="4351338"/>
+            <a:off x="845127" y="1828800"/>
+            <a:ext cx="5181600" cy="4351337"/>
           </a:xfrm>
         </p:spPr>
         <p:txBody>
@@ -2252,13 +2470,13 @@
               <a:rPr lang="ru-RU" smtClean="0"/>
               <a:t>Пятый уровень</a:t>
             </a:r>
-            <a:endParaRPr lang="ru-RU"/>
-          </a:p>
-        </p:txBody>
-      </p:sp>
-      <p:sp>
-        <p:nvSpPr>
-          <p:cNvPr id="4" name="Объект 3"/>
+            <a:endParaRPr lang="en-US" dirty="0"/>
+          </a:p>
+        </p:txBody>
+      </p:sp>
+      <p:sp>
+        <p:nvSpPr>
+          <p:cNvPr id="4" name="Content Placeholder 3"/>
           <p:cNvSpPr>
             <a:spLocks noGrp="1"/>
           </p:cNvSpPr>
@@ -2268,8 +2486,8 @@
         </p:nvSpPr>
         <p:spPr>
           <a:xfrm>
-            <a:off x="6172200" y="1825625"/>
-            <a:ext cx="5181600" cy="4351338"/>
+            <a:off x="6172200" y="1828800"/>
+            <a:ext cx="5181600" cy="4351337"/>
           </a:xfrm>
         </p:spPr>
         <p:txBody>
@@ -2309,13 +2527,13 @@
               <a:rPr lang="ru-RU" smtClean="0"/>
               <a:t>Пятый уровень</a:t>
             </a:r>
-            <a:endParaRPr lang="ru-RU"/>
-          </a:p>
-        </p:txBody>
-      </p:sp>
-      <p:sp>
-        <p:nvSpPr>
-          <p:cNvPr id="5" name="Дата 4"/>
+            <a:endParaRPr lang="en-US" dirty="0"/>
+          </a:p>
+        </p:txBody>
+      </p:sp>
+      <p:sp>
+        <p:nvSpPr>
+          <p:cNvPr id="5" name="Date Placeholder 4"/>
           <p:cNvSpPr>
             <a:spLocks noGrp="1"/>
           </p:cNvSpPr>
@@ -2338,7 +2556,7 @@
       </p:sp>
       <p:sp>
         <p:nvSpPr>
-          <p:cNvPr id="6" name="Нижний колонтитул 5"/>
+          <p:cNvPr id="6" name="Footer Placeholder 5"/>
           <p:cNvSpPr>
             <a:spLocks noGrp="1"/>
           </p:cNvSpPr>
@@ -2357,7 +2575,7 @@
       </p:sp>
       <p:sp>
         <p:nvSpPr>
-          <p:cNvPr id="7" name="Номер слайда 6"/>
+          <p:cNvPr id="7" name="Slide Number Placeholder 6"/>
           <p:cNvSpPr>
             <a:spLocks noGrp="1"/>
           </p:cNvSpPr>
@@ -2381,7 +2599,7 @@
     </p:spTree>
     <p:extLst>
       <p:ext uri="{BB962C8B-B14F-4D97-AF65-F5344CB8AC3E}">
-        <p14:creationId xmlns:p14="http://schemas.microsoft.com/office/powerpoint/2010/main" val="2082380031"/>
+        <p14:creationId xmlns:p14="http://schemas.microsoft.com/office/powerpoint/2010/main" val="615377787"/>
       </p:ext>
     </p:extLst>
   </p:cSld>
@@ -2391,8 +2609,8 @@
 </p:sldLayout>
 </file>
 
-<file path=ppt/slideLayouts/slideLayout5.xml><?xml version="1.0" encoding="utf-8"?>
-<p:sldLayout xmlns:a="http://schemas.openxmlformats.org/drawingml/2006/main" xmlns:r="http://schemas.openxmlformats.org/officeDocument/2006/relationships" xmlns:p="http://schemas.openxmlformats.org/presentationml/2006/main" type="twoTxTwoObj" preserve="1">
+<file path=ppt/slideLayouts/slideLayout16.xml><?xml version="1.0" encoding="utf-8"?>
+<p:sldLayout xmlns:a="http://schemas.openxmlformats.org/drawingml/2006/main" xmlns:r="http://schemas.openxmlformats.org/officeDocument/2006/relationships" xmlns:p="http://schemas.openxmlformats.org/presentationml/2006/main" preserve="1">
   <p:cSld name="Сравнение">
     <p:spTree>
       <p:nvGrpSpPr>
@@ -2410,52 +2628,154 @@
       </p:grpSpPr>
       <p:sp>
         <p:nvSpPr>
-          <p:cNvPr id="2" name="Заголовок 1"/>
-          <p:cNvSpPr>
-            <a:spLocks noGrp="1"/>
-          </p:cNvSpPr>
-          <p:nvPr>
-            <p:ph type="title"/>
+          <p:cNvPr id="3" name="Text Placeholder 2"/>
+          <p:cNvSpPr>
+            <a:spLocks noGrp="1"/>
+          </p:cNvSpPr>
+          <p:nvPr>
+            <p:ph type="body" idx="1"/>
           </p:nvPr>
         </p:nvSpPr>
         <p:spPr>
           <a:xfrm>
-            <a:off x="839788" y="365125"/>
-            <a:ext cx="10515600" cy="1325563"/>
+            <a:off x="845127" y="1681850"/>
+            <a:ext cx="5156200" cy="825699"/>
           </a:xfrm>
         </p:spPr>
         <p:txBody>
-          <a:bodyPr/>
-          <a:lstStyle/>
-          <a:p>
-            <a:r>
-              <a:rPr lang="ru-RU" smtClean="0"/>
-              <a:t>Образец заголовка</a:t>
-            </a:r>
-            <a:endParaRPr lang="ru-RU"/>
-          </a:p>
-        </p:txBody>
-      </p:sp>
-      <p:sp>
-        <p:nvSpPr>
-          <p:cNvPr id="3" name="Текст 2"/>
-          <p:cNvSpPr>
-            <a:spLocks noGrp="1"/>
-          </p:cNvSpPr>
-          <p:nvPr>
-            <p:ph type="body" idx="1"/>
+          <a:bodyPr anchor="b">
+            <a:normAutofit/>
+          </a:bodyPr>
+          <a:lstStyle>
+            <a:lvl1pPr marL="0" indent="0">
+              <a:spcBef>
+                <a:spcPts val="0"/>
+              </a:spcBef>
+              <a:buNone/>
+              <a:defRPr sz="2400" b="1"/>
+            </a:lvl1pPr>
+            <a:lvl2pPr marL="457200" indent="0">
+              <a:buNone/>
+              <a:defRPr sz="2000" b="1"/>
+            </a:lvl2pPr>
+            <a:lvl3pPr marL="914400" indent="0">
+              <a:buNone/>
+              <a:defRPr sz="1800" b="1"/>
+            </a:lvl3pPr>
+            <a:lvl4pPr marL="1371600" indent="0">
+              <a:buNone/>
+              <a:defRPr sz="1600" b="1"/>
+            </a:lvl4pPr>
+            <a:lvl5pPr marL="1828800" indent="0">
+              <a:buNone/>
+              <a:defRPr sz="1600" b="1"/>
+            </a:lvl5pPr>
+            <a:lvl6pPr marL="2286000" indent="0">
+              <a:buNone/>
+              <a:defRPr sz="1600" b="1"/>
+            </a:lvl6pPr>
+            <a:lvl7pPr marL="2743200" indent="0">
+              <a:buNone/>
+              <a:defRPr sz="1600" b="1"/>
+            </a:lvl7pPr>
+            <a:lvl8pPr marL="3200400" indent="0">
+              <a:buNone/>
+              <a:defRPr sz="1600" b="1"/>
+            </a:lvl8pPr>
+            <a:lvl9pPr marL="3657600" indent="0">
+              <a:buNone/>
+              <a:defRPr sz="1600" b="1"/>
+            </a:lvl9pPr>
+          </a:lstStyle>
+          <a:p>
+            <a:pPr lvl="0"/>
+            <a:r>
+              <a:rPr lang="ru-RU" smtClean="0"/>
+              <a:t>Образец текста</a:t>
+            </a:r>
+          </a:p>
+        </p:txBody>
+      </p:sp>
+      <p:sp>
+        <p:nvSpPr>
+          <p:cNvPr id="4" name="Content Placeholder 3"/>
+          <p:cNvSpPr>
+            <a:spLocks noGrp="1"/>
+          </p:cNvSpPr>
+          <p:nvPr>
+            <p:ph sz="half" idx="2"/>
           </p:nvPr>
         </p:nvSpPr>
         <p:spPr>
           <a:xfrm>
-            <a:off x="839788" y="1681163"/>
-            <a:ext cx="5157787" cy="823912"/>
+            <a:off x="845127" y="2507550"/>
+            <a:ext cx="5156200" cy="3680525"/>
+          </a:xfrm>
+        </p:spPr>
+        <p:txBody>
+          <a:bodyPr/>
+          <a:lstStyle/>
+          <a:p>
+            <a:pPr lvl="0"/>
+            <a:r>
+              <a:rPr lang="ru-RU" smtClean="0"/>
+              <a:t>Образец текста</a:t>
+            </a:r>
+          </a:p>
+          <a:p>
+            <a:pPr lvl="1"/>
+            <a:r>
+              <a:rPr lang="ru-RU" smtClean="0"/>
+              <a:t>Второй уровень</a:t>
+            </a:r>
+          </a:p>
+          <a:p>
+            <a:pPr lvl="2"/>
+            <a:r>
+              <a:rPr lang="ru-RU" smtClean="0"/>
+              <a:t>Третий уровень</a:t>
+            </a:r>
+          </a:p>
+          <a:p>
+            <a:pPr lvl="3"/>
+            <a:r>
+              <a:rPr lang="ru-RU" smtClean="0"/>
+              <a:t>Четвертый уровень</a:t>
+            </a:r>
+          </a:p>
+          <a:p>
+            <a:pPr lvl="4"/>
+            <a:r>
+              <a:rPr lang="ru-RU" smtClean="0"/>
+              <a:t>Пятый уровень</a:t>
+            </a:r>
+            <a:endParaRPr lang="en-US" dirty="0"/>
+          </a:p>
+        </p:txBody>
+      </p:sp>
+      <p:sp>
+        <p:nvSpPr>
+          <p:cNvPr id="5" name="Text Placeholder 4"/>
+          <p:cNvSpPr>
+            <a:spLocks noGrp="1"/>
+          </p:cNvSpPr>
+          <p:nvPr>
+            <p:ph type="body" sz="quarter" idx="3"/>
+          </p:nvPr>
+        </p:nvSpPr>
+        <p:spPr>
+          <a:xfrm>
+            <a:off x="6172200" y="1681851"/>
+            <a:ext cx="5181601" cy="825698"/>
           </a:xfrm>
         </p:spPr>
         <p:txBody>
           <a:bodyPr anchor="b"/>
           <a:lstStyle>
             <a:lvl1pPr marL="0" indent="0">
+              <a:spcBef>
+                <a:spcPts val="0"/>
+              </a:spcBef>
               <a:buNone/>
               <a:defRPr sz="2400" b="1"/>
             </a:lvl1pPr>
@@ -2503,18 +2823,18 @@
       </p:sp>
       <p:sp>
         <p:nvSpPr>
-          <p:cNvPr id="4" name="Объект 3"/>
-          <p:cNvSpPr>
-            <a:spLocks noGrp="1"/>
-          </p:cNvSpPr>
-          <p:nvPr>
-            <p:ph sz="half" idx="2"/>
+          <p:cNvPr id="6" name="Content Placeholder 5"/>
+          <p:cNvSpPr>
+            <a:spLocks noGrp="1"/>
+          </p:cNvSpPr>
+          <p:nvPr>
+            <p:ph sz="quarter" idx="4"/>
           </p:nvPr>
         </p:nvSpPr>
         <p:spPr>
           <a:xfrm>
-            <a:off x="839788" y="2505075"/>
-            <a:ext cx="5157787" cy="3684588"/>
+            <a:off x="6172200" y="2507550"/>
+            <a:ext cx="5181601" cy="3680525"/>
           </a:xfrm>
         </p:spPr>
         <p:txBody>
@@ -2554,135 +2874,13 @@
               <a:rPr lang="ru-RU" smtClean="0"/>
               <a:t>Пятый уровень</a:t>
             </a:r>
-            <a:endParaRPr lang="ru-RU"/>
-          </a:p>
-        </p:txBody>
-      </p:sp>
-      <p:sp>
-        <p:nvSpPr>
-          <p:cNvPr id="5" name="Текст 4"/>
-          <p:cNvSpPr>
-            <a:spLocks noGrp="1"/>
-          </p:cNvSpPr>
-          <p:nvPr>
-            <p:ph type="body" sz="quarter" idx="3"/>
-          </p:nvPr>
-        </p:nvSpPr>
-        <p:spPr>
-          <a:xfrm>
-            <a:off x="6172200" y="1681163"/>
-            <a:ext cx="5183188" cy="823912"/>
-          </a:xfrm>
-        </p:spPr>
-        <p:txBody>
-          <a:bodyPr anchor="b"/>
-          <a:lstStyle>
-            <a:lvl1pPr marL="0" indent="0">
-              <a:buNone/>
-              <a:defRPr sz="2400" b="1"/>
-            </a:lvl1pPr>
-            <a:lvl2pPr marL="457200" indent="0">
-              <a:buNone/>
-              <a:defRPr sz="2000" b="1"/>
-            </a:lvl2pPr>
-            <a:lvl3pPr marL="914400" indent="0">
-              <a:buNone/>
-              <a:defRPr sz="1800" b="1"/>
-            </a:lvl3pPr>
-            <a:lvl4pPr marL="1371600" indent="0">
-              <a:buNone/>
-              <a:defRPr sz="1600" b="1"/>
-            </a:lvl4pPr>
-            <a:lvl5pPr marL="1828800" indent="0">
-              <a:buNone/>
-              <a:defRPr sz="1600" b="1"/>
-            </a:lvl5pPr>
-            <a:lvl6pPr marL="2286000" indent="0">
-              <a:buNone/>
-              <a:defRPr sz="1600" b="1"/>
-            </a:lvl6pPr>
-            <a:lvl7pPr marL="2743200" indent="0">
-              <a:buNone/>
-              <a:defRPr sz="1600" b="1"/>
-            </a:lvl7pPr>
-            <a:lvl8pPr marL="3200400" indent="0">
-              <a:buNone/>
-              <a:defRPr sz="1600" b="1"/>
-            </a:lvl8pPr>
-            <a:lvl9pPr marL="3657600" indent="0">
-              <a:buNone/>
-              <a:defRPr sz="1600" b="1"/>
-            </a:lvl9pPr>
-          </a:lstStyle>
-          <a:p>
-            <a:pPr lvl="0"/>
-            <a:r>
-              <a:rPr lang="ru-RU" smtClean="0"/>
-              <a:t>Образец текста</a:t>
-            </a:r>
-          </a:p>
-        </p:txBody>
-      </p:sp>
-      <p:sp>
-        <p:nvSpPr>
-          <p:cNvPr id="6" name="Объект 5"/>
-          <p:cNvSpPr>
-            <a:spLocks noGrp="1"/>
-          </p:cNvSpPr>
-          <p:nvPr>
-            <p:ph sz="quarter" idx="4"/>
-          </p:nvPr>
-        </p:nvSpPr>
-        <p:spPr>
-          <a:xfrm>
-            <a:off x="6172200" y="2505075"/>
-            <a:ext cx="5183188" cy="3684588"/>
-          </a:xfrm>
-        </p:spPr>
-        <p:txBody>
-          <a:bodyPr/>
-          <a:lstStyle/>
-          <a:p>
-            <a:pPr lvl="0"/>
-            <a:r>
-              <a:rPr lang="ru-RU" smtClean="0"/>
-              <a:t>Образец текста</a:t>
-            </a:r>
-          </a:p>
-          <a:p>
-            <a:pPr lvl="1"/>
-            <a:r>
-              <a:rPr lang="ru-RU" smtClean="0"/>
-              <a:t>Второй уровень</a:t>
-            </a:r>
-          </a:p>
-          <a:p>
-            <a:pPr lvl="2"/>
-            <a:r>
-              <a:rPr lang="ru-RU" smtClean="0"/>
-              <a:t>Третий уровень</a:t>
-            </a:r>
-          </a:p>
-          <a:p>
-            <a:pPr lvl="3"/>
-            <a:r>
-              <a:rPr lang="ru-RU" smtClean="0"/>
-              <a:t>Четвертый уровень</a:t>
-            </a:r>
-          </a:p>
-          <a:p>
-            <a:pPr lvl="4"/>
-            <a:r>
-              <a:rPr lang="ru-RU" smtClean="0"/>
-              <a:t>Пятый уровень</a:t>
-            </a:r>
-            <a:endParaRPr lang="ru-RU"/>
-          </a:p>
-        </p:txBody>
-      </p:sp>
-      <p:sp>
-        <p:nvSpPr>
-          <p:cNvPr id="7" name="Дата 6"/>
+            <a:endParaRPr lang="en-US"/>
+          </a:p>
+        </p:txBody>
+      </p:sp>
+      <p:sp>
+        <p:nvSpPr>
+          <p:cNvPr id="7" name="Date Placeholder 6"/>
           <p:cNvSpPr>
             <a:spLocks noGrp="1"/>
           </p:cNvSpPr>
@@ -2705,7 +2903,7 @@
       </p:sp>
       <p:sp>
         <p:nvSpPr>
-          <p:cNvPr id="8" name="Нижний колонтитул 7"/>
+          <p:cNvPr id="8" name="Footer Placeholder 7"/>
           <p:cNvSpPr>
             <a:spLocks noGrp="1"/>
           </p:cNvSpPr>
@@ -2724,7 +2922,7 @@
       </p:sp>
       <p:sp>
         <p:nvSpPr>
-          <p:cNvPr id="9" name="Номер слайда 8"/>
+          <p:cNvPr id="9" name="Slide Number Placeholder 8"/>
           <p:cNvSpPr>
             <a:spLocks noGrp="1"/>
           </p:cNvSpPr>
@@ -2745,10 +2943,33 @@
           </a:p>
         </p:txBody>
       </p:sp>
+      <p:sp>
+        <p:nvSpPr>
+          <p:cNvPr id="10" name="Title 9"/>
+          <p:cNvSpPr>
+            <a:spLocks noGrp="1"/>
+          </p:cNvSpPr>
+          <p:nvPr>
+            <p:ph type="title"/>
+          </p:nvPr>
+        </p:nvSpPr>
+        <p:spPr/>
+        <p:txBody>
+          <a:bodyPr/>
+          <a:lstStyle/>
+          <a:p>
+            <a:r>
+              <a:rPr lang="ru-RU" smtClean="0"/>
+              <a:t>Образец заголовка</a:t>
+            </a:r>
+            <a:endParaRPr lang="en-US" dirty="0"/>
+          </a:p>
+        </p:txBody>
+      </p:sp>
     </p:spTree>
     <p:extLst>
       <p:ext uri="{BB962C8B-B14F-4D97-AF65-F5344CB8AC3E}">
-        <p14:creationId xmlns:p14="http://schemas.microsoft.com/office/powerpoint/2010/main" val="2987204923"/>
+        <p14:creationId xmlns:p14="http://schemas.microsoft.com/office/powerpoint/2010/main" val="2798207806"/>
       </p:ext>
     </p:extLst>
   </p:cSld>
@@ -2758,8 +2979,8 @@
 </p:sldLayout>
 </file>
 
-<file path=ppt/slideLayouts/slideLayout6.xml><?xml version="1.0" encoding="utf-8"?>
-<p:sldLayout xmlns:a="http://schemas.openxmlformats.org/drawingml/2006/main" xmlns:r="http://schemas.openxmlformats.org/officeDocument/2006/relationships" xmlns:p="http://schemas.openxmlformats.org/presentationml/2006/main" type="titleOnly" preserve="1">
+<file path=ppt/slideLayouts/slideLayout17.xml><?xml version="1.0" encoding="utf-8"?>
+<p:sldLayout xmlns:a="http://schemas.openxmlformats.org/drawingml/2006/main" xmlns:r="http://schemas.openxmlformats.org/officeDocument/2006/relationships" xmlns:p="http://schemas.openxmlformats.org/presentationml/2006/main" preserve="1">
   <p:cSld name="Только заголовок">
     <p:spTree>
       <p:nvGrpSpPr>
@@ -2777,30 +2998,7 @@
       </p:grpSpPr>
       <p:sp>
         <p:nvSpPr>
-          <p:cNvPr id="2" name="Заголовок 1"/>
-          <p:cNvSpPr>
-            <a:spLocks noGrp="1"/>
-          </p:cNvSpPr>
-          <p:nvPr>
-            <p:ph type="title"/>
-          </p:nvPr>
-        </p:nvSpPr>
-        <p:spPr/>
-        <p:txBody>
-          <a:bodyPr/>
-          <a:lstStyle/>
-          <a:p>
-            <a:r>
-              <a:rPr lang="ru-RU" smtClean="0"/>
-              <a:t>Образец заголовка</a:t>
-            </a:r>
-            <a:endParaRPr lang="ru-RU"/>
-          </a:p>
-        </p:txBody>
-      </p:sp>
-      <p:sp>
-        <p:nvSpPr>
-          <p:cNvPr id="3" name="Дата 2"/>
+          <p:cNvPr id="3" name="Date Placeholder 2"/>
           <p:cNvSpPr>
             <a:spLocks noGrp="1"/>
           </p:cNvSpPr>
@@ -2823,7 +3021,7 @@
       </p:sp>
       <p:sp>
         <p:nvSpPr>
-          <p:cNvPr id="4" name="Нижний колонтитул 3"/>
+          <p:cNvPr id="4" name="Footer Placeholder 3"/>
           <p:cNvSpPr>
             <a:spLocks noGrp="1"/>
           </p:cNvSpPr>
@@ -2842,7 +3040,7 @@
       </p:sp>
       <p:sp>
         <p:nvSpPr>
-          <p:cNvPr id="5" name="Номер слайда 4"/>
+          <p:cNvPr id="5" name="Slide Number Placeholder 4"/>
           <p:cNvSpPr>
             <a:spLocks noGrp="1"/>
           </p:cNvSpPr>
@@ -2863,10 +3061,33 @@
           </a:p>
         </p:txBody>
       </p:sp>
+      <p:sp>
+        <p:nvSpPr>
+          <p:cNvPr id="6" name="Title 5"/>
+          <p:cNvSpPr>
+            <a:spLocks noGrp="1"/>
+          </p:cNvSpPr>
+          <p:nvPr>
+            <p:ph type="title"/>
+          </p:nvPr>
+        </p:nvSpPr>
+        <p:spPr/>
+        <p:txBody>
+          <a:bodyPr/>
+          <a:lstStyle/>
+          <a:p>
+            <a:r>
+              <a:rPr lang="ru-RU" smtClean="0"/>
+              <a:t>Образец заголовка</a:t>
+            </a:r>
+            <a:endParaRPr lang="en-US"/>
+          </a:p>
+        </p:txBody>
+      </p:sp>
     </p:spTree>
     <p:extLst>
       <p:ext uri="{BB962C8B-B14F-4D97-AF65-F5344CB8AC3E}">
-        <p14:creationId xmlns:p14="http://schemas.microsoft.com/office/powerpoint/2010/main" val="1971657617"/>
+        <p14:creationId xmlns:p14="http://schemas.microsoft.com/office/powerpoint/2010/main" val="1398274025"/>
       </p:ext>
     </p:extLst>
   </p:cSld>
@@ -2876,7 +3097,7 @@
 </p:sldLayout>
 </file>
 
-<file path=ppt/slideLayouts/slideLayout7.xml><?xml version="1.0" encoding="utf-8"?>
+<file path=ppt/slideLayouts/slideLayout18.xml><?xml version="1.0" encoding="utf-8"?>
 <p:sldLayout xmlns:a="http://schemas.openxmlformats.org/drawingml/2006/main" xmlns:r="http://schemas.openxmlformats.org/officeDocument/2006/relationships" xmlns:p="http://schemas.openxmlformats.org/presentationml/2006/main" type="blank" preserve="1">
   <p:cSld name="Пустой слайд">
     <p:spTree>
@@ -2895,7 +3116,7 @@
       </p:grpSpPr>
       <p:sp>
         <p:nvSpPr>
-          <p:cNvPr id="2" name="Дата 1"/>
+          <p:cNvPr id="2" name="Date Placeholder 1"/>
           <p:cNvSpPr>
             <a:spLocks noGrp="1"/>
           </p:cNvSpPr>
@@ -2918,7 +3139,7 @@
       </p:sp>
       <p:sp>
         <p:nvSpPr>
-          <p:cNvPr id="3" name="Нижний колонтитул 2"/>
+          <p:cNvPr id="3" name="Footer Placeholder 2"/>
           <p:cNvSpPr>
             <a:spLocks noGrp="1"/>
           </p:cNvSpPr>
@@ -2937,7 +3158,7 @@
       </p:sp>
       <p:sp>
         <p:nvSpPr>
-          <p:cNvPr id="4" name="Номер слайда 3"/>
+          <p:cNvPr id="4" name="Slide Number Placeholder 3"/>
           <p:cNvSpPr>
             <a:spLocks noGrp="1"/>
           </p:cNvSpPr>
@@ -2961,7 +3182,7 @@
     </p:spTree>
     <p:extLst>
       <p:ext uri="{BB962C8B-B14F-4D97-AF65-F5344CB8AC3E}">
-        <p14:creationId xmlns:p14="http://schemas.microsoft.com/office/powerpoint/2010/main" val="4086030401"/>
+        <p14:creationId xmlns:p14="http://schemas.microsoft.com/office/powerpoint/2010/main" val="2442859169"/>
       </p:ext>
     </p:extLst>
   </p:cSld>
@@ -2971,7 +3192,7 @@
 </p:sldLayout>
 </file>
 
-<file path=ppt/slideLayouts/slideLayout8.xml><?xml version="1.0" encoding="utf-8"?>
+<file path=ppt/slideLayouts/slideLayout19.xml><?xml version="1.0" encoding="utf-8"?>
 <p:sldLayout xmlns:a="http://schemas.openxmlformats.org/drawingml/2006/main" xmlns:r="http://schemas.openxmlformats.org/officeDocument/2006/relationships" xmlns:p="http://schemas.openxmlformats.org/presentationml/2006/main" type="objTx" preserve="1">
   <p:cSld name="Объект с подписью">
     <p:spTree>
@@ -2990,7 +3211,7 @@
       </p:grpSpPr>
       <p:sp>
         <p:nvSpPr>
-          <p:cNvPr id="2" name="Заголовок 1"/>
+          <p:cNvPr id="2" name="Title 1"/>
           <p:cNvSpPr>
             <a:spLocks noGrp="1"/>
           </p:cNvSpPr>
@@ -3000,15 +3221,17 @@
         </p:nvSpPr>
         <p:spPr>
           <a:xfrm>
-            <a:off x="839788" y="457200"/>
-            <a:ext cx="3932237" cy="1600200"/>
+            <a:off x="841248" y="457200"/>
+            <a:ext cx="3931920" cy="1600197"/>
           </a:xfrm>
         </p:spPr>
         <p:txBody>
-          <a:bodyPr anchor="b"/>
+          <a:bodyPr anchor="b">
+            <a:normAutofit/>
+          </a:bodyPr>
           <a:lstStyle>
             <a:lvl1pPr>
-              <a:defRPr sz="3200"/>
+              <a:defRPr sz="3200" b="0"/>
             </a:lvl1pPr>
           </a:lstStyle>
           <a:p>
@@ -3016,13 +3239,13 @@
               <a:rPr lang="ru-RU" smtClean="0"/>
               <a:t>Образец заголовка</a:t>
             </a:r>
-            <a:endParaRPr lang="ru-RU"/>
-          </a:p>
-        </p:txBody>
-      </p:sp>
-      <p:sp>
-        <p:nvSpPr>
-          <p:cNvPr id="3" name="Объект 2"/>
+            <a:endParaRPr lang="en-US" dirty="0"/>
+          </a:p>
+        </p:txBody>
+      </p:sp>
+      <p:sp>
+        <p:nvSpPr>
+          <p:cNvPr id="3" name="Content Placeholder 2"/>
           <p:cNvSpPr>
             <a:spLocks noGrp="1"/>
           </p:cNvSpPr>
@@ -3032,8 +3255,8 @@
         </p:nvSpPr>
         <p:spPr>
           <a:xfrm>
-            <a:off x="5183188" y="987425"/>
-            <a:ext cx="6172200" cy="4873625"/>
+            <a:off x="5181600" y="990600"/>
+            <a:ext cx="6172200" cy="4876800"/>
           </a:xfrm>
         </p:spPr>
         <p:txBody>
@@ -3101,13 +3324,13 @@
               <a:rPr lang="ru-RU" smtClean="0"/>
               <a:t>Пятый уровень</a:t>
             </a:r>
-            <a:endParaRPr lang="ru-RU"/>
-          </a:p>
-        </p:txBody>
-      </p:sp>
-      <p:sp>
-        <p:nvSpPr>
-          <p:cNvPr id="4" name="Текст 3"/>
+            <a:endParaRPr lang="en-US" dirty="0"/>
+          </a:p>
+        </p:txBody>
+      </p:sp>
+      <p:sp>
+        <p:nvSpPr>
+          <p:cNvPr id="4" name="Text Placeholder 3"/>
           <p:cNvSpPr>
             <a:spLocks noGrp="1"/>
           </p:cNvSpPr>
@@ -3117,48 +3340,53 @@
         </p:nvSpPr>
         <p:spPr>
           <a:xfrm>
-            <a:off x="839788" y="2057400"/>
-            <a:ext cx="3932237" cy="3811588"/>
+            <a:off x="841248" y="2057399"/>
+            <a:ext cx="3931920" cy="3810001"/>
           </a:xfrm>
         </p:spPr>
         <p:txBody>
-          <a:bodyPr/>
+          <a:bodyPr>
+            <a:normAutofit/>
+          </a:bodyPr>
           <a:lstStyle>
             <a:lvl1pPr marL="0" indent="0">
+              <a:lnSpc>
+                <a:spcPct val="90000"/>
+              </a:lnSpc>
               <a:buNone/>
               <a:defRPr sz="1600"/>
             </a:lvl1pPr>
             <a:lvl2pPr marL="457200" indent="0">
               <a:buNone/>
-              <a:defRPr sz="1400"/>
+              <a:defRPr sz="1200"/>
             </a:lvl2pPr>
             <a:lvl3pPr marL="914400" indent="0">
               <a:buNone/>
-              <a:defRPr sz="1200"/>
+              <a:defRPr sz="1000"/>
             </a:lvl3pPr>
             <a:lvl4pPr marL="1371600" indent="0">
               <a:buNone/>
-              <a:defRPr sz="1000"/>
+              <a:defRPr sz="900"/>
             </a:lvl4pPr>
             <a:lvl5pPr marL="1828800" indent="0">
               <a:buNone/>
-              <a:defRPr sz="1000"/>
+              <a:defRPr sz="900"/>
             </a:lvl5pPr>
             <a:lvl6pPr marL="2286000" indent="0">
               <a:buNone/>
-              <a:defRPr sz="1000"/>
+              <a:defRPr sz="900"/>
             </a:lvl6pPr>
             <a:lvl7pPr marL="2743200" indent="0">
               <a:buNone/>
-              <a:defRPr sz="1000"/>
+              <a:defRPr sz="900"/>
             </a:lvl7pPr>
             <a:lvl8pPr marL="3200400" indent="0">
               <a:buNone/>
-              <a:defRPr sz="1000"/>
+              <a:defRPr sz="900"/>
             </a:lvl8pPr>
             <a:lvl9pPr marL="3657600" indent="0">
               <a:buNone/>
-              <a:defRPr sz="1000"/>
+              <a:defRPr sz="900"/>
             </a:lvl9pPr>
           </a:lstStyle>
           <a:p>
@@ -3172,7 +3400,7 @@
       </p:sp>
       <p:sp>
         <p:nvSpPr>
-          <p:cNvPr id="5" name="Дата 4"/>
+          <p:cNvPr id="5" name="Date Placeholder 4"/>
           <p:cNvSpPr>
             <a:spLocks noGrp="1"/>
           </p:cNvSpPr>
@@ -3195,7 +3423,7 @@
       </p:sp>
       <p:sp>
         <p:nvSpPr>
-          <p:cNvPr id="6" name="Нижний колонтитул 5"/>
+          <p:cNvPr id="6" name="Footer Placeholder 5"/>
           <p:cNvSpPr>
             <a:spLocks noGrp="1"/>
           </p:cNvSpPr>
@@ -3214,7 +3442,7 @@
       </p:sp>
       <p:sp>
         <p:nvSpPr>
-          <p:cNvPr id="7" name="Номер слайда 6"/>
+          <p:cNvPr id="7" name="Slide Number Placeholder 6"/>
           <p:cNvSpPr>
             <a:spLocks noGrp="1"/>
           </p:cNvSpPr>
@@ -3238,7 +3466,2141 @@
     </p:spTree>
     <p:extLst>
       <p:ext uri="{BB962C8B-B14F-4D97-AF65-F5344CB8AC3E}">
-        <p14:creationId xmlns:p14="http://schemas.microsoft.com/office/powerpoint/2010/main" val="802831136"/>
+        <p14:creationId xmlns:p14="http://schemas.microsoft.com/office/powerpoint/2010/main" val="4161543558"/>
+      </p:ext>
+    </p:extLst>
+  </p:cSld>
+  <p:clrMapOvr>
+    <a:masterClrMapping/>
+  </p:clrMapOvr>
+</p:sldLayout>
+</file>
+
+<file path=ppt/slideLayouts/slideLayout2.xml><?xml version="1.0" encoding="utf-8"?>
+<p:sldLayout xmlns:a="http://schemas.openxmlformats.org/drawingml/2006/main" xmlns:r="http://schemas.openxmlformats.org/officeDocument/2006/relationships" xmlns:p="http://schemas.openxmlformats.org/presentationml/2006/main" type="obj" preserve="1">
+  <p:cSld name="Заголовок и объект">
+    <p:spTree>
+      <p:nvGrpSpPr>
+        <p:cNvPr id="1" name=""/>
+        <p:cNvGrpSpPr/>
+        <p:nvPr/>
+      </p:nvGrpSpPr>
+      <p:grpSpPr>
+        <a:xfrm>
+          <a:off x="0" y="0"/>
+          <a:ext cx="0" cy="0"/>
+          <a:chOff x="0" y="0"/>
+          <a:chExt cx="0" cy="0"/>
+        </a:xfrm>
+      </p:grpSpPr>
+      <p:sp>
+        <p:nvSpPr>
+          <p:cNvPr id="2" name="Title 1"/>
+          <p:cNvSpPr>
+            <a:spLocks noGrp="1"/>
+          </p:cNvSpPr>
+          <p:nvPr>
+            <p:ph type="title"/>
+          </p:nvPr>
+        </p:nvSpPr>
+        <p:spPr/>
+        <p:txBody>
+          <a:bodyPr/>
+          <a:lstStyle/>
+          <a:p>
+            <a:r>
+              <a:rPr lang="ru-RU" smtClean="0"/>
+              <a:t>Образец заголовка</a:t>
+            </a:r>
+            <a:endParaRPr lang="en-US" dirty="0"/>
+          </a:p>
+        </p:txBody>
+      </p:sp>
+      <p:sp>
+        <p:nvSpPr>
+          <p:cNvPr id="3" name="Content Placeholder 2"/>
+          <p:cNvSpPr>
+            <a:spLocks noGrp="1"/>
+          </p:cNvSpPr>
+          <p:nvPr>
+            <p:ph idx="1"/>
+          </p:nvPr>
+        </p:nvSpPr>
+        <p:spPr/>
+        <p:txBody>
+          <a:bodyPr/>
+          <a:lstStyle/>
+          <a:p>
+            <a:pPr lvl="0"/>
+            <a:r>
+              <a:rPr lang="ru-RU" smtClean="0"/>
+              <a:t>Образец текста</a:t>
+            </a:r>
+          </a:p>
+          <a:p>
+            <a:pPr lvl="1"/>
+            <a:r>
+              <a:rPr lang="ru-RU" smtClean="0"/>
+              <a:t>Второй уровень</a:t>
+            </a:r>
+          </a:p>
+          <a:p>
+            <a:pPr lvl="2"/>
+            <a:r>
+              <a:rPr lang="ru-RU" smtClean="0"/>
+              <a:t>Третий уровень</a:t>
+            </a:r>
+          </a:p>
+          <a:p>
+            <a:pPr lvl="3"/>
+            <a:r>
+              <a:rPr lang="ru-RU" smtClean="0"/>
+              <a:t>Четвертый уровень</a:t>
+            </a:r>
+          </a:p>
+          <a:p>
+            <a:pPr lvl="4"/>
+            <a:r>
+              <a:rPr lang="ru-RU" smtClean="0"/>
+              <a:t>Пятый уровень</a:t>
+            </a:r>
+            <a:endParaRPr lang="en-US" dirty="0"/>
+          </a:p>
+        </p:txBody>
+      </p:sp>
+      <p:sp>
+        <p:nvSpPr>
+          <p:cNvPr id="4" name="Date Placeholder 3"/>
+          <p:cNvSpPr>
+            <a:spLocks noGrp="1"/>
+          </p:cNvSpPr>
+          <p:nvPr>
+            <p:ph type="dt" sz="half" idx="10"/>
+          </p:nvPr>
+        </p:nvSpPr>
+        <p:spPr/>
+        <p:txBody>
+          <a:bodyPr/>
+          <a:lstStyle/>
+          <a:p>
+            <a:fld id="{AED9AC87-F41B-4C81-BDFE-6A4ECF2E6DE7}" type="datetimeFigureOut">
+              <a:rPr lang="ru-RU" smtClean="0"/>
+              <a:t>14.04.2018</a:t>
+            </a:fld>
+            <a:endParaRPr lang="ru-RU"/>
+          </a:p>
+        </p:txBody>
+      </p:sp>
+      <p:sp>
+        <p:nvSpPr>
+          <p:cNvPr id="5" name="Footer Placeholder 4"/>
+          <p:cNvSpPr>
+            <a:spLocks noGrp="1"/>
+          </p:cNvSpPr>
+          <p:nvPr>
+            <p:ph type="ftr" sz="quarter" idx="11"/>
+          </p:nvPr>
+        </p:nvSpPr>
+        <p:spPr/>
+        <p:txBody>
+          <a:bodyPr/>
+          <a:lstStyle/>
+          <a:p>
+            <a:endParaRPr lang="ru-RU"/>
+          </a:p>
+        </p:txBody>
+      </p:sp>
+      <p:sp>
+        <p:nvSpPr>
+          <p:cNvPr id="6" name="Slide Number Placeholder 5"/>
+          <p:cNvSpPr>
+            <a:spLocks noGrp="1"/>
+          </p:cNvSpPr>
+          <p:nvPr>
+            <p:ph type="sldNum" sz="quarter" idx="12"/>
+          </p:nvPr>
+        </p:nvSpPr>
+        <p:spPr/>
+        <p:txBody>
+          <a:bodyPr/>
+          <a:lstStyle/>
+          <a:p>
+            <a:fld id="{8DF65420-A45C-4D30-9D1D-FB4539C05F77}" type="slidenum">
+              <a:rPr lang="ru-RU" smtClean="0"/>
+              <a:t>‹#›</a:t>
+            </a:fld>
+            <a:endParaRPr lang="ru-RU"/>
+          </a:p>
+        </p:txBody>
+      </p:sp>
+    </p:spTree>
+    <p:extLst>
+      <p:ext uri="{BB962C8B-B14F-4D97-AF65-F5344CB8AC3E}">
+        <p14:creationId xmlns:p14="http://schemas.microsoft.com/office/powerpoint/2010/main" val="29551775"/>
+      </p:ext>
+    </p:extLst>
+  </p:cSld>
+  <p:clrMapOvr>
+    <a:masterClrMapping/>
+  </p:clrMapOvr>
+</p:sldLayout>
+</file>
+
+<file path=ppt/slideLayouts/slideLayout20.xml><?xml version="1.0" encoding="utf-8"?>
+<p:sldLayout xmlns:a="http://schemas.openxmlformats.org/drawingml/2006/main" xmlns:r="http://schemas.openxmlformats.org/officeDocument/2006/relationships" xmlns:p="http://schemas.openxmlformats.org/presentationml/2006/main" type="picTx" preserve="1">
+  <p:cSld name="Рисунок с подписью">
+    <p:spTree>
+      <p:nvGrpSpPr>
+        <p:cNvPr id="1" name=""/>
+        <p:cNvGrpSpPr/>
+        <p:nvPr/>
+      </p:nvGrpSpPr>
+      <p:grpSpPr>
+        <a:xfrm>
+          <a:off x="0" y="0"/>
+          <a:ext cx="0" cy="0"/>
+          <a:chOff x="0" y="0"/>
+          <a:chExt cx="0" cy="0"/>
+        </a:xfrm>
+      </p:grpSpPr>
+      <p:sp>
+        <p:nvSpPr>
+          <p:cNvPr id="2" name="Title 1"/>
+          <p:cNvSpPr>
+            <a:spLocks noGrp="1"/>
+          </p:cNvSpPr>
+          <p:nvPr>
+            <p:ph type="title"/>
+          </p:nvPr>
+        </p:nvSpPr>
+        <p:spPr>
+          <a:xfrm>
+            <a:off x="841248" y="457200"/>
+            <a:ext cx="3931920" cy="1600200"/>
+          </a:xfrm>
+        </p:spPr>
+        <p:txBody>
+          <a:bodyPr anchor="b">
+            <a:normAutofit/>
+          </a:bodyPr>
+          <a:lstStyle>
+            <a:lvl1pPr>
+              <a:defRPr sz="3200" b="0"/>
+            </a:lvl1pPr>
+          </a:lstStyle>
+          <a:p>
+            <a:r>
+              <a:rPr lang="ru-RU" smtClean="0"/>
+              <a:t>Образец заголовка</a:t>
+            </a:r>
+            <a:endParaRPr lang="en-US" dirty="0"/>
+          </a:p>
+        </p:txBody>
+      </p:sp>
+      <p:sp>
+        <p:nvSpPr>
+          <p:cNvPr id="3" name="Picture Placeholder 2"/>
+          <p:cNvSpPr>
+            <a:spLocks noGrp="1"/>
+          </p:cNvSpPr>
+          <p:nvPr>
+            <p:ph type="pic" idx="1"/>
+          </p:nvPr>
+        </p:nvSpPr>
+        <p:spPr>
+          <a:xfrm>
+            <a:off x="5181600" y="990600"/>
+            <a:ext cx="6172200" cy="4876800"/>
+          </a:xfrm>
+        </p:spPr>
+        <p:txBody>
+          <a:bodyPr/>
+          <a:lstStyle>
+            <a:lvl1pPr marL="0" indent="0">
+              <a:buNone/>
+              <a:defRPr sz="3200"/>
+            </a:lvl1pPr>
+            <a:lvl2pPr marL="457200" indent="0">
+              <a:buNone/>
+              <a:defRPr sz="2800"/>
+            </a:lvl2pPr>
+            <a:lvl3pPr marL="914400" indent="0">
+              <a:buNone/>
+              <a:defRPr sz="2400"/>
+            </a:lvl3pPr>
+            <a:lvl4pPr marL="1371600" indent="0">
+              <a:buNone/>
+              <a:defRPr sz="2000"/>
+            </a:lvl4pPr>
+            <a:lvl5pPr marL="1828800" indent="0">
+              <a:buNone/>
+              <a:defRPr sz="2000"/>
+            </a:lvl5pPr>
+            <a:lvl6pPr marL="2286000" indent="0">
+              <a:buNone/>
+              <a:defRPr sz="2000"/>
+            </a:lvl6pPr>
+            <a:lvl7pPr marL="2743200" indent="0">
+              <a:buNone/>
+              <a:defRPr sz="2000"/>
+            </a:lvl7pPr>
+            <a:lvl8pPr marL="3200400" indent="0">
+              <a:buNone/>
+              <a:defRPr sz="2000"/>
+            </a:lvl8pPr>
+            <a:lvl9pPr marL="3657600" indent="0">
+              <a:buNone/>
+              <a:defRPr sz="2000"/>
+            </a:lvl9pPr>
+          </a:lstStyle>
+          <a:p>
+            <a:r>
+              <a:rPr lang="ru-RU" smtClean="0"/>
+              <a:t>Вставка рисунка</a:t>
+            </a:r>
+            <a:endParaRPr lang="en-US" dirty="0"/>
+          </a:p>
+        </p:txBody>
+      </p:sp>
+      <p:sp>
+        <p:nvSpPr>
+          <p:cNvPr id="4" name="Text Placeholder 3"/>
+          <p:cNvSpPr>
+            <a:spLocks noGrp="1"/>
+          </p:cNvSpPr>
+          <p:nvPr>
+            <p:ph type="body" sz="half" idx="2"/>
+          </p:nvPr>
+        </p:nvSpPr>
+        <p:spPr>
+          <a:xfrm>
+            <a:off x="841248" y="2057400"/>
+            <a:ext cx="3931920" cy="3810000"/>
+          </a:xfrm>
+        </p:spPr>
+        <p:txBody>
+          <a:bodyPr>
+            <a:normAutofit/>
+          </a:bodyPr>
+          <a:lstStyle>
+            <a:lvl1pPr marL="0" indent="0">
+              <a:lnSpc>
+                <a:spcPct val="90000"/>
+              </a:lnSpc>
+              <a:buNone/>
+              <a:defRPr sz="1600"/>
+            </a:lvl1pPr>
+            <a:lvl2pPr marL="457200" indent="0">
+              <a:buNone/>
+              <a:defRPr sz="1200"/>
+            </a:lvl2pPr>
+            <a:lvl3pPr marL="914400" indent="0">
+              <a:buNone/>
+              <a:defRPr sz="1000"/>
+            </a:lvl3pPr>
+            <a:lvl4pPr marL="1371600" indent="0">
+              <a:buNone/>
+              <a:defRPr sz="900"/>
+            </a:lvl4pPr>
+            <a:lvl5pPr marL="1828800" indent="0">
+              <a:buNone/>
+              <a:defRPr sz="900"/>
+            </a:lvl5pPr>
+            <a:lvl6pPr marL="2286000" indent="0">
+              <a:buNone/>
+              <a:defRPr sz="900"/>
+            </a:lvl6pPr>
+            <a:lvl7pPr marL="2743200" indent="0">
+              <a:buNone/>
+              <a:defRPr sz="900"/>
+            </a:lvl7pPr>
+            <a:lvl8pPr marL="3200400" indent="0">
+              <a:buNone/>
+              <a:defRPr sz="900"/>
+            </a:lvl8pPr>
+            <a:lvl9pPr marL="3657600" indent="0">
+              <a:buNone/>
+              <a:defRPr sz="900"/>
+            </a:lvl9pPr>
+          </a:lstStyle>
+          <a:p>
+            <a:pPr lvl="0"/>
+            <a:r>
+              <a:rPr lang="ru-RU" smtClean="0"/>
+              <a:t>Образец текста</a:t>
+            </a:r>
+          </a:p>
+        </p:txBody>
+      </p:sp>
+      <p:sp>
+        <p:nvSpPr>
+          <p:cNvPr id="5" name="Date Placeholder 4"/>
+          <p:cNvSpPr>
+            <a:spLocks noGrp="1"/>
+          </p:cNvSpPr>
+          <p:nvPr>
+            <p:ph type="dt" sz="half" idx="10"/>
+          </p:nvPr>
+        </p:nvSpPr>
+        <p:spPr/>
+        <p:txBody>
+          <a:bodyPr/>
+          <a:lstStyle/>
+          <a:p>
+            <a:fld id="{AED9AC87-F41B-4C81-BDFE-6A4ECF2E6DE7}" type="datetimeFigureOut">
+              <a:rPr lang="ru-RU" smtClean="0"/>
+              <a:t>14.04.2018</a:t>
+            </a:fld>
+            <a:endParaRPr lang="ru-RU"/>
+          </a:p>
+        </p:txBody>
+      </p:sp>
+      <p:sp>
+        <p:nvSpPr>
+          <p:cNvPr id="6" name="Footer Placeholder 5"/>
+          <p:cNvSpPr>
+            <a:spLocks noGrp="1"/>
+          </p:cNvSpPr>
+          <p:nvPr>
+            <p:ph type="ftr" sz="quarter" idx="11"/>
+          </p:nvPr>
+        </p:nvSpPr>
+        <p:spPr/>
+        <p:txBody>
+          <a:bodyPr/>
+          <a:lstStyle/>
+          <a:p>
+            <a:endParaRPr lang="ru-RU"/>
+          </a:p>
+        </p:txBody>
+      </p:sp>
+      <p:sp>
+        <p:nvSpPr>
+          <p:cNvPr id="7" name="Slide Number Placeholder 6"/>
+          <p:cNvSpPr>
+            <a:spLocks noGrp="1"/>
+          </p:cNvSpPr>
+          <p:nvPr>
+            <p:ph type="sldNum" sz="quarter" idx="12"/>
+          </p:nvPr>
+        </p:nvSpPr>
+        <p:spPr/>
+        <p:txBody>
+          <a:bodyPr/>
+          <a:lstStyle/>
+          <a:p>
+            <a:fld id="{8DF65420-A45C-4D30-9D1D-FB4539C05F77}" type="slidenum">
+              <a:rPr lang="ru-RU" smtClean="0"/>
+              <a:t>‹#›</a:t>
+            </a:fld>
+            <a:endParaRPr lang="ru-RU"/>
+          </a:p>
+        </p:txBody>
+      </p:sp>
+    </p:spTree>
+    <p:extLst>
+      <p:ext uri="{BB962C8B-B14F-4D97-AF65-F5344CB8AC3E}">
+        <p14:creationId xmlns:p14="http://schemas.microsoft.com/office/powerpoint/2010/main" val="1387290577"/>
+      </p:ext>
+    </p:extLst>
+  </p:cSld>
+  <p:clrMapOvr>
+    <a:masterClrMapping/>
+  </p:clrMapOvr>
+</p:sldLayout>
+</file>
+
+<file path=ppt/slideLayouts/slideLayout21.xml><?xml version="1.0" encoding="utf-8"?>
+<p:sldLayout xmlns:a="http://schemas.openxmlformats.org/drawingml/2006/main" xmlns:r="http://schemas.openxmlformats.org/officeDocument/2006/relationships" xmlns:p="http://schemas.openxmlformats.org/presentationml/2006/main" type="vertTx" preserve="1">
+  <p:cSld name="Заголовок и вертикальный текст">
+    <p:spTree>
+      <p:nvGrpSpPr>
+        <p:cNvPr id="1" name=""/>
+        <p:cNvGrpSpPr/>
+        <p:nvPr/>
+      </p:nvGrpSpPr>
+      <p:grpSpPr>
+        <a:xfrm>
+          <a:off x="0" y="0"/>
+          <a:ext cx="0" cy="0"/>
+          <a:chOff x="0" y="0"/>
+          <a:chExt cx="0" cy="0"/>
+        </a:xfrm>
+      </p:grpSpPr>
+      <p:sp>
+        <p:nvSpPr>
+          <p:cNvPr id="2" name="Title 1"/>
+          <p:cNvSpPr>
+            <a:spLocks noGrp="1"/>
+          </p:cNvSpPr>
+          <p:nvPr>
+            <p:ph type="title"/>
+          </p:nvPr>
+        </p:nvSpPr>
+        <p:spPr/>
+        <p:txBody>
+          <a:bodyPr/>
+          <a:lstStyle/>
+          <a:p>
+            <a:r>
+              <a:rPr lang="ru-RU" smtClean="0"/>
+              <a:t>Образец заголовка</a:t>
+            </a:r>
+            <a:endParaRPr lang="en-US"/>
+          </a:p>
+        </p:txBody>
+      </p:sp>
+      <p:sp>
+        <p:nvSpPr>
+          <p:cNvPr id="3" name="Vertical Text Placeholder 2"/>
+          <p:cNvSpPr>
+            <a:spLocks noGrp="1"/>
+          </p:cNvSpPr>
+          <p:nvPr>
+            <p:ph type="body" orient="vert" idx="1"/>
+          </p:nvPr>
+        </p:nvSpPr>
+        <p:spPr/>
+        <p:txBody>
+          <a:bodyPr vert="eaVert"/>
+          <a:lstStyle/>
+          <a:p>
+            <a:pPr lvl="0"/>
+            <a:r>
+              <a:rPr lang="ru-RU" smtClean="0"/>
+              <a:t>Образец текста</a:t>
+            </a:r>
+          </a:p>
+          <a:p>
+            <a:pPr lvl="1"/>
+            <a:r>
+              <a:rPr lang="ru-RU" smtClean="0"/>
+              <a:t>Второй уровень</a:t>
+            </a:r>
+          </a:p>
+          <a:p>
+            <a:pPr lvl="2"/>
+            <a:r>
+              <a:rPr lang="ru-RU" smtClean="0"/>
+              <a:t>Третий уровень</a:t>
+            </a:r>
+          </a:p>
+          <a:p>
+            <a:pPr lvl="3"/>
+            <a:r>
+              <a:rPr lang="ru-RU" smtClean="0"/>
+              <a:t>Четвертый уровень</a:t>
+            </a:r>
+          </a:p>
+          <a:p>
+            <a:pPr lvl="4"/>
+            <a:r>
+              <a:rPr lang="ru-RU" smtClean="0"/>
+              <a:t>Пятый уровень</a:t>
+            </a:r>
+            <a:endParaRPr lang="en-US" dirty="0"/>
+          </a:p>
+        </p:txBody>
+      </p:sp>
+      <p:sp>
+        <p:nvSpPr>
+          <p:cNvPr id="4" name="Date Placeholder 3"/>
+          <p:cNvSpPr>
+            <a:spLocks noGrp="1"/>
+          </p:cNvSpPr>
+          <p:nvPr>
+            <p:ph type="dt" sz="half" idx="10"/>
+          </p:nvPr>
+        </p:nvSpPr>
+        <p:spPr/>
+        <p:txBody>
+          <a:bodyPr/>
+          <a:lstStyle/>
+          <a:p>
+            <a:fld id="{AED9AC87-F41B-4C81-BDFE-6A4ECF2E6DE7}" type="datetimeFigureOut">
+              <a:rPr lang="ru-RU" smtClean="0"/>
+              <a:t>14.04.2018</a:t>
+            </a:fld>
+            <a:endParaRPr lang="ru-RU"/>
+          </a:p>
+        </p:txBody>
+      </p:sp>
+      <p:sp>
+        <p:nvSpPr>
+          <p:cNvPr id="5" name="Footer Placeholder 4"/>
+          <p:cNvSpPr>
+            <a:spLocks noGrp="1"/>
+          </p:cNvSpPr>
+          <p:nvPr>
+            <p:ph type="ftr" sz="quarter" idx="11"/>
+          </p:nvPr>
+        </p:nvSpPr>
+        <p:spPr/>
+        <p:txBody>
+          <a:bodyPr/>
+          <a:lstStyle/>
+          <a:p>
+            <a:endParaRPr lang="ru-RU"/>
+          </a:p>
+        </p:txBody>
+      </p:sp>
+      <p:sp>
+        <p:nvSpPr>
+          <p:cNvPr id="6" name="Slide Number Placeholder 5"/>
+          <p:cNvSpPr>
+            <a:spLocks noGrp="1"/>
+          </p:cNvSpPr>
+          <p:nvPr>
+            <p:ph type="sldNum" sz="quarter" idx="12"/>
+          </p:nvPr>
+        </p:nvSpPr>
+        <p:spPr/>
+        <p:txBody>
+          <a:bodyPr/>
+          <a:lstStyle/>
+          <a:p>
+            <a:fld id="{8DF65420-A45C-4D30-9D1D-FB4539C05F77}" type="slidenum">
+              <a:rPr lang="ru-RU" smtClean="0"/>
+              <a:t>‹#›</a:t>
+            </a:fld>
+            <a:endParaRPr lang="ru-RU"/>
+          </a:p>
+        </p:txBody>
+      </p:sp>
+    </p:spTree>
+    <p:extLst>
+      <p:ext uri="{BB962C8B-B14F-4D97-AF65-F5344CB8AC3E}">
+        <p14:creationId xmlns:p14="http://schemas.microsoft.com/office/powerpoint/2010/main" val="3257553492"/>
+      </p:ext>
+    </p:extLst>
+  </p:cSld>
+  <p:clrMapOvr>
+    <a:masterClrMapping/>
+  </p:clrMapOvr>
+</p:sldLayout>
+</file>
+
+<file path=ppt/slideLayouts/slideLayout22.xml><?xml version="1.0" encoding="utf-8"?>
+<p:sldLayout xmlns:a="http://schemas.openxmlformats.org/drawingml/2006/main" xmlns:r="http://schemas.openxmlformats.org/officeDocument/2006/relationships" xmlns:p="http://schemas.openxmlformats.org/presentationml/2006/main" type="vertTitleAndTx" preserve="1">
+  <p:cSld name="Вертикальный заголовок и текст">
+    <p:spTree>
+      <p:nvGrpSpPr>
+        <p:cNvPr id="1" name=""/>
+        <p:cNvGrpSpPr/>
+        <p:nvPr/>
+      </p:nvGrpSpPr>
+      <p:grpSpPr>
+        <a:xfrm>
+          <a:off x="0" y="0"/>
+          <a:ext cx="0" cy="0"/>
+          <a:chOff x="0" y="0"/>
+          <a:chExt cx="0" cy="0"/>
+        </a:xfrm>
+      </p:grpSpPr>
+      <p:sp>
+        <p:nvSpPr>
+          <p:cNvPr id="2" name="Vertical Title 1"/>
+          <p:cNvSpPr>
+            <a:spLocks noGrp="1"/>
+          </p:cNvSpPr>
+          <p:nvPr>
+            <p:ph type="title" orient="vert"/>
+          </p:nvPr>
+        </p:nvSpPr>
+        <p:spPr>
+          <a:xfrm>
+            <a:off x="8724900" y="360362"/>
+            <a:ext cx="2628900" cy="5811838"/>
+          </a:xfrm>
+        </p:spPr>
+        <p:txBody>
+          <a:bodyPr vert="eaVert"/>
+          <a:lstStyle/>
+          <a:p>
+            <a:r>
+              <a:rPr lang="ru-RU" smtClean="0"/>
+              <a:t>Образец заголовка</a:t>
+            </a:r>
+            <a:endParaRPr lang="en-US"/>
+          </a:p>
+        </p:txBody>
+      </p:sp>
+      <p:sp>
+        <p:nvSpPr>
+          <p:cNvPr id="3" name="Vertical Text Placeholder 2"/>
+          <p:cNvSpPr>
+            <a:spLocks noGrp="1"/>
+          </p:cNvSpPr>
+          <p:nvPr>
+            <p:ph type="body" orient="vert" idx="1"/>
+          </p:nvPr>
+        </p:nvSpPr>
+        <p:spPr>
+          <a:xfrm>
+            <a:off x="838200" y="360362"/>
+            <a:ext cx="7734300" cy="5811837"/>
+          </a:xfrm>
+        </p:spPr>
+        <p:txBody>
+          <a:bodyPr vert="eaVert"/>
+          <a:lstStyle/>
+          <a:p>
+            <a:pPr lvl="0"/>
+            <a:r>
+              <a:rPr lang="ru-RU" smtClean="0"/>
+              <a:t>Образец текста</a:t>
+            </a:r>
+          </a:p>
+          <a:p>
+            <a:pPr lvl="1"/>
+            <a:r>
+              <a:rPr lang="ru-RU" smtClean="0"/>
+              <a:t>Второй уровень</a:t>
+            </a:r>
+          </a:p>
+          <a:p>
+            <a:pPr lvl="2"/>
+            <a:r>
+              <a:rPr lang="ru-RU" smtClean="0"/>
+              <a:t>Третий уровень</a:t>
+            </a:r>
+          </a:p>
+          <a:p>
+            <a:pPr lvl="3"/>
+            <a:r>
+              <a:rPr lang="ru-RU" smtClean="0"/>
+              <a:t>Четвертый уровень</a:t>
+            </a:r>
+          </a:p>
+          <a:p>
+            <a:pPr lvl="4"/>
+            <a:r>
+              <a:rPr lang="ru-RU" smtClean="0"/>
+              <a:t>Пятый уровень</a:t>
+            </a:r>
+            <a:endParaRPr lang="en-US"/>
+          </a:p>
+        </p:txBody>
+      </p:sp>
+      <p:sp>
+        <p:nvSpPr>
+          <p:cNvPr id="4" name="Date Placeholder 3"/>
+          <p:cNvSpPr>
+            <a:spLocks noGrp="1"/>
+          </p:cNvSpPr>
+          <p:nvPr>
+            <p:ph type="dt" sz="half" idx="10"/>
+          </p:nvPr>
+        </p:nvSpPr>
+        <p:spPr/>
+        <p:txBody>
+          <a:bodyPr/>
+          <a:lstStyle/>
+          <a:p>
+            <a:fld id="{AED9AC87-F41B-4C81-BDFE-6A4ECF2E6DE7}" type="datetimeFigureOut">
+              <a:rPr lang="ru-RU" smtClean="0"/>
+              <a:t>14.04.2018</a:t>
+            </a:fld>
+            <a:endParaRPr lang="ru-RU"/>
+          </a:p>
+        </p:txBody>
+      </p:sp>
+      <p:sp>
+        <p:nvSpPr>
+          <p:cNvPr id="5" name="Footer Placeholder 4"/>
+          <p:cNvSpPr>
+            <a:spLocks noGrp="1"/>
+          </p:cNvSpPr>
+          <p:nvPr>
+            <p:ph type="ftr" sz="quarter" idx="11"/>
+          </p:nvPr>
+        </p:nvSpPr>
+        <p:spPr/>
+        <p:txBody>
+          <a:bodyPr/>
+          <a:lstStyle/>
+          <a:p>
+            <a:endParaRPr lang="ru-RU"/>
+          </a:p>
+        </p:txBody>
+      </p:sp>
+      <p:sp>
+        <p:nvSpPr>
+          <p:cNvPr id="6" name="Slide Number Placeholder 5"/>
+          <p:cNvSpPr>
+            <a:spLocks noGrp="1"/>
+          </p:cNvSpPr>
+          <p:nvPr>
+            <p:ph type="sldNum" sz="quarter" idx="12"/>
+          </p:nvPr>
+        </p:nvSpPr>
+        <p:spPr/>
+        <p:txBody>
+          <a:bodyPr/>
+          <a:lstStyle/>
+          <a:p>
+            <a:fld id="{8DF65420-A45C-4D30-9D1D-FB4539C05F77}" type="slidenum">
+              <a:rPr lang="ru-RU" smtClean="0"/>
+              <a:t>‹#›</a:t>
+            </a:fld>
+            <a:endParaRPr lang="ru-RU"/>
+          </a:p>
+        </p:txBody>
+      </p:sp>
+    </p:spTree>
+    <p:extLst>
+      <p:ext uri="{BB962C8B-B14F-4D97-AF65-F5344CB8AC3E}">
+        <p14:creationId xmlns:p14="http://schemas.microsoft.com/office/powerpoint/2010/main" val="3434034794"/>
+      </p:ext>
+    </p:extLst>
+  </p:cSld>
+  <p:clrMapOvr>
+    <a:masterClrMapping/>
+  </p:clrMapOvr>
+</p:sldLayout>
+</file>
+
+<file path=ppt/slideLayouts/slideLayout3.xml><?xml version="1.0" encoding="utf-8"?>
+<p:sldLayout xmlns:a="http://schemas.openxmlformats.org/drawingml/2006/main" xmlns:r="http://schemas.openxmlformats.org/officeDocument/2006/relationships" xmlns:p="http://schemas.openxmlformats.org/presentationml/2006/main" type="secHead" preserve="1">
+  <p:cSld name="Заголовок раздела">
+    <p:spTree>
+      <p:nvGrpSpPr>
+        <p:cNvPr id="1" name=""/>
+        <p:cNvGrpSpPr/>
+        <p:nvPr/>
+      </p:nvGrpSpPr>
+      <p:grpSpPr>
+        <a:xfrm>
+          <a:off x="0" y="0"/>
+          <a:ext cx="0" cy="0"/>
+          <a:chOff x="0" y="0"/>
+          <a:chExt cx="0" cy="0"/>
+        </a:xfrm>
+      </p:grpSpPr>
+      <p:sp>
+        <p:nvSpPr>
+          <p:cNvPr id="2" name="Title 1"/>
+          <p:cNvSpPr>
+            <a:spLocks noGrp="1"/>
+          </p:cNvSpPr>
+          <p:nvPr>
+            <p:ph type="title"/>
+          </p:nvPr>
+        </p:nvSpPr>
+        <p:spPr>
+          <a:xfrm>
+            <a:off x="831850" y="1712423"/>
+            <a:ext cx="10515600" cy="2851208"/>
+          </a:xfrm>
+        </p:spPr>
+        <p:txBody>
+          <a:bodyPr anchor="b">
+            <a:normAutofit/>
+          </a:bodyPr>
+          <a:lstStyle>
+            <a:lvl1pPr>
+              <a:defRPr sz="6000" b="0"/>
+            </a:lvl1pPr>
+          </a:lstStyle>
+          <a:p>
+            <a:r>
+              <a:rPr lang="ru-RU" smtClean="0"/>
+              <a:t>Образец заголовка</a:t>
+            </a:r>
+            <a:endParaRPr lang="en-US" dirty="0"/>
+          </a:p>
+        </p:txBody>
+      </p:sp>
+      <p:sp>
+        <p:nvSpPr>
+          <p:cNvPr id="3" name="Text Placeholder 2"/>
+          <p:cNvSpPr>
+            <a:spLocks noGrp="1"/>
+          </p:cNvSpPr>
+          <p:nvPr>
+            <p:ph type="body" idx="1"/>
+          </p:nvPr>
+        </p:nvSpPr>
+        <p:spPr>
+          <a:xfrm>
+            <a:off x="831850" y="4552633"/>
+            <a:ext cx="10515600" cy="1500187"/>
+          </a:xfrm>
+        </p:spPr>
+        <p:txBody>
+          <a:bodyPr anchor="t">
+            <a:normAutofit/>
+          </a:bodyPr>
+          <a:lstStyle>
+            <a:lvl1pPr marL="0" indent="0">
+              <a:buNone/>
+              <a:defRPr sz="2400">
+                <a:solidFill>
+                  <a:schemeClr val="tx1">
+                    <a:lumMod val="75000"/>
+                    <a:lumOff val="25000"/>
+                  </a:schemeClr>
+                </a:solidFill>
+              </a:defRPr>
+            </a:lvl1pPr>
+            <a:lvl2pPr marL="457200" indent="0">
+              <a:buNone/>
+              <a:defRPr sz="1800">
+                <a:solidFill>
+                  <a:schemeClr val="tx1">
+                    <a:tint val="75000"/>
+                  </a:schemeClr>
+                </a:solidFill>
+              </a:defRPr>
+            </a:lvl2pPr>
+            <a:lvl3pPr marL="914400" indent="0">
+              <a:buNone/>
+              <a:defRPr sz="1600">
+                <a:solidFill>
+                  <a:schemeClr val="tx1">
+                    <a:tint val="75000"/>
+                  </a:schemeClr>
+                </a:solidFill>
+              </a:defRPr>
+            </a:lvl3pPr>
+            <a:lvl4pPr marL="1371600" indent="0">
+              <a:buNone/>
+              <a:defRPr sz="1400">
+                <a:solidFill>
+                  <a:schemeClr val="tx1">
+                    <a:tint val="75000"/>
+                  </a:schemeClr>
+                </a:solidFill>
+              </a:defRPr>
+            </a:lvl4pPr>
+            <a:lvl5pPr marL="1828800" indent="0">
+              <a:buNone/>
+              <a:defRPr sz="1400">
+                <a:solidFill>
+                  <a:schemeClr val="tx1">
+                    <a:tint val="75000"/>
+                  </a:schemeClr>
+                </a:solidFill>
+              </a:defRPr>
+            </a:lvl5pPr>
+            <a:lvl6pPr marL="2286000" indent="0">
+              <a:buNone/>
+              <a:defRPr sz="1400">
+                <a:solidFill>
+                  <a:schemeClr val="tx1">
+                    <a:tint val="75000"/>
+                  </a:schemeClr>
+                </a:solidFill>
+              </a:defRPr>
+            </a:lvl6pPr>
+            <a:lvl7pPr marL="2743200" indent="0">
+              <a:buNone/>
+              <a:defRPr sz="1400">
+                <a:solidFill>
+                  <a:schemeClr val="tx1">
+                    <a:tint val="75000"/>
+                  </a:schemeClr>
+                </a:solidFill>
+              </a:defRPr>
+            </a:lvl7pPr>
+            <a:lvl8pPr marL="3200400" indent="0">
+              <a:buNone/>
+              <a:defRPr sz="1400">
+                <a:solidFill>
+                  <a:schemeClr val="tx1">
+                    <a:tint val="75000"/>
+                  </a:schemeClr>
+                </a:solidFill>
+              </a:defRPr>
+            </a:lvl8pPr>
+            <a:lvl9pPr marL="3657600" indent="0">
+              <a:buNone/>
+              <a:defRPr sz="1400">
+                <a:solidFill>
+                  <a:schemeClr val="tx1">
+                    <a:tint val="75000"/>
+                  </a:schemeClr>
+                </a:solidFill>
+              </a:defRPr>
+            </a:lvl9pPr>
+          </a:lstStyle>
+          <a:p>
+            <a:pPr lvl="0"/>
+            <a:r>
+              <a:rPr lang="ru-RU" smtClean="0"/>
+              <a:t>Образец текста</a:t>
+            </a:r>
+          </a:p>
+        </p:txBody>
+      </p:sp>
+      <p:sp>
+        <p:nvSpPr>
+          <p:cNvPr id="4" name="Date Placeholder 3"/>
+          <p:cNvSpPr>
+            <a:spLocks noGrp="1"/>
+          </p:cNvSpPr>
+          <p:nvPr>
+            <p:ph type="dt" sz="half" idx="10"/>
+          </p:nvPr>
+        </p:nvSpPr>
+        <p:spPr/>
+        <p:txBody>
+          <a:bodyPr/>
+          <a:lstStyle/>
+          <a:p>
+            <a:fld id="{AED9AC87-F41B-4C81-BDFE-6A4ECF2E6DE7}" type="datetimeFigureOut">
+              <a:rPr lang="ru-RU" smtClean="0"/>
+              <a:t>14.04.2018</a:t>
+            </a:fld>
+            <a:endParaRPr lang="ru-RU"/>
+          </a:p>
+        </p:txBody>
+      </p:sp>
+      <p:sp>
+        <p:nvSpPr>
+          <p:cNvPr id="5" name="Footer Placeholder 4"/>
+          <p:cNvSpPr>
+            <a:spLocks noGrp="1"/>
+          </p:cNvSpPr>
+          <p:nvPr>
+            <p:ph type="ftr" sz="quarter" idx="11"/>
+          </p:nvPr>
+        </p:nvSpPr>
+        <p:spPr/>
+        <p:txBody>
+          <a:bodyPr/>
+          <a:lstStyle/>
+          <a:p>
+            <a:endParaRPr lang="ru-RU"/>
+          </a:p>
+        </p:txBody>
+      </p:sp>
+      <p:sp>
+        <p:nvSpPr>
+          <p:cNvPr id="6" name="Slide Number Placeholder 5"/>
+          <p:cNvSpPr>
+            <a:spLocks noGrp="1"/>
+          </p:cNvSpPr>
+          <p:nvPr>
+            <p:ph type="sldNum" sz="quarter" idx="12"/>
+          </p:nvPr>
+        </p:nvSpPr>
+        <p:spPr/>
+        <p:txBody>
+          <a:bodyPr/>
+          <a:lstStyle/>
+          <a:p>
+            <a:fld id="{8DF65420-A45C-4D30-9D1D-FB4539C05F77}" type="slidenum">
+              <a:rPr lang="ru-RU" smtClean="0"/>
+              <a:t>‹#›</a:t>
+            </a:fld>
+            <a:endParaRPr lang="ru-RU"/>
+          </a:p>
+        </p:txBody>
+      </p:sp>
+    </p:spTree>
+    <p:extLst>
+      <p:ext uri="{BB962C8B-B14F-4D97-AF65-F5344CB8AC3E}">
+        <p14:creationId xmlns:p14="http://schemas.microsoft.com/office/powerpoint/2010/main" val="1395199105"/>
+      </p:ext>
+    </p:extLst>
+  </p:cSld>
+  <p:clrMapOvr>
+    <a:masterClrMapping/>
+  </p:clrMapOvr>
+</p:sldLayout>
+</file>
+
+<file path=ppt/slideLayouts/slideLayout4.xml><?xml version="1.0" encoding="utf-8"?>
+<p:sldLayout xmlns:a="http://schemas.openxmlformats.org/drawingml/2006/main" xmlns:r="http://schemas.openxmlformats.org/officeDocument/2006/relationships" xmlns:p="http://schemas.openxmlformats.org/presentationml/2006/main" type="twoObj" preserve="1">
+  <p:cSld name="Два объекта">
+    <p:spTree>
+      <p:nvGrpSpPr>
+        <p:cNvPr id="1" name=""/>
+        <p:cNvGrpSpPr/>
+        <p:nvPr/>
+      </p:nvGrpSpPr>
+      <p:grpSpPr>
+        <a:xfrm>
+          <a:off x="0" y="0"/>
+          <a:ext cx="0" cy="0"/>
+          <a:chOff x="0" y="0"/>
+          <a:chExt cx="0" cy="0"/>
+        </a:xfrm>
+      </p:grpSpPr>
+      <p:sp>
+        <p:nvSpPr>
+          <p:cNvPr id="2" name="Title 1"/>
+          <p:cNvSpPr>
+            <a:spLocks noGrp="1"/>
+          </p:cNvSpPr>
+          <p:nvPr>
+            <p:ph type="title"/>
+          </p:nvPr>
+        </p:nvSpPr>
+        <p:spPr/>
+        <p:txBody>
+          <a:bodyPr/>
+          <a:lstStyle/>
+          <a:p>
+            <a:r>
+              <a:rPr lang="ru-RU" smtClean="0"/>
+              <a:t>Образец заголовка</a:t>
+            </a:r>
+            <a:endParaRPr lang="en-US" dirty="0"/>
+          </a:p>
+        </p:txBody>
+      </p:sp>
+      <p:sp>
+        <p:nvSpPr>
+          <p:cNvPr id="3" name="Content Placeholder 2"/>
+          <p:cNvSpPr>
+            <a:spLocks noGrp="1"/>
+          </p:cNvSpPr>
+          <p:nvPr>
+            <p:ph sz="half" idx="1"/>
+          </p:nvPr>
+        </p:nvSpPr>
+        <p:spPr>
+          <a:xfrm>
+            <a:off x="845127" y="1828800"/>
+            <a:ext cx="5181600" cy="4351337"/>
+          </a:xfrm>
+        </p:spPr>
+        <p:txBody>
+          <a:bodyPr/>
+          <a:lstStyle/>
+          <a:p>
+            <a:pPr lvl="0"/>
+            <a:r>
+              <a:rPr lang="ru-RU" smtClean="0"/>
+              <a:t>Образец текста</a:t>
+            </a:r>
+          </a:p>
+          <a:p>
+            <a:pPr lvl="1"/>
+            <a:r>
+              <a:rPr lang="ru-RU" smtClean="0"/>
+              <a:t>Второй уровень</a:t>
+            </a:r>
+          </a:p>
+          <a:p>
+            <a:pPr lvl="2"/>
+            <a:r>
+              <a:rPr lang="ru-RU" smtClean="0"/>
+              <a:t>Третий уровень</a:t>
+            </a:r>
+          </a:p>
+          <a:p>
+            <a:pPr lvl="3"/>
+            <a:r>
+              <a:rPr lang="ru-RU" smtClean="0"/>
+              <a:t>Четвертый уровень</a:t>
+            </a:r>
+          </a:p>
+          <a:p>
+            <a:pPr lvl="4"/>
+            <a:r>
+              <a:rPr lang="ru-RU" smtClean="0"/>
+              <a:t>Пятый уровень</a:t>
+            </a:r>
+            <a:endParaRPr lang="en-US" dirty="0"/>
+          </a:p>
+        </p:txBody>
+      </p:sp>
+      <p:sp>
+        <p:nvSpPr>
+          <p:cNvPr id="4" name="Content Placeholder 3"/>
+          <p:cNvSpPr>
+            <a:spLocks noGrp="1"/>
+          </p:cNvSpPr>
+          <p:nvPr>
+            <p:ph sz="half" idx="2"/>
+          </p:nvPr>
+        </p:nvSpPr>
+        <p:spPr>
+          <a:xfrm>
+            <a:off x="6172200" y="1828800"/>
+            <a:ext cx="5181600" cy="4351337"/>
+          </a:xfrm>
+        </p:spPr>
+        <p:txBody>
+          <a:bodyPr/>
+          <a:lstStyle/>
+          <a:p>
+            <a:pPr lvl="0"/>
+            <a:r>
+              <a:rPr lang="ru-RU" smtClean="0"/>
+              <a:t>Образец текста</a:t>
+            </a:r>
+          </a:p>
+          <a:p>
+            <a:pPr lvl="1"/>
+            <a:r>
+              <a:rPr lang="ru-RU" smtClean="0"/>
+              <a:t>Второй уровень</a:t>
+            </a:r>
+          </a:p>
+          <a:p>
+            <a:pPr lvl="2"/>
+            <a:r>
+              <a:rPr lang="ru-RU" smtClean="0"/>
+              <a:t>Третий уровень</a:t>
+            </a:r>
+          </a:p>
+          <a:p>
+            <a:pPr lvl="3"/>
+            <a:r>
+              <a:rPr lang="ru-RU" smtClean="0"/>
+              <a:t>Четвертый уровень</a:t>
+            </a:r>
+          </a:p>
+          <a:p>
+            <a:pPr lvl="4"/>
+            <a:r>
+              <a:rPr lang="ru-RU" smtClean="0"/>
+              <a:t>Пятый уровень</a:t>
+            </a:r>
+            <a:endParaRPr lang="en-US" dirty="0"/>
+          </a:p>
+        </p:txBody>
+      </p:sp>
+      <p:sp>
+        <p:nvSpPr>
+          <p:cNvPr id="5" name="Date Placeholder 4"/>
+          <p:cNvSpPr>
+            <a:spLocks noGrp="1"/>
+          </p:cNvSpPr>
+          <p:nvPr>
+            <p:ph type="dt" sz="half" idx="10"/>
+          </p:nvPr>
+        </p:nvSpPr>
+        <p:spPr/>
+        <p:txBody>
+          <a:bodyPr/>
+          <a:lstStyle/>
+          <a:p>
+            <a:fld id="{AED9AC87-F41B-4C81-BDFE-6A4ECF2E6DE7}" type="datetimeFigureOut">
+              <a:rPr lang="ru-RU" smtClean="0"/>
+              <a:t>14.04.2018</a:t>
+            </a:fld>
+            <a:endParaRPr lang="ru-RU"/>
+          </a:p>
+        </p:txBody>
+      </p:sp>
+      <p:sp>
+        <p:nvSpPr>
+          <p:cNvPr id="6" name="Footer Placeholder 5"/>
+          <p:cNvSpPr>
+            <a:spLocks noGrp="1"/>
+          </p:cNvSpPr>
+          <p:nvPr>
+            <p:ph type="ftr" sz="quarter" idx="11"/>
+          </p:nvPr>
+        </p:nvSpPr>
+        <p:spPr/>
+        <p:txBody>
+          <a:bodyPr/>
+          <a:lstStyle/>
+          <a:p>
+            <a:endParaRPr lang="ru-RU"/>
+          </a:p>
+        </p:txBody>
+      </p:sp>
+      <p:sp>
+        <p:nvSpPr>
+          <p:cNvPr id="7" name="Slide Number Placeholder 6"/>
+          <p:cNvSpPr>
+            <a:spLocks noGrp="1"/>
+          </p:cNvSpPr>
+          <p:nvPr>
+            <p:ph type="sldNum" sz="quarter" idx="12"/>
+          </p:nvPr>
+        </p:nvSpPr>
+        <p:spPr/>
+        <p:txBody>
+          <a:bodyPr/>
+          <a:lstStyle/>
+          <a:p>
+            <a:fld id="{8DF65420-A45C-4D30-9D1D-FB4539C05F77}" type="slidenum">
+              <a:rPr lang="ru-RU" smtClean="0"/>
+              <a:t>‹#›</a:t>
+            </a:fld>
+            <a:endParaRPr lang="ru-RU"/>
+          </a:p>
+        </p:txBody>
+      </p:sp>
+    </p:spTree>
+    <p:extLst>
+      <p:ext uri="{BB962C8B-B14F-4D97-AF65-F5344CB8AC3E}">
+        <p14:creationId xmlns:p14="http://schemas.microsoft.com/office/powerpoint/2010/main" val="2302599970"/>
+      </p:ext>
+    </p:extLst>
+  </p:cSld>
+  <p:clrMapOvr>
+    <a:masterClrMapping/>
+  </p:clrMapOvr>
+</p:sldLayout>
+</file>
+
+<file path=ppt/slideLayouts/slideLayout5.xml><?xml version="1.0" encoding="utf-8"?>
+<p:sldLayout xmlns:a="http://schemas.openxmlformats.org/drawingml/2006/main" xmlns:r="http://schemas.openxmlformats.org/officeDocument/2006/relationships" xmlns:p="http://schemas.openxmlformats.org/presentationml/2006/main" preserve="1">
+  <p:cSld name="Сравнение">
+    <p:spTree>
+      <p:nvGrpSpPr>
+        <p:cNvPr id="1" name=""/>
+        <p:cNvGrpSpPr/>
+        <p:nvPr/>
+      </p:nvGrpSpPr>
+      <p:grpSpPr>
+        <a:xfrm>
+          <a:off x="0" y="0"/>
+          <a:ext cx="0" cy="0"/>
+          <a:chOff x="0" y="0"/>
+          <a:chExt cx="0" cy="0"/>
+        </a:xfrm>
+      </p:grpSpPr>
+      <p:sp>
+        <p:nvSpPr>
+          <p:cNvPr id="3" name="Text Placeholder 2"/>
+          <p:cNvSpPr>
+            <a:spLocks noGrp="1"/>
+          </p:cNvSpPr>
+          <p:nvPr>
+            <p:ph type="body" idx="1"/>
+          </p:nvPr>
+        </p:nvSpPr>
+        <p:spPr>
+          <a:xfrm>
+            <a:off x="845127" y="1681850"/>
+            <a:ext cx="5156200" cy="825699"/>
+          </a:xfrm>
+        </p:spPr>
+        <p:txBody>
+          <a:bodyPr anchor="b">
+            <a:normAutofit/>
+          </a:bodyPr>
+          <a:lstStyle>
+            <a:lvl1pPr marL="0" indent="0">
+              <a:spcBef>
+                <a:spcPts val="0"/>
+              </a:spcBef>
+              <a:buNone/>
+              <a:defRPr sz="2400" b="1"/>
+            </a:lvl1pPr>
+            <a:lvl2pPr marL="457200" indent="0">
+              <a:buNone/>
+              <a:defRPr sz="2000" b="1"/>
+            </a:lvl2pPr>
+            <a:lvl3pPr marL="914400" indent="0">
+              <a:buNone/>
+              <a:defRPr sz="1800" b="1"/>
+            </a:lvl3pPr>
+            <a:lvl4pPr marL="1371600" indent="0">
+              <a:buNone/>
+              <a:defRPr sz="1600" b="1"/>
+            </a:lvl4pPr>
+            <a:lvl5pPr marL="1828800" indent="0">
+              <a:buNone/>
+              <a:defRPr sz="1600" b="1"/>
+            </a:lvl5pPr>
+            <a:lvl6pPr marL="2286000" indent="0">
+              <a:buNone/>
+              <a:defRPr sz="1600" b="1"/>
+            </a:lvl6pPr>
+            <a:lvl7pPr marL="2743200" indent="0">
+              <a:buNone/>
+              <a:defRPr sz="1600" b="1"/>
+            </a:lvl7pPr>
+            <a:lvl8pPr marL="3200400" indent="0">
+              <a:buNone/>
+              <a:defRPr sz="1600" b="1"/>
+            </a:lvl8pPr>
+            <a:lvl9pPr marL="3657600" indent="0">
+              <a:buNone/>
+              <a:defRPr sz="1600" b="1"/>
+            </a:lvl9pPr>
+          </a:lstStyle>
+          <a:p>
+            <a:pPr lvl="0"/>
+            <a:r>
+              <a:rPr lang="ru-RU" smtClean="0"/>
+              <a:t>Образец текста</a:t>
+            </a:r>
+          </a:p>
+        </p:txBody>
+      </p:sp>
+      <p:sp>
+        <p:nvSpPr>
+          <p:cNvPr id="4" name="Content Placeholder 3"/>
+          <p:cNvSpPr>
+            <a:spLocks noGrp="1"/>
+          </p:cNvSpPr>
+          <p:nvPr>
+            <p:ph sz="half" idx="2"/>
+          </p:nvPr>
+        </p:nvSpPr>
+        <p:spPr>
+          <a:xfrm>
+            <a:off x="845127" y="2507550"/>
+            <a:ext cx="5156200" cy="3680525"/>
+          </a:xfrm>
+        </p:spPr>
+        <p:txBody>
+          <a:bodyPr/>
+          <a:lstStyle/>
+          <a:p>
+            <a:pPr lvl="0"/>
+            <a:r>
+              <a:rPr lang="ru-RU" smtClean="0"/>
+              <a:t>Образец текста</a:t>
+            </a:r>
+          </a:p>
+          <a:p>
+            <a:pPr lvl="1"/>
+            <a:r>
+              <a:rPr lang="ru-RU" smtClean="0"/>
+              <a:t>Второй уровень</a:t>
+            </a:r>
+          </a:p>
+          <a:p>
+            <a:pPr lvl="2"/>
+            <a:r>
+              <a:rPr lang="ru-RU" smtClean="0"/>
+              <a:t>Третий уровень</a:t>
+            </a:r>
+          </a:p>
+          <a:p>
+            <a:pPr lvl="3"/>
+            <a:r>
+              <a:rPr lang="ru-RU" smtClean="0"/>
+              <a:t>Четвертый уровень</a:t>
+            </a:r>
+          </a:p>
+          <a:p>
+            <a:pPr lvl="4"/>
+            <a:r>
+              <a:rPr lang="ru-RU" smtClean="0"/>
+              <a:t>Пятый уровень</a:t>
+            </a:r>
+            <a:endParaRPr lang="en-US" dirty="0"/>
+          </a:p>
+        </p:txBody>
+      </p:sp>
+      <p:sp>
+        <p:nvSpPr>
+          <p:cNvPr id="5" name="Text Placeholder 4"/>
+          <p:cNvSpPr>
+            <a:spLocks noGrp="1"/>
+          </p:cNvSpPr>
+          <p:nvPr>
+            <p:ph type="body" sz="quarter" idx="3"/>
+          </p:nvPr>
+        </p:nvSpPr>
+        <p:spPr>
+          <a:xfrm>
+            <a:off x="6172200" y="1681851"/>
+            <a:ext cx="5181601" cy="825698"/>
+          </a:xfrm>
+        </p:spPr>
+        <p:txBody>
+          <a:bodyPr anchor="b"/>
+          <a:lstStyle>
+            <a:lvl1pPr marL="0" indent="0">
+              <a:spcBef>
+                <a:spcPts val="0"/>
+              </a:spcBef>
+              <a:buNone/>
+              <a:defRPr sz="2400" b="1"/>
+            </a:lvl1pPr>
+            <a:lvl2pPr marL="457200" indent="0">
+              <a:buNone/>
+              <a:defRPr sz="2000" b="1"/>
+            </a:lvl2pPr>
+            <a:lvl3pPr marL="914400" indent="0">
+              <a:buNone/>
+              <a:defRPr sz="1800" b="1"/>
+            </a:lvl3pPr>
+            <a:lvl4pPr marL="1371600" indent="0">
+              <a:buNone/>
+              <a:defRPr sz="1600" b="1"/>
+            </a:lvl4pPr>
+            <a:lvl5pPr marL="1828800" indent="0">
+              <a:buNone/>
+              <a:defRPr sz="1600" b="1"/>
+            </a:lvl5pPr>
+            <a:lvl6pPr marL="2286000" indent="0">
+              <a:buNone/>
+              <a:defRPr sz="1600" b="1"/>
+            </a:lvl6pPr>
+            <a:lvl7pPr marL="2743200" indent="0">
+              <a:buNone/>
+              <a:defRPr sz="1600" b="1"/>
+            </a:lvl7pPr>
+            <a:lvl8pPr marL="3200400" indent="0">
+              <a:buNone/>
+              <a:defRPr sz="1600" b="1"/>
+            </a:lvl8pPr>
+            <a:lvl9pPr marL="3657600" indent="0">
+              <a:buNone/>
+              <a:defRPr sz="1600" b="1"/>
+            </a:lvl9pPr>
+          </a:lstStyle>
+          <a:p>
+            <a:pPr lvl="0"/>
+            <a:r>
+              <a:rPr lang="ru-RU" smtClean="0"/>
+              <a:t>Образец текста</a:t>
+            </a:r>
+          </a:p>
+        </p:txBody>
+      </p:sp>
+      <p:sp>
+        <p:nvSpPr>
+          <p:cNvPr id="6" name="Content Placeholder 5"/>
+          <p:cNvSpPr>
+            <a:spLocks noGrp="1"/>
+          </p:cNvSpPr>
+          <p:nvPr>
+            <p:ph sz="quarter" idx="4"/>
+          </p:nvPr>
+        </p:nvSpPr>
+        <p:spPr>
+          <a:xfrm>
+            <a:off x="6172200" y="2507550"/>
+            <a:ext cx="5181601" cy="3680525"/>
+          </a:xfrm>
+        </p:spPr>
+        <p:txBody>
+          <a:bodyPr/>
+          <a:lstStyle/>
+          <a:p>
+            <a:pPr lvl="0"/>
+            <a:r>
+              <a:rPr lang="ru-RU" smtClean="0"/>
+              <a:t>Образец текста</a:t>
+            </a:r>
+          </a:p>
+          <a:p>
+            <a:pPr lvl="1"/>
+            <a:r>
+              <a:rPr lang="ru-RU" smtClean="0"/>
+              <a:t>Второй уровень</a:t>
+            </a:r>
+          </a:p>
+          <a:p>
+            <a:pPr lvl="2"/>
+            <a:r>
+              <a:rPr lang="ru-RU" smtClean="0"/>
+              <a:t>Третий уровень</a:t>
+            </a:r>
+          </a:p>
+          <a:p>
+            <a:pPr lvl="3"/>
+            <a:r>
+              <a:rPr lang="ru-RU" smtClean="0"/>
+              <a:t>Четвертый уровень</a:t>
+            </a:r>
+          </a:p>
+          <a:p>
+            <a:pPr lvl="4"/>
+            <a:r>
+              <a:rPr lang="ru-RU" smtClean="0"/>
+              <a:t>Пятый уровень</a:t>
+            </a:r>
+            <a:endParaRPr lang="en-US"/>
+          </a:p>
+        </p:txBody>
+      </p:sp>
+      <p:sp>
+        <p:nvSpPr>
+          <p:cNvPr id="7" name="Date Placeholder 6"/>
+          <p:cNvSpPr>
+            <a:spLocks noGrp="1"/>
+          </p:cNvSpPr>
+          <p:nvPr>
+            <p:ph type="dt" sz="half" idx="10"/>
+          </p:nvPr>
+        </p:nvSpPr>
+        <p:spPr/>
+        <p:txBody>
+          <a:bodyPr/>
+          <a:lstStyle/>
+          <a:p>
+            <a:fld id="{AED9AC87-F41B-4C81-BDFE-6A4ECF2E6DE7}" type="datetimeFigureOut">
+              <a:rPr lang="ru-RU" smtClean="0"/>
+              <a:t>14.04.2018</a:t>
+            </a:fld>
+            <a:endParaRPr lang="ru-RU"/>
+          </a:p>
+        </p:txBody>
+      </p:sp>
+      <p:sp>
+        <p:nvSpPr>
+          <p:cNvPr id="8" name="Footer Placeholder 7"/>
+          <p:cNvSpPr>
+            <a:spLocks noGrp="1"/>
+          </p:cNvSpPr>
+          <p:nvPr>
+            <p:ph type="ftr" sz="quarter" idx="11"/>
+          </p:nvPr>
+        </p:nvSpPr>
+        <p:spPr/>
+        <p:txBody>
+          <a:bodyPr/>
+          <a:lstStyle/>
+          <a:p>
+            <a:endParaRPr lang="ru-RU"/>
+          </a:p>
+        </p:txBody>
+      </p:sp>
+      <p:sp>
+        <p:nvSpPr>
+          <p:cNvPr id="9" name="Slide Number Placeholder 8"/>
+          <p:cNvSpPr>
+            <a:spLocks noGrp="1"/>
+          </p:cNvSpPr>
+          <p:nvPr>
+            <p:ph type="sldNum" sz="quarter" idx="12"/>
+          </p:nvPr>
+        </p:nvSpPr>
+        <p:spPr/>
+        <p:txBody>
+          <a:bodyPr/>
+          <a:lstStyle/>
+          <a:p>
+            <a:fld id="{8DF65420-A45C-4D30-9D1D-FB4539C05F77}" type="slidenum">
+              <a:rPr lang="ru-RU" smtClean="0"/>
+              <a:t>‹#›</a:t>
+            </a:fld>
+            <a:endParaRPr lang="ru-RU"/>
+          </a:p>
+        </p:txBody>
+      </p:sp>
+      <p:sp>
+        <p:nvSpPr>
+          <p:cNvPr id="10" name="Title 9"/>
+          <p:cNvSpPr>
+            <a:spLocks noGrp="1"/>
+          </p:cNvSpPr>
+          <p:nvPr>
+            <p:ph type="title"/>
+          </p:nvPr>
+        </p:nvSpPr>
+        <p:spPr/>
+        <p:txBody>
+          <a:bodyPr/>
+          <a:lstStyle/>
+          <a:p>
+            <a:r>
+              <a:rPr lang="ru-RU" smtClean="0"/>
+              <a:t>Образец заголовка</a:t>
+            </a:r>
+            <a:endParaRPr lang="en-US" dirty="0"/>
+          </a:p>
+        </p:txBody>
+      </p:sp>
+    </p:spTree>
+    <p:extLst>
+      <p:ext uri="{BB962C8B-B14F-4D97-AF65-F5344CB8AC3E}">
+        <p14:creationId xmlns:p14="http://schemas.microsoft.com/office/powerpoint/2010/main" val="3745796186"/>
+      </p:ext>
+    </p:extLst>
+  </p:cSld>
+  <p:clrMapOvr>
+    <a:masterClrMapping/>
+  </p:clrMapOvr>
+</p:sldLayout>
+</file>
+
+<file path=ppt/slideLayouts/slideLayout6.xml><?xml version="1.0" encoding="utf-8"?>
+<p:sldLayout xmlns:a="http://schemas.openxmlformats.org/drawingml/2006/main" xmlns:r="http://schemas.openxmlformats.org/officeDocument/2006/relationships" xmlns:p="http://schemas.openxmlformats.org/presentationml/2006/main" preserve="1">
+  <p:cSld name="Только заголовок">
+    <p:spTree>
+      <p:nvGrpSpPr>
+        <p:cNvPr id="1" name=""/>
+        <p:cNvGrpSpPr/>
+        <p:nvPr/>
+      </p:nvGrpSpPr>
+      <p:grpSpPr>
+        <a:xfrm>
+          <a:off x="0" y="0"/>
+          <a:ext cx="0" cy="0"/>
+          <a:chOff x="0" y="0"/>
+          <a:chExt cx="0" cy="0"/>
+        </a:xfrm>
+      </p:grpSpPr>
+      <p:sp>
+        <p:nvSpPr>
+          <p:cNvPr id="3" name="Date Placeholder 2"/>
+          <p:cNvSpPr>
+            <a:spLocks noGrp="1"/>
+          </p:cNvSpPr>
+          <p:nvPr>
+            <p:ph type="dt" sz="half" idx="10"/>
+          </p:nvPr>
+        </p:nvSpPr>
+        <p:spPr/>
+        <p:txBody>
+          <a:bodyPr/>
+          <a:lstStyle/>
+          <a:p>
+            <a:fld id="{AED9AC87-F41B-4C81-BDFE-6A4ECF2E6DE7}" type="datetimeFigureOut">
+              <a:rPr lang="ru-RU" smtClean="0"/>
+              <a:t>14.04.2018</a:t>
+            </a:fld>
+            <a:endParaRPr lang="ru-RU"/>
+          </a:p>
+        </p:txBody>
+      </p:sp>
+      <p:sp>
+        <p:nvSpPr>
+          <p:cNvPr id="4" name="Footer Placeholder 3"/>
+          <p:cNvSpPr>
+            <a:spLocks noGrp="1"/>
+          </p:cNvSpPr>
+          <p:nvPr>
+            <p:ph type="ftr" sz="quarter" idx="11"/>
+          </p:nvPr>
+        </p:nvSpPr>
+        <p:spPr/>
+        <p:txBody>
+          <a:bodyPr/>
+          <a:lstStyle/>
+          <a:p>
+            <a:endParaRPr lang="ru-RU"/>
+          </a:p>
+        </p:txBody>
+      </p:sp>
+      <p:sp>
+        <p:nvSpPr>
+          <p:cNvPr id="5" name="Slide Number Placeholder 4"/>
+          <p:cNvSpPr>
+            <a:spLocks noGrp="1"/>
+          </p:cNvSpPr>
+          <p:nvPr>
+            <p:ph type="sldNum" sz="quarter" idx="12"/>
+          </p:nvPr>
+        </p:nvSpPr>
+        <p:spPr/>
+        <p:txBody>
+          <a:bodyPr/>
+          <a:lstStyle/>
+          <a:p>
+            <a:fld id="{8DF65420-A45C-4D30-9D1D-FB4539C05F77}" type="slidenum">
+              <a:rPr lang="ru-RU" smtClean="0"/>
+              <a:t>‹#›</a:t>
+            </a:fld>
+            <a:endParaRPr lang="ru-RU"/>
+          </a:p>
+        </p:txBody>
+      </p:sp>
+      <p:sp>
+        <p:nvSpPr>
+          <p:cNvPr id="6" name="Title 5"/>
+          <p:cNvSpPr>
+            <a:spLocks noGrp="1"/>
+          </p:cNvSpPr>
+          <p:nvPr>
+            <p:ph type="title"/>
+          </p:nvPr>
+        </p:nvSpPr>
+        <p:spPr/>
+        <p:txBody>
+          <a:bodyPr/>
+          <a:lstStyle/>
+          <a:p>
+            <a:r>
+              <a:rPr lang="ru-RU" smtClean="0"/>
+              <a:t>Образец заголовка</a:t>
+            </a:r>
+            <a:endParaRPr lang="en-US"/>
+          </a:p>
+        </p:txBody>
+      </p:sp>
+    </p:spTree>
+    <p:extLst>
+      <p:ext uri="{BB962C8B-B14F-4D97-AF65-F5344CB8AC3E}">
+        <p14:creationId xmlns:p14="http://schemas.microsoft.com/office/powerpoint/2010/main" val="3307770121"/>
+      </p:ext>
+    </p:extLst>
+  </p:cSld>
+  <p:clrMapOvr>
+    <a:masterClrMapping/>
+  </p:clrMapOvr>
+</p:sldLayout>
+</file>
+
+<file path=ppt/slideLayouts/slideLayout7.xml><?xml version="1.0" encoding="utf-8"?>
+<p:sldLayout xmlns:a="http://schemas.openxmlformats.org/drawingml/2006/main" xmlns:r="http://schemas.openxmlformats.org/officeDocument/2006/relationships" xmlns:p="http://schemas.openxmlformats.org/presentationml/2006/main" type="blank" preserve="1">
+  <p:cSld name="Пустой слайд">
+    <p:spTree>
+      <p:nvGrpSpPr>
+        <p:cNvPr id="1" name=""/>
+        <p:cNvGrpSpPr/>
+        <p:nvPr/>
+      </p:nvGrpSpPr>
+      <p:grpSpPr>
+        <a:xfrm>
+          <a:off x="0" y="0"/>
+          <a:ext cx="0" cy="0"/>
+          <a:chOff x="0" y="0"/>
+          <a:chExt cx="0" cy="0"/>
+        </a:xfrm>
+      </p:grpSpPr>
+      <p:sp>
+        <p:nvSpPr>
+          <p:cNvPr id="2" name="Date Placeholder 1"/>
+          <p:cNvSpPr>
+            <a:spLocks noGrp="1"/>
+          </p:cNvSpPr>
+          <p:nvPr>
+            <p:ph type="dt" sz="half" idx="10"/>
+          </p:nvPr>
+        </p:nvSpPr>
+        <p:spPr/>
+        <p:txBody>
+          <a:bodyPr/>
+          <a:lstStyle/>
+          <a:p>
+            <a:fld id="{AED9AC87-F41B-4C81-BDFE-6A4ECF2E6DE7}" type="datetimeFigureOut">
+              <a:rPr lang="ru-RU" smtClean="0"/>
+              <a:t>14.04.2018</a:t>
+            </a:fld>
+            <a:endParaRPr lang="ru-RU"/>
+          </a:p>
+        </p:txBody>
+      </p:sp>
+      <p:sp>
+        <p:nvSpPr>
+          <p:cNvPr id="3" name="Footer Placeholder 2"/>
+          <p:cNvSpPr>
+            <a:spLocks noGrp="1"/>
+          </p:cNvSpPr>
+          <p:nvPr>
+            <p:ph type="ftr" sz="quarter" idx="11"/>
+          </p:nvPr>
+        </p:nvSpPr>
+        <p:spPr/>
+        <p:txBody>
+          <a:bodyPr/>
+          <a:lstStyle/>
+          <a:p>
+            <a:endParaRPr lang="ru-RU"/>
+          </a:p>
+        </p:txBody>
+      </p:sp>
+      <p:sp>
+        <p:nvSpPr>
+          <p:cNvPr id="4" name="Slide Number Placeholder 3"/>
+          <p:cNvSpPr>
+            <a:spLocks noGrp="1"/>
+          </p:cNvSpPr>
+          <p:nvPr>
+            <p:ph type="sldNum" sz="quarter" idx="12"/>
+          </p:nvPr>
+        </p:nvSpPr>
+        <p:spPr/>
+        <p:txBody>
+          <a:bodyPr/>
+          <a:lstStyle/>
+          <a:p>
+            <a:fld id="{8DF65420-A45C-4D30-9D1D-FB4539C05F77}" type="slidenum">
+              <a:rPr lang="ru-RU" smtClean="0"/>
+              <a:t>‹#›</a:t>
+            </a:fld>
+            <a:endParaRPr lang="ru-RU"/>
+          </a:p>
+        </p:txBody>
+      </p:sp>
+    </p:spTree>
+    <p:extLst>
+      <p:ext uri="{BB962C8B-B14F-4D97-AF65-F5344CB8AC3E}">
+        <p14:creationId xmlns:p14="http://schemas.microsoft.com/office/powerpoint/2010/main" val="2878478801"/>
+      </p:ext>
+    </p:extLst>
+  </p:cSld>
+  <p:clrMapOvr>
+    <a:masterClrMapping/>
+  </p:clrMapOvr>
+</p:sldLayout>
+</file>
+
+<file path=ppt/slideLayouts/slideLayout8.xml><?xml version="1.0" encoding="utf-8"?>
+<p:sldLayout xmlns:a="http://schemas.openxmlformats.org/drawingml/2006/main" xmlns:r="http://schemas.openxmlformats.org/officeDocument/2006/relationships" xmlns:p="http://schemas.openxmlformats.org/presentationml/2006/main" type="objTx" preserve="1">
+  <p:cSld name="Объект с подписью">
+    <p:spTree>
+      <p:nvGrpSpPr>
+        <p:cNvPr id="1" name=""/>
+        <p:cNvGrpSpPr/>
+        <p:nvPr/>
+      </p:nvGrpSpPr>
+      <p:grpSpPr>
+        <a:xfrm>
+          <a:off x="0" y="0"/>
+          <a:ext cx="0" cy="0"/>
+          <a:chOff x="0" y="0"/>
+          <a:chExt cx="0" cy="0"/>
+        </a:xfrm>
+      </p:grpSpPr>
+      <p:sp>
+        <p:nvSpPr>
+          <p:cNvPr id="2" name="Title 1"/>
+          <p:cNvSpPr>
+            <a:spLocks noGrp="1"/>
+          </p:cNvSpPr>
+          <p:nvPr>
+            <p:ph type="title"/>
+          </p:nvPr>
+        </p:nvSpPr>
+        <p:spPr>
+          <a:xfrm>
+            <a:off x="841248" y="457200"/>
+            <a:ext cx="3931920" cy="1600197"/>
+          </a:xfrm>
+        </p:spPr>
+        <p:txBody>
+          <a:bodyPr anchor="b">
+            <a:normAutofit/>
+          </a:bodyPr>
+          <a:lstStyle>
+            <a:lvl1pPr>
+              <a:defRPr sz="3200" b="0"/>
+            </a:lvl1pPr>
+          </a:lstStyle>
+          <a:p>
+            <a:r>
+              <a:rPr lang="ru-RU" smtClean="0"/>
+              <a:t>Образец заголовка</a:t>
+            </a:r>
+            <a:endParaRPr lang="en-US" dirty="0"/>
+          </a:p>
+        </p:txBody>
+      </p:sp>
+      <p:sp>
+        <p:nvSpPr>
+          <p:cNvPr id="3" name="Content Placeholder 2"/>
+          <p:cNvSpPr>
+            <a:spLocks noGrp="1"/>
+          </p:cNvSpPr>
+          <p:nvPr>
+            <p:ph idx="1"/>
+          </p:nvPr>
+        </p:nvSpPr>
+        <p:spPr>
+          <a:xfrm>
+            <a:off x="5181600" y="990600"/>
+            <a:ext cx="6172200" cy="4876800"/>
+          </a:xfrm>
+        </p:spPr>
+        <p:txBody>
+          <a:bodyPr/>
+          <a:lstStyle>
+            <a:lvl1pPr>
+              <a:defRPr sz="3200"/>
+            </a:lvl1pPr>
+            <a:lvl2pPr>
+              <a:defRPr sz="2800"/>
+            </a:lvl2pPr>
+            <a:lvl3pPr>
+              <a:defRPr sz="2400"/>
+            </a:lvl3pPr>
+            <a:lvl4pPr>
+              <a:defRPr sz="2000"/>
+            </a:lvl4pPr>
+            <a:lvl5pPr>
+              <a:defRPr sz="2000"/>
+            </a:lvl5pPr>
+            <a:lvl6pPr>
+              <a:defRPr sz="2000"/>
+            </a:lvl6pPr>
+            <a:lvl7pPr>
+              <a:defRPr sz="2000"/>
+            </a:lvl7pPr>
+            <a:lvl8pPr>
+              <a:defRPr sz="2000"/>
+            </a:lvl8pPr>
+            <a:lvl9pPr>
+              <a:defRPr sz="2000"/>
+            </a:lvl9pPr>
+          </a:lstStyle>
+          <a:p>
+            <a:pPr lvl="0"/>
+            <a:r>
+              <a:rPr lang="ru-RU" smtClean="0"/>
+              <a:t>Образец текста</a:t>
+            </a:r>
+          </a:p>
+          <a:p>
+            <a:pPr lvl="1"/>
+            <a:r>
+              <a:rPr lang="ru-RU" smtClean="0"/>
+              <a:t>Второй уровень</a:t>
+            </a:r>
+          </a:p>
+          <a:p>
+            <a:pPr lvl="2"/>
+            <a:r>
+              <a:rPr lang="ru-RU" smtClean="0"/>
+              <a:t>Третий уровень</a:t>
+            </a:r>
+          </a:p>
+          <a:p>
+            <a:pPr lvl="3"/>
+            <a:r>
+              <a:rPr lang="ru-RU" smtClean="0"/>
+              <a:t>Четвертый уровень</a:t>
+            </a:r>
+          </a:p>
+          <a:p>
+            <a:pPr lvl="4"/>
+            <a:r>
+              <a:rPr lang="ru-RU" smtClean="0"/>
+              <a:t>Пятый уровень</a:t>
+            </a:r>
+            <a:endParaRPr lang="en-US" dirty="0"/>
+          </a:p>
+        </p:txBody>
+      </p:sp>
+      <p:sp>
+        <p:nvSpPr>
+          <p:cNvPr id="4" name="Text Placeholder 3"/>
+          <p:cNvSpPr>
+            <a:spLocks noGrp="1"/>
+          </p:cNvSpPr>
+          <p:nvPr>
+            <p:ph type="body" sz="half" idx="2"/>
+          </p:nvPr>
+        </p:nvSpPr>
+        <p:spPr>
+          <a:xfrm>
+            <a:off x="841248" y="2057399"/>
+            <a:ext cx="3931920" cy="3810001"/>
+          </a:xfrm>
+        </p:spPr>
+        <p:txBody>
+          <a:bodyPr>
+            <a:normAutofit/>
+          </a:bodyPr>
+          <a:lstStyle>
+            <a:lvl1pPr marL="0" indent="0">
+              <a:lnSpc>
+                <a:spcPct val="90000"/>
+              </a:lnSpc>
+              <a:buNone/>
+              <a:defRPr sz="1600"/>
+            </a:lvl1pPr>
+            <a:lvl2pPr marL="457200" indent="0">
+              <a:buNone/>
+              <a:defRPr sz="1200"/>
+            </a:lvl2pPr>
+            <a:lvl3pPr marL="914400" indent="0">
+              <a:buNone/>
+              <a:defRPr sz="1000"/>
+            </a:lvl3pPr>
+            <a:lvl4pPr marL="1371600" indent="0">
+              <a:buNone/>
+              <a:defRPr sz="900"/>
+            </a:lvl4pPr>
+            <a:lvl5pPr marL="1828800" indent="0">
+              <a:buNone/>
+              <a:defRPr sz="900"/>
+            </a:lvl5pPr>
+            <a:lvl6pPr marL="2286000" indent="0">
+              <a:buNone/>
+              <a:defRPr sz="900"/>
+            </a:lvl6pPr>
+            <a:lvl7pPr marL="2743200" indent="0">
+              <a:buNone/>
+              <a:defRPr sz="900"/>
+            </a:lvl7pPr>
+            <a:lvl8pPr marL="3200400" indent="0">
+              <a:buNone/>
+              <a:defRPr sz="900"/>
+            </a:lvl8pPr>
+            <a:lvl9pPr marL="3657600" indent="0">
+              <a:buNone/>
+              <a:defRPr sz="900"/>
+            </a:lvl9pPr>
+          </a:lstStyle>
+          <a:p>
+            <a:pPr lvl="0"/>
+            <a:r>
+              <a:rPr lang="ru-RU" smtClean="0"/>
+              <a:t>Образец текста</a:t>
+            </a:r>
+          </a:p>
+        </p:txBody>
+      </p:sp>
+      <p:sp>
+        <p:nvSpPr>
+          <p:cNvPr id="5" name="Date Placeholder 4"/>
+          <p:cNvSpPr>
+            <a:spLocks noGrp="1"/>
+          </p:cNvSpPr>
+          <p:nvPr>
+            <p:ph type="dt" sz="half" idx="10"/>
+          </p:nvPr>
+        </p:nvSpPr>
+        <p:spPr/>
+        <p:txBody>
+          <a:bodyPr/>
+          <a:lstStyle/>
+          <a:p>
+            <a:fld id="{AED9AC87-F41B-4C81-BDFE-6A4ECF2E6DE7}" type="datetimeFigureOut">
+              <a:rPr lang="ru-RU" smtClean="0"/>
+              <a:t>14.04.2018</a:t>
+            </a:fld>
+            <a:endParaRPr lang="ru-RU"/>
+          </a:p>
+        </p:txBody>
+      </p:sp>
+      <p:sp>
+        <p:nvSpPr>
+          <p:cNvPr id="6" name="Footer Placeholder 5"/>
+          <p:cNvSpPr>
+            <a:spLocks noGrp="1"/>
+          </p:cNvSpPr>
+          <p:nvPr>
+            <p:ph type="ftr" sz="quarter" idx="11"/>
+          </p:nvPr>
+        </p:nvSpPr>
+        <p:spPr/>
+        <p:txBody>
+          <a:bodyPr/>
+          <a:lstStyle/>
+          <a:p>
+            <a:endParaRPr lang="ru-RU"/>
+          </a:p>
+        </p:txBody>
+      </p:sp>
+      <p:sp>
+        <p:nvSpPr>
+          <p:cNvPr id="7" name="Slide Number Placeholder 6"/>
+          <p:cNvSpPr>
+            <a:spLocks noGrp="1"/>
+          </p:cNvSpPr>
+          <p:nvPr>
+            <p:ph type="sldNum" sz="quarter" idx="12"/>
+          </p:nvPr>
+        </p:nvSpPr>
+        <p:spPr/>
+        <p:txBody>
+          <a:bodyPr/>
+          <a:lstStyle/>
+          <a:p>
+            <a:fld id="{8DF65420-A45C-4D30-9D1D-FB4539C05F77}" type="slidenum">
+              <a:rPr lang="ru-RU" smtClean="0"/>
+              <a:t>‹#›</a:t>
+            </a:fld>
+            <a:endParaRPr lang="ru-RU"/>
+          </a:p>
+        </p:txBody>
+      </p:sp>
+    </p:spTree>
+    <p:extLst>
+      <p:ext uri="{BB962C8B-B14F-4D97-AF65-F5344CB8AC3E}">
+        <p14:creationId xmlns:p14="http://schemas.microsoft.com/office/powerpoint/2010/main" val="369626748"/>
       </p:ext>
     </p:extLst>
   </p:cSld>
@@ -3267,7 +5629,7 @@
       </p:grpSpPr>
       <p:sp>
         <p:nvSpPr>
-          <p:cNvPr id="2" name="Заголовок 1"/>
+          <p:cNvPr id="2" name="Title 1"/>
           <p:cNvSpPr>
             <a:spLocks noGrp="1"/>
           </p:cNvSpPr>
@@ -3277,15 +5639,17 @@
         </p:nvSpPr>
         <p:spPr>
           <a:xfrm>
-            <a:off x="839788" y="457200"/>
-            <a:ext cx="3932237" cy="1600200"/>
+            <a:off x="841248" y="457200"/>
+            <a:ext cx="3931920" cy="1600200"/>
           </a:xfrm>
         </p:spPr>
         <p:txBody>
-          <a:bodyPr anchor="b"/>
+          <a:bodyPr anchor="b">
+            <a:normAutofit/>
+          </a:bodyPr>
           <a:lstStyle>
             <a:lvl1pPr>
-              <a:defRPr sz="3200"/>
+              <a:defRPr sz="3200" b="0"/>
             </a:lvl1pPr>
           </a:lstStyle>
           <a:p>
@@ -3293,13 +5657,13 @@
               <a:rPr lang="ru-RU" smtClean="0"/>
               <a:t>Образец заголовка</a:t>
             </a:r>
-            <a:endParaRPr lang="ru-RU"/>
-          </a:p>
-        </p:txBody>
-      </p:sp>
-      <p:sp>
-        <p:nvSpPr>
-          <p:cNvPr id="3" name="Рисунок 2"/>
+            <a:endParaRPr lang="en-US" dirty="0"/>
+          </a:p>
+        </p:txBody>
+      </p:sp>
+      <p:sp>
+        <p:nvSpPr>
+          <p:cNvPr id="3" name="Picture Placeholder 2"/>
           <p:cNvSpPr>
             <a:spLocks noGrp="1"/>
           </p:cNvSpPr>
@@ -3309,8 +5673,8 @@
         </p:nvSpPr>
         <p:spPr>
           <a:xfrm>
-            <a:off x="5183188" y="987425"/>
-            <a:ext cx="6172200" cy="4873625"/>
+            <a:off x="5181600" y="990600"/>
+            <a:ext cx="6172200" cy="4876800"/>
           </a:xfrm>
         </p:spPr>
         <p:txBody>
@@ -3354,13 +5718,17 @@
             </a:lvl9pPr>
           </a:lstStyle>
           <a:p>
-            <a:endParaRPr lang="ru-RU"/>
-          </a:p>
-        </p:txBody>
-      </p:sp>
-      <p:sp>
-        <p:nvSpPr>
-          <p:cNvPr id="4" name="Текст 3"/>
+            <a:r>
+              <a:rPr lang="ru-RU" smtClean="0"/>
+              <a:t>Вставка рисунка</a:t>
+            </a:r>
+            <a:endParaRPr lang="en-US" dirty="0"/>
+          </a:p>
+        </p:txBody>
+      </p:sp>
+      <p:sp>
+        <p:nvSpPr>
+          <p:cNvPr id="4" name="Text Placeholder 3"/>
           <p:cNvSpPr>
             <a:spLocks noGrp="1"/>
           </p:cNvSpPr>
@@ -3370,48 +5738,53 @@
         </p:nvSpPr>
         <p:spPr>
           <a:xfrm>
-            <a:off x="839788" y="2057400"/>
-            <a:ext cx="3932237" cy="3811588"/>
+            <a:off x="841248" y="2057400"/>
+            <a:ext cx="3931920" cy="3810000"/>
           </a:xfrm>
         </p:spPr>
         <p:txBody>
-          <a:bodyPr/>
+          <a:bodyPr>
+            <a:normAutofit/>
+          </a:bodyPr>
           <a:lstStyle>
             <a:lvl1pPr marL="0" indent="0">
+              <a:lnSpc>
+                <a:spcPct val="90000"/>
+              </a:lnSpc>
               <a:buNone/>
               <a:defRPr sz="1600"/>
             </a:lvl1pPr>
             <a:lvl2pPr marL="457200" indent="0">
               <a:buNone/>
-              <a:defRPr sz="1400"/>
+              <a:defRPr sz="1200"/>
             </a:lvl2pPr>
             <a:lvl3pPr marL="914400" indent="0">
               <a:buNone/>
-              <a:defRPr sz="1200"/>
+              <a:defRPr sz="1000"/>
             </a:lvl3pPr>
             <a:lvl4pPr marL="1371600" indent="0">
               <a:buNone/>
-              <a:defRPr sz="1000"/>
+              <a:defRPr sz="900"/>
             </a:lvl4pPr>
             <a:lvl5pPr marL="1828800" indent="0">
               <a:buNone/>
-              <a:defRPr sz="1000"/>
+              <a:defRPr sz="900"/>
             </a:lvl5pPr>
             <a:lvl6pPr marL="2286000" indent="0">
               <a:buNone/>
-              <a:defRPr sz="1000"/>
+              <a:defRPr sz="900"/>
             </a:lvl6pPr>
             <a:lvl7pPr marL="2743200" indent="0">
               <a:buNone/>
-              <a:defRPr sz="1000"/>
+              <a:defRPr sz="900"/>
             </a:lvl7pPr>
             <a:lvl8pPr marL="3200400" indent="0">
               <a:buNone/>
-              <a:defRPr sz="1000"/>
+              <a:defRPr sz="900"/>
             </a:lvl8pPr>
             <a:lvl9pPr marL="3657600" indent="0">
               <a:buNone/>
-              <a:defRPr sz="1000"/>
+              <a:defRPr sz="900"/>
             </a:lvl9pPr>
           </a:lstStyle>
           <a:p>
@@ -3425,7 +5798,7 @@
       </p:sp>
       <p:sp>
         <p:nvSpPr>
-          <p:cNvPr id="5" name="Дата 4"/>
+          <p:cNvPr id="5" name="Date Placeholder 4"/>
           <p:cNvSpPr>
             <a:spLocks noGrp="1"/>
           </p:cNvSpPr>
@@ -3448,7 +5821,7 @@
       </p:sp>
       <p:sp>
         <p:nvSpPr>
-          <p:cNvPr id="6" name="Нижний колонтитул 5"/>
+          <p:cNvPr id="6" name="Footer Placeholder 5"/>
           <p:cNvSpPr>
             <a:spLocks noGrp="1"/>
           </p:cNvSpPr>
@@ -3467,7 +5840,7 @@
       </p:sp>
       <p:sp>
         <p:nvSpPr>
-          <p:cNvPr id="7" name="Номер слайда 6"/>
+          <p:cNvPr id="7" name="Slide Number Placeholder 6"/>
           <p:cNvSpPr>
             <a:spLocks noGrp="1"/>
           </p:cNvSpPr>
@@ -3491,7 +5864,7 @@
     </p:spTree>
     <p:extLst>
       <p:ext uri="{BB962C8B-B14F-4D97-AF65-F5344CB8AC3E}">
-        <p14:creationId xmlns:p14="http://schemas.microsoft.com/office/powerpoint/2010/main" val="781582528"/>
+        <p14:creationId xmlns:p14="http://schemas.microsoft.com/office/powerpoint/2010/main" val="2468254413"/>
       </p:ext>
     </p:extLst>
   </p:cSld>
@@ -3502,7 +5875,7 @@
 </file>
 
 <file path=ppt/slideMasters/slideMaster1.xml><?xml version="1.0" encoding="utf-8"?>
-<p:sldMaster xmlns:a="http://schemas.openxmlformats.org/drawingml/2006/main" xmlns:r="http://schemas.openxmlformats.org/officeDocument/2006/relationships" xmlns:p="http://schemas.openxmlformats.org/presentationml/2006/main">
+<p:sldMaster xmlns:a="http://schemas.openxmlformats.org/drawingml/2006/main" xmlns:r="http://schemas.openxmlformats.org/officeDocument/2006/relationships" xmlns:p="http://schemas.openxmlformats.org/presentationml/2006/main" preserve="1">
   <p:cSld>
     <p:bg>
       <p:bgRef idx="1001">
@@ -3525,7 +5898,7 @@
       </p:grpSpPr>
       <p:sp>
         <p:nvSpPr>
-          <p:cNvPr id="2" name="Заголовок 1"/>
+          <p:cNvPr id="2" name="Title Placeholder 1"/>
           <p:cNvSpPr>
             <a:spLocks noGrp="1"/>
           </p:cNvSpPr>
@@ -3535,8 +5908,8 @@
         </p:nvSpPr>
         <p:spPr>
           <a:xfrm>
-            <a:off x="838200" y="365125"/>
-            <a:ext cx="10515600" cy="1325563"/>
+            <a:off x="845127" y="365760"/>
+            <a:ext cx="10515600" cy="1325562"/>
           </a:xfrm>
           <a:prstGeom prst="rect">
             <a:avLst/>
@@ -3552,13 +5925,13 @@
               <a:rPr lang="ru-RU" smtClean="0"/>
               <a:t>Образец заголовка</a:t>
             </a:r>
-            <a:endParaRPr lang="ru-RU"/>
-          </a:p>
-        </p:txBody>
-      </p:sp>
-      <p:sp>
-        <p:nvSpPr>
-          <p:cNvPr id="3" name="Текст 2"/>
+            <a:endParaRPr lang="en-US" dirty="0"/>
+          </a:p>
+        </p:txBody>
+      </p:sp>
+      <p:sp>
+        <p:nvSpPr>
+          <p:cNvPr id="3" name="Text Placeholder 2"/>
           <p:cNvSpPr>
             <a:spLocks noGrp="1"/>
           </p:cNvSpPr>
@@ -3568,8 +5941,8 @@
         </p:nvSpPr>
         <p:spPr>
           <a:xfrm>
-            <a:off x="838200" y="1825625"/>
-            <a:ext cx="10515600" cy="4351338"/>
+            <a:off x="845127" y="1828800"/>
+            <a:ext cx="10515600" cy="4351337"/>
           </a:xfrm>
           <a:prstGeom prst="rect">
             <a:avLst/>
@@ -3614,13 +5987,13 @@
               <a:rPr lang="ru-RU" smtClean="0"/>
               <a:t>Пятый уровень</a:t>
             </a:r>
-            <a:endParaRPr lang="ru-RU"/>
-          </a:p>
-        </p:txBody>
-      </p:sp>
-      <p:sp>
-        <p:nvSpPr>
-          <p:cNvPr id="4" name="Дата 3"/>
+            <a:endParaRPr lang="en-US" dirty="0"/>
+          </a:p>
+        </p:txBody>
+      </p:sp>
+      <p:sp>
+        <p:nvSpPr>
+          <p:cNvPr id="4" name="Date Placeholder 3"/>
           <p:cNvSpPr>
             <a:spLocks noGrp="1"/>
           </p:cNvSpPr>
@@ -3641,10 +6014,11 @@
           <a:bodyPr vert="horz" lIns="91440" tIns="45720" rIns="91440" bIns="45720" rtlCol="0" anchor="ctr"/>
           <a:lstStyle>
             <a:lvl1pPr algn="l">
-              <a:defRPr sz="1200">
+              <a:defRPr sz="1100">
                 <a:solidFill>
                   <a:schemeClr val="tx1">
-                    <a:tint val="75000"/>
+                    <a:lumMod val="65000"/>
+                    <a:lumOff val="35000"/>
                   </a:schemeClr>
                 </a:solidFill>
               </a:defRPr>
@@ -3661,7 +6035,7 @@
       </p:sp>
       <p:sp>
         <p:nvSpPr>
-          <p:cNvPr id="5" name="Нижний колонтитул 4"/>
+          <p:cNvPr id="5" name="Footer Placeholder 4"/>
           <p:cNvSpPr>
             <a:spLocks noGrp="1"/>
           </p:cNvSpPr>
@@ -3682,7 +6056,45 @@
           <a:bodyPr vert="horz" lIns="91440" tIns="45720" rIns="91440" bIns="45720" rtlCol="0" anchor="ctr"/>
           <a:lstStyle>
             <a:lvl1pPr algn="ctr">
-              <a:defRPr sz="1200">
+              <a:defRPr sz="1100">
+                <a:solidFill>
+                  <a:schemeClr val="tx1">
+                    <a:lumMod val="65000"/>
+                    <a:lumOff val="35000"/>
+                  </a:schemeClr>
+                </a:solidFill>
+              </a:defRPr>
+            </a:lvl1pPr>
+          </a:lstStyle>
+          <a:p>
+            <a:endParaRPr lang="ru-RU"/>
+          </a:p>
+        </p:txBody>
+      </p:sp>
+      <p:sp>
+        <p:nvSpPr>
+          <p:cNvPr id="6" name="Slide Number Placeholder 5"/>
+          <p:cNvSpPr>
+            <a:spLocks noGrp="1"/>
+          </p:cNvSpPr>
+          <p:nvPr>
+            <p:ph type="sldNum" sz="quarter" idx="4"/>
+          </p:nvPr>
+        </p:nvSpPr>
+        <p:spPr>
+          <a:xfrm>
+            <a:off x="8617527" y="6356350"/>
+            <a:ext cx="2743200" cy="365125"/>
+          </a:xfrm>
+          <a:prstGeom prst="rect">
+            <a:avLst/>
+          </a:prstGeom>
+        </p:spPr>
+        <p:txBody>
+          <a:bodyPr vert="horz" lIns="91440" tIns="45720" rIns="91440" bIns="45720" rtlCol="0" anchor="ctr"/>
+          <a:lstStyle>
+            <a:lvl1pPr algn="r">
+              <a:defRPr sz="1100">
                 <a:solidFill>
                   <a:schemeClr val="tx1">
                     <a:tint val="75000"/>
@@ -3692,43 +6104,6 @@
             </a:lvl1pPr>
           </a:lstStyle>
           <a:p>
-            <a:endParaRPr lang="ru-RU"/>
-          </a:p>
-        </p:txBody>
-      </p:sp>
-      <p:sp>
-        <p:nvSpPr>
-          <p:cNvPr id="6" name="Номер слайда 5"/>
-          <p:cNvSpPr>
-            <a:spLocks noGrp="1"/>
-          </p:cNvSpPr>
-          <p:nvPr>
-            <p:ph type="sldNum" sz="quarter" idx="4"/>
-          </p:nvPr>
-        </p:nvSpPr>
-        <p:spPr>
-          <a:xfrm>
-            <a:off x="8610600" y="6356350"/>
-            <a:ext cx="2743200" cy="365125"/>
-          </a:xfrm>
-          <a:prstGeom prst="rect">
-            <a:avLst/>
-          </a:prstGeom>
-        </p:spPr>
-        <p:txBody>
-          <a:bodyPr vert="horz" lIns="91440" tIns="45720" rIns="91440" bIns="45720" rtlCol="0" anchor="ctr"/>
-          <a:lstStyle>
-            <a:lvl1pPr algn="r">
-              <a:defRPr sz="1200">
-                <a:solidFill>
-                  <a:schemeClr val="tx1">
-                    <a:tint val="75000"/>
-                  </a:schemeClr>
-                </a:solidFill>
-              </a:defRPr>
-            </a:lvl1pPr>
-          </a:lstStyle>
-          <a:p>
             <a:fld id="{8DF65420-A45C-4D30-9D1D-FB4539C05F77}" type="slidenum">
               <a:rPr lang="ru-RU" smtClean="0"/>
               <a:t>‹#›</a:t>
@@ -3740,23 +6115,23 @@
     </p:spTree>
     <p:extLst>
       <p:ext uri="{BB962C8B-B14F-4D97-AF65-F5344CB8AC3E}">
-        <p14:creationId xmlns:p14="http://schemas.microsoft.com/office/powerpoint/2010/main" val="3060263641"/>
+        <p14:creationId xmlns:p14="http://schemas.microsoft.com/office/powerpoint/2010/main" val="1999958204"/>
       </p:ext>
     </p:extLst>
   </p:cSld>
   <p:clrMap bg1="lt1" tx1="dk1" bg2="lt2" tx2="dk2" accent1="accent1" accent2="accent2" accent3="accent3" accent4="accent4" accent5="accent5" accent6="accent6" hlink="hlink" folHlink="folHlink"/>
   <p:sldLayoutIdLst>
-    <p:sldLayoutId id="2147483649" r:id="rId1"/>
-    <p:sldLayoutId id="2147483650" r:id="rId2"/>
-    <p:sldLayoutId id="2147483651" r:id="rId3"/>
-    <p:sldLayoutId id="2147483652" r:id="rId4"/>
-    <p:sldLayoutId id="2147483653" r:id="rId5"/>
-    <p:sldLayoutId id="2147483654" r:id="rId6"/>
-    <p:sldLayoutId id="2147483655" r:id="rId7"/>
-    <p:sldLayoutId id="2147483656" r:id="rId8"/>
-    <p:sldLayoutId id="2147483657" r:id="rId9"/>
-    <p:sldLayoutId id="2147483658" r:id="rId10"/>
-    <p:sldLayoutId id="2147483659" r:id="rId11"/>
+    <p:sldLayoutId id="2147483673" r:id="rId1"/>
+    <p:sldLayoutId id="2147483674" r:id="rId2"/>
+    <p:sldLayoutId id="2147483675" r:id="rId3"/>
+    <p:sldLayoutId id="2147483676" r:id="rId4"/>
+    <p:sldLayoutId id="2147483677" r:id="rId5"/>
+    <p:sldLayoutId id="2147483678" r:id="rId6"/>
+    <p:sldLayoutId id="2147483679" r:id="rId7"/>
+    <p:sldLayoutId id="2147483680" r:id="rId8"/>
+    <p:sldLayoutId id="2147483681" r:id="rId9"/>
+    <p:sldLayoutId id="2147483682" r:id="rId10"/>
+    <p:sldLayoutId id="2147483683" r:id="rId11"/>
   </p:sldLayoutIdLst>
   <p:txStyles>
     <p:titleStyle>
@@ -3786,8 +6161,8 @@
         <a:spcBef>
           <a:spcPts val="1000"/>
         </a:spcBef>
-        <a:buFont typeface="Arial" panose="020B0604020202020204" pitchFamily="34" charset="0"/>
-        <a:buChar char="•"/>
+        <a:buFont typeface="Wingdings 2" pitchFamily="18" charset="2"/>
+        <a:buChar char=""/>
         <a:defRPr sz="2800" kern="1200">
           <a:solidFill>
             <a:schemeClr val="tx1"/>
@@ -3804,8 +6179,8 @@
         <a:spcBef>
           <a:spcPts val="500"/>
         </a:spcBef>
-        <a:buFont typeface="Arial" panose="020B0604020202020204" pitchFamily="34" charset="0"/>
-        <a:buChar char="•"/>
+        <a:buFont typeface="Wingdings 2" pitchFamily="18" charset="2"/>
+        <a:buChar char=""/>
         <a:defRPr sz="2400" kern="1200">
           <a:solidFill>
             <a:schemeClr val="tx1"/>
@@ -3822,8 +6197,8 @@
         <a:spcBef>
           <a:spcPts val="500"/>
         </a:spcBef>
-        <a:buFont typeface="Arial" panose="020B0604020202020204" pitchFamily="34" charset="0"/>
-        <a:buChar char="•"/>
+        <a:buFont typeface="Wingdings 2" pitchFamily="18" charset="2"/>
+        <a:buChar char=""/>
         <a:defRPr sz="2000" kern="1200">
           <a:solidFill>
             <a:schemeClr val="tx1"/>
@@ -3840,8 +6215,8 @@
         <a:spcBef>
           <a:spcPts val="500"/>
         </a:spcBef>
-        <a:buFont typeface="Arial" panose="020B0604020202020204" pitchFamily="34" charset="0"/>
-        <a:buChar char="•"/>
+        <a:buFont typeface="Wingdings 2" pitchFamily="18" charset="2"/>
+        <a:buChar char=""/>
         <a:defRPr sz="1800" kern="1200">
           <a:solidFill>
             <a:schemeClr val="tx1"/>
@@ -3858,8 +6233,8 @@
         <a:spcBef>
           <a:spcPts val="500"/>
         </a:spcBef>
-        <a:buFont typeface="Arial" panose="020B0604020202020204" pitchFamily="34" charset="0"/>
-        <a:buChar char="•"/>
+        <a:buFont typeface="Wingdings 2" pitchFamily="18" charset="2"/>
+        <a:buChar char=""/>
         <a:defRPr sz="1800" kern="1200">
           <a:solidFill>
             <a:schemeClr val="tx1"/>
@@ -3870,14 +6245,11 @@
         </a:defRPr>
       </a:lvl5pPr>
       <a:lvl6pPr marL="2514600" indent="-228600" algn="l" defTabSz="914400" rtl="0" eaLnBrk="1" latinLnBrk="0" hangingPunct="1">
-        <a:lnSpc>
-          <a:spcPct val="90000"/>
-        </a:lnSpc>
         <a:spcBef>
-          <a:spcPts val="500"/>
+          <a:spcPct val="20000"/>
         </a:spcBef>
-        <a:buFont typeface="Arial" panose="020B0604020202020204" pitchFamily="34" charset="0"/>
-        <a:buChar char="•"/>
+        <a:buFont typeface="Wingdings 2" pitchFamily="18" charset="2"/>
+        <a:buChar char=""/>
         <a:defRPr sz="1800" kern="1200">
           <a:solidFill>
             <a:schemeClr val="tx1"/>
@@ -3888,14 +6260,11 @@
         </a:defRPr>
       </a:lvl6pPr>
       <a:lvl7pPr marL="2971800" indent="-228600" algn="l" defTabSz="914400" rtl="0" eaLnBrk="1" latinLnBrk="0" hangingPunct="1">
-        <a:lnSpc>
-          <a:spcPct val="90000"/>
-        </a:lnSpc>
         <a:spcBef>
-          <a:spcPts val="500"/>
+          <a:spcPct val="20000"/>
         </a:spcBef>
-        <a:buFont typeface="Arial" panose="020B0604020202020204" pitchFamily="34" charset="0"/>
-        <a:buChar char="•"/>
+        <a:buFont typeface="Wingdings 2" pitchFamily="18" charset="2"/>
+        <a:buChar char=""/>
         <a:defRPr sz="1800" kern="1200">
           <a:solidFill>
             <a:schemeClr val="tx1"/>
@@ -3906,14 +6275,11 @@
         </a:defRPr>
       </a:lvl7pPr>
       <a:lvl8pPr marL="3429000" indent="-228600" algn="l" defTabSz="914400" rtl="0" eaLnBrk="1" latinLnBrk="0" hangingPunct="1">
-        <a:lnSpc>
-          <a:spcPct val="90000"/>
-        </a:lnSpc>
         <a:spcBef>
-          <a:spcPts val="500"/>
+          <a:spcPct val="20000"/>
         </a:spcBef>
-        <a:buFont typeface="Arial" panose="020B0604020202020204" pitchFamily="34" charset="0"/>
-        <a:buChar char="•"/>
+        <a:buFont typeface="Wingdings 2" pitchFamily="18" charset="2"/>
+        <a:buChar char=""/>
         <a:defRPr sz="1800" kern="1200">
           <a:solidFill>
             <a:schemeClr val="tx1"/>
@@ -3924,14 +6290,11 @@
         </a:defRPr>
       </a:lvl8pPr>
       <a:lvl9pPr marL="3886200" indent="-228600" algn="l" defTabSz="914400" rtl="0" eaLnBrk="1" latinLnBrk="0" hangingPunct="1">
-        <a:lnSpc>
-          <a:spcPct val="90000"/>
-        </a:lnSpc>
         <a:spcBef>
-          <a:spcPts val="500"/>
+          <a:spcPct val="20000"/>
         </a:spcBef>
-        <a:buFont typeface="Arial" panose="020B0604020202020204" pitchFamily="34" charset="0"/>
-        <a:buChar char="•"/>
+        <a:buFont typeface="Wingdings 2" pitchFamily="18" charset="2"/>
+        <a:buChar char=""/>
         <a:defRPr sz="1800" kern="1200">
           <a:solidFill>
             <a:schemeClr val="tx1"/>
@@ -3944,7 +6307,537 @@
     </p:bodyStyle>
     <p:otherStyle>
       <a:defPPr>
-        <a:defRPr lang="ru-RU"/>
+        <a:defRPr lang="en-US"/>
+      </a:defPPr>
+      <a:lvl1pPr marL="0" algn="l" defTabSz="914400" rtl="0" eaLnBrk="1" latinLnBrk="0" hangingPunct="1">
+        <a:defRPr sz="1800" kern="1200">
+          <a:solidFill>
+            <a:schemeClr val="tx1"/>
+          </a:solidFill>
+          <a:latin typeface="+mn-lt"/>
+          <a:ea typeface="+mn-ea"/>
+          <a:cs typeface="+mn-cs"/>
+        </a:defRPr>
+      </a:lvl1pPr>
+      <a:lvl2pPr marL="457200" algn="l" defTabSz="914400" rtl="0" eaLnBrk="1" latinLnBrk="0" hangingPunct="1">
+        <a:defRPr sz="1800" kern="1200">
+          <a:solidFill>
+            <a:schemeClr val="tx1"/>
+          </a:solidFill>
+          <a:latin typeface="+mn-lt"/>
+          <a:ea typeface="+mn-ea"/>
+          <a:cs typeface="+mn-cs"/>
+        </a:defRPr>
+      </a:lvl2pPr>
+      <a:lvl3pPr marL="914400" algn="l" defTabSz="914400" rtl="0" eaLnBrk="1" latinLnBrk="0" hangingPunct="1">
+        <a:defRPr sz="1800" kern="1200">
+          <a:solidFill>
+            <a:schemeClr val="tx1"/>
+          </a:solidFill>
+          <a:latin typeface="+mn-lt"/>
+          <a:ea typeface="+mn-ea"/>
+          <a:cs typeface="+mn-cs"/>
+        </a:defRPr>
+      </a:lvl3pPr>
+      <a:lvl4pPr marL="1371600" algn="l" defTabSz="914400" rtl="0" eaLnBrk="1" latinLnBrk="0" hangingPunct="1">
+        <a:defRPr sz="1800" kern="1200">
+          <a:solidFill>
+            <a:schemeClr val="tx1"/>
+          </a:solidFill>
+          <a:latin typeface="+mn-lt"/>
+          <a:ea typeface="+mn-ea"/>
+          <a:cs typeface="+mn-cs"/>
+        </a:defRPr>
+      </a:lvl4pPr>
+      <a:lvl5pPr marL="1828800" algn="l" defTabSz="914400" rtl="0" eaLnBrk="1" latinLnBrk="0" hangingPunct="1">
+        <a:defRPr sz="1800" kern="1200">
+          <a:solidFill>
+            <a:schemeClr val="tx1"/>
+          </a:solidFill>
+          <a:latin typeface="+mn-lt"/>
+          <a:ea typeface="+mn-ea"/>
+          <a:cs typeface="+mn-cs"/>
+        </a:defRPr>
+      </a:lvl5pPr>
+      <a:lvl6pPr marL="2286000" algn="l" defTabSz="914400" rtl="0" eaLnBrk="1" latinLnBrk="0" hangingPunct="1">
+        <a:defRPr sz="1800" kern="1200">
+          <a:solidFill>
+            <a:schemeClr val="tx1"/>
+          </a:solidFill>
+          <a:latin typeface="+mn-lt"/>
+          <a:ea typeface="+mn-ea"/>
+          <a:cs typeface="+mn-cs"/>
+        </a:defRPr>
+      </a:lvl6pPr>
+      <a:lvl7pPr marL="2743200" algn="l" defTabSz="914400" rtl="0" eaLnBrk="1" latinLnBrk="0" hangingPunct="1">
+        <a:defRPr sz="1800" kern="1200">
+          <a:solidFill>
+            <a:schemeClr val="tx1"/>
+          </a:solidFill>
+          <a:latin typeface="+mn-lt"/>
+          <a:ea typeface="+mn-ea"/>
+          <a:cs typeface="+mn-cs"/>
+        </a:defRPr>
+      </a:lvl7pPr>
+      <a:lvl8pPr marL="3200400" algn="l" defTabSz="914400" rtl="0" eaLnBrk="1" latinLnBrk="0" hangingPunct="1">
+        <a:defRPr sz="1800" kern="1200">
+          <a:solidFill>
+            <a:schemeClr val="tx1"/>
+          </a:solidFill>
+          <a:latin typeface="+mn-lt"/>
+          <a:ea typeface="+mn-ea"/>
+          <a:cs typeface="+mn-cs"/>
+        </a:defRPr>
+      </a:lvl8pPr>
+      <a:lvl9pPr marL="3657600" algn="l" defTabSz="914400" rtl="0" eaLnBrk="1" latinLnBrk="0" hangingPunct="1">
+        <a:defRPr sz="1800" kern="1200">
+          <a:solidFill>
+            <a:schemeClr val="tx1"/>
+          </a:solidFill>
+          <a:latin typeface="+mn-lt"/>
+          <a:ea typeface="+mn-ea"/>
+          <a:cs typeface="+mn-cs"/>
+        </a:defRPr>
+      </a:lvl9pPr>
+    </p:otherStyle>
+  </p:txStyles>
+</p:sldMaster>
+</file>
+
+<file path=ppt/slideMasters/slideMaster2.xml><?xml version="1.0" encoding="utf-8"?>
+<p:sldMaster xmlns:a="http://schemas.openxmlformats.org/drawingml/2006/main" xmlns:r="http://schemas.openxmlformats.org/officeDocument/2006/relationships" xmlns:p="http://schemas.openxmlformats.org/presentationml/2006/main" preserve="1">
+  <p:cSld>
+    <p:bg>
+      <p:bgRef idx="1001">
+        <a:schemeClr val="bg1"/>
+      </p:bgRef>
+    </p:bg>
+    <p:spTree>
+      <p:nvGrpSpPr>
+        <p:cNvPr id="1" name=""/>
+        <p:cNvGrpSpPr/>
+        <p:nvPr/>
+      </p:nvGrpSpPr>
+      <p:grpSpPr>
+        <a:xfrm>
+          <a:off x="0" y="0"/>
+          <a:ext cx="0" cy="0"/>
+          <a:chOff x="0" y="0"/>
+          <a:chExt cx="0" cy="0"/>
+        </a:xfrm>
+      </p:grpSpPr>
+      <p:sp>
+        <p:nvSpPr>
+          <p:cNvPr id="2" name="Title Placeholder 1"/>
+          <p:cNvSpPr>
+            <a:spLocks noGrp="1"/>
+          </p:cNvSpPr>
+          <p:nvPr>
+            <p:ph type="title"/>
+          </p:nvPr>
+        </p:nvSpPr>
+        <p:spPr>
+          <a:xfrm>
+            <a:off x="845127" y="365760"/>
+            <a:ext cx="10515600" cy="1325562"/>
+          </a:xfrm>
+          <a:prstGeom prst="rect">
+            <a:avLst/>
+          </a:prstGeom>
+        </p:spPr>
+        <p:txBody>
+          <a:bodyPr vert="horz" lIns="91440" tIns="45720" rIns="91440" bIns="45720" rtlCol="0" anchor="ctr">
+            <a:normAutofit/>
+          </a:bodyPr>
+          <a:lstStyle/>
+          <a:p>
+            <a:r>
+              <a:rPr lang="ru-RU" smtClean="0"/>
+              <a:t>Образец заголовка</a:t>
+            </a:r>
+            <a:endParaRPr lang="en-US" dirty="0"/>
+          </a:p>
+        </p:txBody>
+      </p:sp>
+      <p:sp>
+        <p:nvSpPr>
+          <p:cNvPr id="3" name="Text Placeholder 2"/>
+          <p:cNvSpPr>
+            <a:spLocks noGrp="1"/>
+          </p:cNvSpPr>
+          <p:nvPr>
+            <p:ph type="body" idx="1"/>
+          </p:nvPr>
+        </p:nvSpPr>
+        <p:spPr>
+          <a:xfrm>
+            <a:off x="845127" y="1828800"/>
+            <a:ext cx="10515600" cy="4351337"/>
+          </a:xfrm>
+          <a:prstGeom prst="rect">
+            <a:avLst/>
+          </a:prstGeom>
+        </p:spPr>
+        <p:txBody>
+          <a:bodyPr vert="horz" lIns="91440" tIns="45720" rIns="91440" bIns="45720" rtlCol="0">
+            <a:normAutofit/>
+          </a:bodyPr>
+          <a:lstStyle/>
+          <a:p>
+            <a:pPr lvl="0"/>
+            <a:r>
+              <a:rPr lang="ru-RU" smtClean="0"/>
+              <a:t>Образец текста</a:t>
+            </a:r>
+          </a:p>
+          <a:p>
+            <a:pPr lvl="1"/>
+            <a:r>
+              <a:rPr lang="ru-RU" smtClean="0"/>
+              <a:t>Второй уровень</a:t>
+            </a:r>
+          </a:p>
+          <a:p>
+            <a:pPr lvl="2"/>
+            <a:r>
+              <a:rPr lang="ru-RU" smtClean="0"/>
+              <a:t>Третий уровень</a:t>
+            </a:r>
+          </a:p>
+          <a:p>
+            <a:pPr lvl="3"/>
+            <a:r>
+              <a:rPr lang="ru-RU" smtClean="0"/>
+              <a:t>Четвертый уровень</a:t>
+            </a:r>
+          </a:p>
+          <a:p>
+            <a:pPr lvl="4"/>
+            <a:r>
+              <a:rPr lang="ru-RU" smtClean="0"/>
+              <a:t>Пятый уровень</a:t>
+            </a:r>
+            <a:endParaRPr lang="en-US" dirty="0"/>
+          </a:p>
+        </p:txBody>
+      </p:sp>
+      <p:sp>
+        <p:nvSpPr>
+          <p:cNvPr id="4" name="Date Placeholder 3"/>
+          <p:cNvSpPr>
+            <a:spLocks noGrp="1"/>
+          </p:cNvSpPr>
+          <p:nvPr>
+            <p:ph type="dt" sz="half" idx="2"/>
+          </p:nvPr>
+        </p:nvSpPr>
+        <p:spPr>
+          <a:xfrm>
+            <a:off x="838200" y="6356350"/>
+            <a:ext cx="2743200" cy="365125"/>
+          </a:xfrm>
+          <a:prstGeom prst="rect">
+            <a:avLst/>
+          </a:prstGeom>
+        </p:spPr>
+        <p:txBody>
+          <a:bodyPr vert="horz" lIns="91440" tIns="45720" rIns="91440" bIns="45720" rtlCol="0" anchor="ctr"/>
+          <a:lstStyle>
+            <a:lvl1pPr algn="l">
+              <a:defRPr sz="1100">
+                <a:solidFill>
+                  <a:schemeClr val="tx1">
+                    <a:lumMod val="65000"/>
+                    <a:lumOff val="35000"/>
+                  </a:schemeClr>
+                </a:solidFill>
+              </a:defRPr>
+            </a:lvl1pPr>
+          </a:lstStyle>
+          <a:p>
+            <a:fld id="{AED9AC87-F41B-4C81-BDFE-6A4ECF2E6DE7}" type="datetimeFigureOut">
+              <a:rPr lang="ru-RU" smtClean="0"/>
+              <a:t>14.04.2018</a:t>
+            </a:fld>
+            <a:endParaRPr lang="ru-RU"/>
+          </a:p>
+        </p:txBody>
+      </p:sp>
+      <p:sp>
+        <p:nvSpPr>
+          <p:cNvPr id="5" name="Footer Placeholder 4"/>
+          <p:cNvSpPr>
+            <a:spLocks noGrp="1"/>
+          </p:cNvSpPr>
+          <p:nvPr>
+            <p:ph type="ftr" sz="quarter" idx="3"/>
+          </p:nvPr>
+        </p:nvSpPr>
+        <p:spPr>
+          <a:xfrm>
+            <a:off x="4038600" y="6356350"/>
+            <a:ext cx="4114800" cy="365125"/>
+          </a:xfrm>
+          <a:prstGeom prst="rect">
+            <a:avLst/>
+          </a:prstGeom>
+        </p:spPr>
+        <p:txBody>
+          <a:bodyPr vert="horz" lIns="91440" tIns="45720" rIns="91440" bIns="45720" rtlCol="0" anchor="ctr"/>
+          <a:lstStyle>
+            <a:lvl1pPr algn="ctr">
+              <a:defRPr sz="1100">
+                <a:solidFill>
+                  <a:schemeClr val="tx1">
+                    <a:lumMod val="65000"/>
+                    <a:lumOff val="35000"/>
+                  </a:schemeClr>
+                </a:solidFill>
+              </a:defRPr>
+            </a:lvl1pPr>
+          </a:lstStyle>
+          <a:p>
+            <a:endParaRPr lang="ru-RU"/>
+          </a:p>
+        </p:txBody>
+      </p:sp>
+      <p:sp>
+        <p:nvSpPr>
+          <p:cNvPr id="6" name="Slide Number Placeholder 5"/>
+          <p:cNvSpPr>
+            <a:spLocks noGrp="1"/>
+          </p:cNvSpPr>
+          <p:nvPr>
+            <p:ph type="sldNum" sz="quarter" idx="4"/>
+          </p:nvPr>
+        </p:nvSpPr>
+        <p:spPr>
+          <a:xfrm>
+            <a:off x="8617527" y="6356350"/>
+            <a:ext cx="2743200" cy="365125"/>
+          </a:xfrm>
+          <a:prstGeom prst="rect">
+            <a:avLst/>
+          </a:prstGeom>
+        </p:spPr>
+        <p:txBody>
+          <a:bodyPr vert="horz" lIns="91440" tIns="45720" rIns="91440" bIns="45720" rtlCol="0" anchor="ctr"/>
+          <a:lstStyle>
+            <a:lvl1pPr algn="r">
+              <a:defRPr sz="1100">
+                <a:solidFill>
+                  <a:schemeClr val="tx1">
+                    <a:tint val="75000"/>
+                  </a:schemeClr>
+                </a:solidFill>
+              </a:defRPr>
+            </a:lvl1pPr>
+          </a:lstStyle>
+          <a:p>
+            <a:fld id="{8DF65420-A45C-4D30-9D1D-FB4539C05F77}" type="slidenum">
+              <a:rPr lang="ru-RU" smtClean="0"/>
+              <a:t>‹#›</a:t>
+            </a:fld>
+            <a:endParaRPr lang="ru-RU"/>
+          </a:p>
+        </p:txBody>
+      </p:sp>
+    </p:spTree>
+    <p:extLst>
+      <p:ext uri="{BB962C8B-B14F-4D97-AF65-F5344CB8AC3E}">
+        <p14:creationId xmlns:p14="http://schemas.microsoft.com/office/powerpoint/2010/main" val="2109196322"/>
+      </p:ext>
+    </p:extLst>
+  </p:cSld>
+  <p:clrMap bg1="lt1" tx1="dk1" bg2="lt2" tx2="dk2" accent1="accent1" accent2="accent2" accent3="accent3" accent4="accent4" accent5="accent5" accent6="accent6" hlink="hlink" folHlink="folHlink"/>
+  <p:sldLayoutIdLst>
+    <p:sldLayoutId id="2147483685" r:id="rId1"/>
+    <p:sldLayoutId id="2147483686" r:id="rId2"/>
+    <p:sldLayoutId id="2147483687" r:id="rId3"/>
+    <p:sldLayoutId id="2147483688" r:id="rId4"/>
+    <p:sldLayoutId id="2147483689" r:id="rId5"/>
+    <p:sldLayoutId id="2147483690" r:id="rId6"/>
+    <p:sldLayoutId id="2147483691" r:id="rId7"/>
+    <p:sldLayoutId id="2147483692" r:id="rId8"/>
+    <p:sldLayoutId id="2147483693" r:id="rId9"/>
+    <p:sldLayoutId id="2147483694" r:id="rId10"/>
+    <p:sldLayoutId id="2147483695" r:id="rId11"/>
+  </p:sldLayoutIdLst>
+  <p:txStyles>
+    <p:titleStyle>
+      <a:lvl1pPr algn="l" defTabSz="914400" rtl="0" eaLnBrk="1" latinLnBrk="0" hangingPunct="1">
+        <a:lnSpc>
+          <a:spcPct val="90000"/>
+        </a:lnSpc>
+        <a:spcBef>
+          <a:spcPct val="0"/>
+        </a:spcBef>
+        <a:buNone/>
+        <a:defRPr sz="4400" kern="1200">
+          <a:solidFill>
+            <a:schemeClr val="tx1"/>
+          </a:solidFill>
+          <a:latin typeface="+mj-lt"/>
+          <a:ea typeface="+mj-ea"/>
+          <a:cs typeface="+mj-cs"/>
+        </a:defRPr>
+      </a:lvl1pPr>
+    </p:titleStyle>
+    <p:bodyStyle>
+      <a:lvl1pPr marL="228600" indent="-228600" algn="l" defTabSz="914400" rtl="0" eaLnBrk="1" latinLnBrk="0" hangingPunct="1">
+        <a:lnSpc>
+          <a:spcPct val="90000"/>
+        </a:lnSpc>
+        <a:spcBef>
+          <a:spcPts val="1000"/>
+        </a:spcBef>
+        <a:buFont typeface="Wingdings 2" pitchFamily="18" charset="2"/>
+        <a:buChar char=""/>
+        <a:defRPr sz="2800" kern="1200">
+          <a:solidFill>
+            <a:schemeClr val="tx1"/>
+          </a:solidFill>
+          <a:latin typeface="+mn-lt"/>
+          <a:ea typeface="+mn-ea"/>
+          <a:cs typeface="+mn-cs"/>
+        </a:defRPr>
+      </a:lvl1pPr>
+      <a:lvl2pPr marL="685800" indent="-228600" algn="l" defTabSz="914400" rtl="0" eaLnBrk="1" latinLnBrk="0" hangingPunct="1">
+        <a:lnSpc>
+          <a:spcPct val="90000"/>
+        </a:lnSpc>
+        <a:spcBef>
+          <a:spcPts val="500"/>
+        </a:spcBef>
+        <a:buFont typeface="Wingdings 2" pitchFamily="18" charset="2"/>
+        <a:buChar char=""/>
+        <a:defRPr sz="2400" kern="1200">
+          <a:solidFill>
+            <a:schemeClr val="tx1"/>
+          </a:solidFill>
+          <a:latin typeface="+mn-lt"/>
+          <a:ea typeface="+mn-ea"/>
+          <a:cs typeface="+mn-cs"/>
+        </a:defRPr>
+      </a:lvl2pPr>
+      <a:lvl3pPr marL="1143000" indent="-228600" algn="l" defTabSz="914400" rtl="0" eaLnBrk="1" latinLnBrk="0" hangingPunct="1">
+        <a:lnSpc>
+          <a:spcPct val="90000"/>
+        </a:lnSpc>
+        <a:spcBef>
+          <a:spcPts val="500"/>
+        </a:spcBef>
+        <a:buFont typeface="Wingdings 2" pitchFamily="18" charset="2"/>
+        <a:buChar char=""/>
+        <a:defRPr sz="2000" kern="1200">
+          <a:solidFill>
+            <a:schemeClr val="tx1"/>
+          </a:solidFill>
+          <a:latin typeface="+mn-lt"/>
+          <a:ea typeface="+mn-ea"/>
+          <a:cs typeface="+mn-cs"/>
+        </a:defRPr>
+      </a:lvl3pPr>
+      <a:lvl4pPr marL="1600200" indent="-228600" algn="l" defTabSz="914400" rtl="0" eaLnBrk="1" latinLnBrk="0" hangingPunct="1">
+        <a:lnSpc>
+          <a:spcPct val="90000"/>
+        </a:lnSpc>
+        <a:spcBef>
+          <a:spcPts val="500"/>
+        </a:spcBef>
+        <a:buFont typeface="Wingdings 2" pitchFamily="18" charset="2"/>
+        <a:buChar char=""/>
+        <a:defRPr sz="1800" kern="1200">
+          <a:solidFill>
+            <a:schemeClr val="tx1"/>
+          </a:solidFill>
+          <a:latin typeface="+mn-lt"/>
+          <a:ea typeface="+mn-ea"/>
+          <a:cs typeface="+mn-cs"/>
+        </a:defRPr>
+      </a:lvl4pPr>
+      <a:lvl5pPr marL="2057400" indent="-228600" algn="l" defTabSz="914400" rtl="0" eaLnBrk="1" latinLnBrk="0" hangingPunct="1">
+        <a:lnSpc>
+          <a:spcPct val="90000"/>
+        </a:lnSpc>
+        <a:spcBef>
+          <a:spcPts val="500"/>
+        </a:spcBef>
+        <a:buFont typeface="Wingdings 2" pitchFamily="18" charset="2"/>
+        <a:buChar char=""/>
+        <a:defRPr sz="1800" kern="1200">
+          <a:solidFill>
+            <a:schemeClr val="tx1"/>
+          </a:solidFill>
+          <a:latin typeface="+mn-lt"/>
+          <a:ea typeface="+mn-ea"/>
+          <a:cs typeface="+mn-cs"/>
+        </a:defRPr>
+      </a:lvl5pPr>
+      <a:lvl6pPr marL="2514600" indent="-228600" algn="l" defTabSz="914400" rtl="0" eaLnBrk="1" latinLnBrk="0" hangingPunct="1">
+        <a:spcBef>
+          <a:spcPct val="20000"/>
+        </a:spcBef>
+        <a:buFont typeface="Wingdings 2" pitchFamily="18" charset="2"/>
+        <a:buChar char=""/>
+        <a:defRPr sz="1800" kern="1200">
+          <a:solidFill>
+            <a:schemeClr val="tx1"/>
+          </a:solidFill>
+          <a:latin typeface="+mn-lt"/>
+          <a:ea typeface="+mn-ea"/>
+          <a:cs typeface="+mn-cs"/>
+        </a:defRPr>
+      </a:lvl6pPr>
+      <a:lvl7pPr marL="2971800" indent="-228600" algn="l" defTabSz="914400" rtl="0" eaLnBrk="1" latinLnBrk="0" hangingPunct="1">
+        <a:spcBef>
+          <a:spcPct val="20000"/>
+        </a:spcBef>
+        <a:buFont typeface="Wingdings 2" pitchFamily="18" charset="2"/>
+        <a:buChar char=""/>
+        <a:defRPr sz="1800" kern="1200">
+          <a:solidFill>
+            <a:schemeClr val="tx1"/>
+          </a:solidFill>
+          <a:latin typeface="+mn-lt"/>
+          <a:ea typeface="+mn-ea"/>
+          <a:cs typeface="+mn-cs"/>
+        </a:defRPr>
+      </a:lvl7pPr>
+      <a:lvl8pPr marL="3429000" indent="-228600" algn="l" defTabSz="914400" rtl="0" eaLnBrk="1" latinLnBrk="0" hangingPunct="1">
+        <a:spcBef>
+          <a:spcPct val="20000"/>
+        </a:spcBef>
+        <a:buFont typeface="Wingdings 2" pitchFamily="18" charset="2"/>
+        <a:buChar char=""/>
+        <a:defRPr sz="1800" kern="1200">
+          <a:solidFill>
+            <a:schemeClr val="tx1"/>
+          </a:solidFill>
+          <a:latin typeface="+mn-lt"/>
+          <a:ea typeface="+mn-ea"/>
+          <a:cs typeface="+mn-cs"/>
+        </a:defRPr>
+      </a:lvl8pPr>
+      <a:lvl9pPr marL="3886200" indent="-228600" algn="l" defTabSz="914400" rtl="0" eaLnBrk="1" latinLnBrk="0" hangingPunct="1">
+        <a:spcBef>
+          <a:spcPct val="20000"/>
+        </a:spcBef>
+        <a:buFont typeface="Wingdings 2" pitchFamily="18" charset="2"/>
+        <a:buChar char=""/>
+        <a:defRPr sz="1800" kern="1200">
+          <a:solidFill>
+            <a:schemeClr val="tx1"/>
+          </a:solidFill>
+          <a:latin typeface="+mn-lt"/>
+          <a:ea typeface="+mn-ea"/>
+          <a:cs typeface="+mn-cs"/>
+        </a:defRPr>
+      </a:lvl9pPr>
+    </p:bodyStyle>
+    <p:otherStyle>
+      <a:defPPr>
+        <a:defRPr lang="en-US"/>
       </a:defPPr>
       <a:lvl1pPr marL="0" algn="l" defTabSz="914400" rtl="0" eaLnBrk="1" latinLnBrk="0" hangingPunct="1">
         <a:defRPr sz="1800" kern="1200">
@@ -4044,6 +6937,14 @@
 <file path=ppt/slides/slide1.xml><?xml version="1.0" encoding="utf-8"?>
 <p:sld xmlns:a="http://schemas.openxmlformats.org/drawingml/2006/main" xmlns:r="http://schemas.openxmlformats.org/officeDocument/2006/relationships" xmlns:p="http://schemas.openxmlformats.org/presentationml/2006/main">
   <p:cSld>
+    <p:bg>
+      <p:bgPr>
+        <a:solidFill>
+          <a:schemeClr val="bg1"/>
+        </a:solidFill>
+        <a:effectLst/>
+      </p:bgPr>
+    </p:bg>
     <p:spTree>
       <p:nvGrpSpPr>
         <p:cNvPr id="1" name=""/>
@@ -4068,7 +6969,12 @@
             <p:ph type="ctrTitle"/>
           </p:nvPr>
         </p:nvSpPr>
-        <p:spPr/>
+        <p:spPr>
+          <a:xfrm>
+            <a:off x="1524000" y="1453022"/>
+            <a:ext cx="9144000" cy="2387600"/>
+          </a:xfrm>
+        </p:spPr>
         <p:txBody>
           <a:bodyPr>
             <a:normAutofit fontScale="90000"/>
@@ -4077,7 +6983,19 @@
           <a:p>
             <a:r>
               <a:rPr lang="ru-RU" dirty="0" smtClean="0"/>
-              <a:t>Сервис анализа целевой аудитории для рекомендации контекстной рекламы</a:t>
+              <a:t>Сервис для анализа </a:t>
+            </a:r>
+            <a:r>
+              <a:rPr lang="ru-RU" dirty="0" smtClean="0">
+                <a:solidFill>
+                  <a:srgbClr val="FF0000"/>
+                </a:solidFill>
+              </a:rPr>
+              <a:t>целевой аудитории </a:t>
+            </a:r>
+            <a:r>
+              <a:rPr lang="ru-RU" dirty="0" smtClean="0"/>
+              <a:t>для рекомендации контекстной рекламы</a:t>
             </a:r>
             <a:endParaRPr lang="ru-RU" dirty="0"/>
           </a:p>
@@ -4093,7 +7011,12 @@
             <p:ph type="subTitle" idx="1"/>
           </p:nvPr>
         </p:nvSpPr>
-        <p:spPr/>
+        <p:spPr>
+          <a:xfrm>
+            <a:off x="1524000" y="4335373"/>
+            <a:ext cx="9144000" cy="958319"/>
+          </a:xfrm>
+        </p:spPr>
         <p:txBody>
           <a:bodyPr/>
           <a:lstStyle/>
@@ -4185,40 +7108,38 @@
         </p:nvSpPr>
         <p:spPr>
           <a:xfrm>
-            <a:off x="838200" y="1825625"/>
-            <a:ext cx="10515600" cy="1559020"/>
+            <a:off x="1685497" y="1760408"/>
+            <a:ext cx="5166815" cy="1408507"/>
           </a:xfrm>
         </p:spPr>
         <p:txBody>
-          <a:bodyPr/>
-          <a:lstStyle/>
-          <a:p>
-            <a:r>
-              <a:rPr lang="ru-RU" dirty="0" smtClean="0"/>
+          <a:bodyPr>
+            <a:normAutofit/>
+          </a:bodyPr>
+          <a:lstStyle/>
+          <a:p>
+            <a:pPr marL="0" indent="0">
+              <a:buNone/>
+            </a:pPr>
+            <a:r>
+              <a:rPr lang="ru-RU" sz="3000" dirty="0" smtClean="0">
+                <a:latin typeface="+mj-lt"/>
+              </a:rPr>
               <a:t>Надоела назойливая реклама, которая Вам не интересна?</a:t>
             </a:r>
           </a:p>
-          <a:p>
-            <a:r>
-              <a:rPr lang="ru-RU" dirty="0" smtClean="0"/>
-              <a:t>Ваша реклама не приносит деньги? Упали проценты продаж?</a:t>
-            </a:r>
-          </a:p>
-          <a:p>
-            <a:endParaRPr lang="ru-RU" dirty="0"/>
-          </a:p>
-        </p:txBody>
-      </p:sp>
-      <p:sp>
-        <p:nvSpPr>
-          <p:cNvPr id="5" name="TextBox 4"/>
+        </p:txBody>
+      </p:sp>
+      <p:sp>
+        <p:nvSpPr>
+          <p:cNvPr id="15" name="TextBox 14"/>
           <p:cNvSpPr txBox="1"/>
           <p:nvPr/>
         </p:nvSpPr>
         <p:spPr>
           <a:xfrm>
-            <a:off x="614150" y="3704248"/>
-            <a:ext cx="2783647" cy="369332"/>
+            <a:off x="4268904" y="4699202"/>
+            <a:ext cx="6113790" cy="923330"/>
           </a:xfrm>
           <a:prstGeom prst="rect">
             <a:avLst/>
@@ -4231,258 +7152,127 @@
           </a:bodyPr>
           <a:lstStyle/>
           <a:p>
-            <a:r>
-              <a:rPr lang="ru-RU" dirty="0" smtClean="0"/>
-              <a:t>В мире грустит один котик</a:t>
-            </a:r>
-            <a:endParaRPr lang="ru-RU" dirty="0"/>
-          </a:p>
-        </p:txBody>
-      </p:sp>
-      <p:sp>
-        <p:nvSpPr>
-          <p:cNvPr id="6" name="TextBox 5"/>
-          <p:cNvSpPr txBox="1"/>
+            <a:pPr>
+              <a:lnSpc>
+                <a:spcPct val="90000"/>
+              </a:lnSpc>
+              <a:spcBef>
+                <a:spcPts val="1000"/>
+              </a:spcBef>
+            </a:pPr>
+            <a:r>
+              <a:rPr lang="ru-RU" sz="3000" dirty="0">
+                <a:latin typeface="+mj-lt"/>
+              </a:rPr>
+              <a:t>Ваша</a:t>
+            </a:r>
+            <a:r>
+              <a:rPr lang="ru-RU" sz="3000" dirty="0" smtClean="0">
+                <a:latin typeface="+mj-lt"/>
+              </a:rPr>
+              <a:t> реклама не приносит деньги</a:t>
+            </a:r>
+            <a:r>
+              <a:rPr lang="ru-RU" sz="3000" dirty="0">
+                <a:latin typeface="+mj-lt"/>
+              </a:rPr>
+              <a:t>? </a:t>
+            </a:r>
+            <a:r>
+              <a:rPr lang="en-US" sz="3000" dirty="0" smtClean="0">
+                <a:latin typeface="+mj-lt"/>
+              </a:rPr>
+              <a:t/>
+            </a:r>
+            <a:br>
+              <a:rPr lang="en-US" sz="3000" dirty="0" smtClean="0">
+                <a:latin typeface="+mj-lt"/>
+              </a:rPr>
+            </a:br>
+            <a:r>
+              <a:rPr lang="ru-RU" sz="3000" dirty="0" smtClean="0">
+                <a:latin typeface="+mj-lt"/>
+              </a:rPr>
+              <a:t>Упали </a:t>
+            </a:r>
+            <a:r>
+              <a:rPr lang="ru-RU" sz="3000" dirty="0">
+                <a:latin typeface="+mj-lt"/>
+              </a:rPr>
+              <a:t>проценты продаж</a:t>
+            </a:r>
+            <a:r>
+              <a:rPr lang="ru-RU" sz="3000" dirty="0">
+                <a:latin typeface="+mj-lt"/>
+              </a:rPr>
+              <a:t>?</a:t>
+            </a:r>
+            <a:endParaRPr lang="ru-RU" sz="3000" dirty="0">
+              <a:latin typeface="+mj-lt"/>
+            </a:endParaRPr>
+          </a:p>
+        </p:txBody>
+      </p:sp>
+      <p:pic>
+        <p:nvPicPr>
+          <p:cNvPr id="17" name="Рисунок 16"/>
+          <p:cNvPicPr>
+            <a:picLocks noChangeAspect="1"/>
+          </p:cNvPicPr>
           <p:nvPr/>
-        </p:nvSpPr>
+        </p:nvPicPr>
+        <p:blipFill>
+          <a:blip r:embed="rId2">
+            <a:extLst>
+              <a:ext uri="{28A0092B-C50C-407E-A947-70E740481C1C}">
+                <a14:useLocalDpi xmlns:a14="http://schemas.microsoft.com/office/drawing/2010/main" val="0"/>
+              </a:ext>
+            </a:extLst>
+          </a:blip>
+          <a:stretch>
+            <a:fillRect/>
+          </a:stretch>
+        </p:blipFill>
         <p:spPr>
           <a:xfrm>
-            <a:off x="7354151" y="3518042"/>
-            <a:ext cx="4409412" cy="369332"/>
+            <a:off x="1124808" y="3535354"/>
+            <a:ext cx="2914935" cy="2914935"/>
           </a:xfrm>
           <a:prstGeom prst="rect">
             <a:avLst/>
           </a:prstGeom>
-          <a:noFill/>
         </p:spPr>
-        <p:txBody>
-          <a:bodyPr wrap="none" rtlCol="0">
-            <a:spAutoFit/>
-          </a:bodyPr>
-          <a:lstStyle/>
-          <a:p>
-            <a:r>
-              <a:rPr lang="ru-RU" dirty="0" smtClean="0"/>
-              <a:t>Грустный Киану Ривз и Том (Том и Джерри)</a:t>
-            </a:r>
-            <a:endParaRPr lang="ru-RU" dirty="0"/>
-          </a:p>
-        </p:txBody>
-      </p:sp>
-      <p:sp>
-        <p:nvSpPr>
-          <p:cNvPr id="7" name="TextBox 6"/>
-          <p:cNvSpPr txBox="1"/>
+      </p:pic>
+      <p:pic>
+        <p:nvPicPr>
+          <p:cNvPr id="19" name="Рисунок 18"/>
+          <p:cNvPicPr>
+            <a:picLocks noChangeAspect="1"/>
+          </p:cNvPicPr>
           <p:nvPr/>
-        </p:nvSpPr>
+        </p:nvPicPr>
+        <p:blipFill>
+          <a:blip r:embed="rId3">
+            <a:extLst>
+              <a:ext uri="{28A0092B-C50C-407E-A947-70E740481C1C}">
+                <a14:useLocalDpi xmlns:a14="http://schemas.microsoft.com/office/drawing/2010/main" val="0"/>
+              </a:ext>
+            </a:extLst>
+          </a:blip>
+          <a:stretch>
+            <a:fillRect/>
+          </a:stretch>
+        </p:blipFill>
         <p:spPr>
           <a:xfrm>
-            <a:off x="1119117" y="4626591"/>
-            <a:ext cx="3799502" cy="369332"/>
+            <a:off x="7659130" y="951128"/>
+            <a:ext cx="3027066" cy="3027066"/>
           </a:xfrm>
           <a:prstGeom prst="rect">
             <a:avLst/>
           </a:prstGeom>
-          <a:noFill/>
         </p:spPr>
-        <p:txBody>
-          <a:bodyPr wrap="none" rtlCol="0">
-            <a:spAutoFit/>
-          </a:bodyPr>
-          <a:lstStyle/>
-          <a:p>
-            <a:r>
-              <a:rPr lang="ru-RU" dirty="0" smtClean="0"/>
-              <a:t>ХВАТИТ ЭТО ТЕРПЕТЬ (Жириновский)</a:t>
-            </a:r>
-            <a:endParaRPr lang="ru-RU" dirty="0"/>
-          </a:p>
-        </p:txBody>
-      </p:sp>
-      <p:sp>
-        <p:nvSpPr>
-          <p:cNvPr id="8" name="TextBox 7"/>
-          <p:cNvSpPr txBox="1"/>
-          <p:nvPr/>
-        </p:nvSpPr>
-        <p:spPr>
-          <a:xfrm>
-            <a:off x="4403678" y="3890919"/>
-            <a:ext cx="2753190" cy="369332"/>
-          </a:xfrm>
-          <a:prstGeom prst="rect">
-            <a:avLst/>
-          </a:prstGeom>
-          <a:noFill/>
-        </p:spPr>
-        <p:txBody>
-          <a:bodyPr wrap="none" rtlCol="0">
-            <a:spAutoFit/>
-          </a:bodyPr>
-          <a:lstStyle/>
-          <a:p>
-            <a:r>
-              <a:rPr lang="ru-RU" dirty="0" smtClean="0"/>
-              <a:t>Грустный парень с песком</a:t>
-            </a:r>
-            <a:endParaRPr lang="ru-RU" dirty="0"/>
-          </a:p>
-        </p:txBody>
-      </p:sp>
-      <p:sp>
-        <p:nvSpPr>
-          <p:cNvPr id="9" name="TextBox 8"/>
-          <p:cNvSpPr txBox="1"/>
-          <p:nvPr/>
-        </p:nvSpPr>
-        <p:spPr>
-          <a:xfrm>
-            <a:off x="1501254" y="5813946"/>
-            <a:ext cx="4088940" cy="369332"/>
-          </a:xfrm>
-          <a:prstGeom prst="rect">
-            <a:avLst/>
-          </a:prstGeom>
-          <a:noFill/>
-        </p:spPr>
-        <p:txBody>
-          <a:bodyPr wrap="none" rtlCol="0">
-            <a:spAutoFit/>
-          </a:bodyPr>
-          <a:lstStyle/>
-          <a:p>
-            <a:r>
-              <a:rPr lang="ru-RU" dirty="0" smtClean="0"/>
-              <a:t>Грустный жирный котик лежит и плачет</a:t>
-            </a:r>
-            <a:endParaRPr lang="ru-RU" dirty="0"/>
-          </a:p>
-        </p:txBody>
-      </p:sp>
-      <p:sp>
-        <p:nvSpPr>
-          <p:cNvPr id="10" name="TextBox 9"/>
-          <p:cNvSpPr txBox="1"/>
-          <p:nvPr/>
-        </p:nvSpPr>
-        <p:spPr>
-          <a:xfrm>
-            <a:off x="6323404" y="5407232"/>
-            <a:ext cx="1868204" cy="369332"/>
-          </a:xfrm>
-          <a:prstGeom prst="rect">
-            <a:avLst/>
-          </a:prstGeom>
-          <a:noFill/>
-        </p:spPr>
-        <p:txBody>
-          <a:bodyPr wrap="none" rtlCol="0">
-            <a:spAutoFit/>
-          </a:bodyPr>
-          <a:lstStyle/>
-          <a:p>
-            <a:r>
-              <a:rPr lang="ru-RU" dirty="0" smtClean="0"/>
-              <a:t>Грустная лягушка</a:t>
-            </a:r>
-            <a:endParaRPr lang="ru-RU" dirty="0"/>
-          </a:p>
-        </p:txBody>
-      </p:sp>
-      <p:sp>
-        <p:nvSpPr>
-          <p:cNvPr id="11" name="TextBox 10"/>
-          <p:cNvSpPr txBox="1"/>
-          <p:nvPr/>
-        </p:nvSpPr>
-        <p:spPr>
-          <a:xfrm>
-            <a:off x="7257506" y="4665023"/>
-            <a:ext cx="3341428" cy="369332"/>
-          </a:xfrm>
-          <a:prstGeom prst="rect">
-            <a:avLst/>
-          </a:prstGeom>
-          <a:noFill/>
-        </p:spPr>
-        <p:txBody>
-          <a:bodyPr wrap="none" rtlCol="0">
-            <a:spAutoFit/>
-          </a:bodyPr>
-          <a:lstStyle/>
-          <a:p>
-            <a:r>
-              <a:rPr lang="ru-RU" dirty="0" smtClean="0"/>
-              <a:t>Грустный человечек в луже слез</a:t>
-            </a:r>
-            <a:endParaRPr lang="ru-RU" dirty="0"/>
-          </a:p>
-        </p:txBody>
-      </p:sp>
-      <p:sp>
-        <p:nvSpPr>
-          <p:cNvPr id="12" name="TextBox 11"/>
-          <p:cNvSpPr txBox="1"/>
-          <p:nvPr/>
-        </p:nvSpPr>
-        <p:spPr>
-          <a:xfrm>
-            <a:off x="9050413" y="5636526"/>
-            <a:ext cx="2303387" cy="369332"/>
-          </a:xfrm>
-          <a:prstGeom prst="rect">
-            <a:avLst/>
-          </a:prstGeom>
-          <a:noFill/>
-        </p:spPr>
-        <p:txBody>
-          <a:bodyPr wrap="none" rtlCol="0">
-            <a:spAutoFit/>
-          </a:bodyPr>
-          <a:lstStyle/>
-          <a:p>
-            <a:r>
-              <a:rPr lang="ru-RU" dirty="0" smtClean="0"/>
-              <a:t>Грустный Бен </a:t>
-            </a:r>
-            <a:r>
-              <a:rPr lang="ru-RU" dirty="0" err="1" smtClean="0"/>
-              <a:t>Аффлек</a:t>
-            </a:r>
-            <a:endParaRPr lang="ru-RU" dirty="0"/>
-          </a:p>
-        </p:txBody>
-      </p:sp>
-      <p:sp>
-        <p:nvSpPr>
-          <p:cNvPr id="13" name="TextBox 12"/>
-          <p:cNvSpPr txBox="1"/>
-          <p:nvPr/>
-        </p:nvSpPr>
-        <p:spPr>
-          <a:xfrm>
-            <a:off x="5964072" y="6282838"/>
-            <a:ext cx="3759940" cy="369332"/>
-          </a:xfrm>
-          <a:prstGeom prst="rect">
-            <a:avLst/>
-          </a:prstGeom>
-          <a:noFill/>
-        </p:spPr>
-        <p:txBody>
-          <a:bodyPr wrap="none" rtlCol="0">
-            <a:spAutoFit/>
-          </a:bodyPr>
-          <a:lstStyle/>
-          <a:p>
-            <a:r>
-              <a:rPr lang="ru-RU" dirty="0" smtClean="0"/>
-              <a:t>Железный человек закатывает глаза</a:t>
-            </a:r>
-            <a:endParaRPr lang="ru-RU" dirty="0"/>
-          </a:p>
-        </p:txBody>
-      </p:sp>
+      </p:pic>
     </p:spTree>
     <p:extLst>
       <p:ext uri="{BB962C8B-B14F-4D97-AF65-F5344CB8AC3E}">
@@ -4555,116 +7345,110 @@
         </p:nvSpPr>
         <p:spPr>
           <a:xfrm>
-            <a:off x="838200" y="1825625"/>
-            <a:ext cx="10515600" cy="2091282"/>
+            <a:off x="838200" y="2125880"/>
+            <a:ext cx="5221406" cy="3333230"/>
           </a:xfrm>
         </p:spPr>
         <p:txBody>
-          <a:bodyPr/>
-          <a:lstStyle/>
-          <a:p>
-            <a:r>
-              <a:rPr lang="ru-RU" dirty="0"/>
+          <a:bodyPr>
+            <a:normAutofit/>
+          </a:bodyPr>
+          <a:lstStyle/>
+          <a:p>
+            <a:r>
+              <a:rPr lang="ru-RU" dirty="0">
+                <a:latin typeface="+mj-lt"/>
+              </a:rPr>
               <a:t>Избавление от «лишней» </a:t>
             </a:r>
             <a:r>
-              <a:rPr lang="ru-RU" dirty="0" smtClean="0"/>
+              <a:rPr lang="ru-RU" dirty="0" smtClean="0">
+                <a:latin typeface="+mj-lt"/>
+              </a:rPr>
               <a:t>рекламы</a:t>
             </a:r>
           </a:p>
           <a:p>
             <a:r>
-              <a:rPr lang="ru-RU" dirty="0" smtClean="0"/>
-              <a:t>Внедрение интеллектуальной системы в </a:t>
-            </a:r>
-            <a:r>
-              <a:rPr lang="ru-RU" dirty="0" smtClean="0"/>
-              <a:t>распространение Вашей рекламы</a:t>
-            </a:r>
-            <a:endParaRPr lang="en-US" dirty="0" smtClean="0"/>
-          </a:p>
-          <a:p>
-            <a:r>
-              <a:rPr lang="ru-RU" dirty="0" smtClean="0"/>
+              <a:rPr lang="ru-RU" dirty="0" smtClean="0">
+                <a:latin typeface="+mj-lt"/>
+              </a:rPr>
+              <a:t>Внедрение интеллектуальной системы </a:t>
+            </a:r>
+            <a:r>
+              <a:rPr lang="ru-RU" dirty="0" smtClean="0">
+                <a:latin typeface="+mj-lt"/>
+              </a:rPr>
+              <a:t>для</a:t>
+            </a:r>
+            <a:r>
+              <a:rPr lang="ru-RU" dirty="0" smtClean="0">
+                <a:latin typeface="+mj-lt"/>
+              </a:rPr>
+              <a:t> </a:t>
+            </a:r>
+            <a:r>
+              <a:rPr lang="ru-RU" dirty="0" smtClean="0">
+                <a:latin typeface="+mj-lt"/>
+              </a:rPr>
+              <a:t>распространения Вашей рекламы</a:t>
+            </a:r>
+            <a:endParaRPr lang="en-US" dirty="0" smtClean="0">
+              <a:latin typeface="+mj-lt"/>
+            </a:endParaRPr>
+          </a:p>
+          <a:p>
+            <a:r>
+              <a:rPr lang="ru-RU" dirty="0" smtClean="0">
+                <a:latin typeface="+mj-lt"/>
+              </a:rPr>
               <a:t>Увеличение </a:t>
             </a:r>
             <a:r>
-              <a:rPr lang="ru-RU" dirty="0" smtClean="0"/>
+              <a:rPr lang="ru-RU" dirty="0" smtClean="0">
+                <a:latin typeface="+mj-lt"/>
+              </a:rPr>
               <a:t>процента продаж за счет контекстной </a:t>
             </a:r>
             <a:r>
-              <a:rPr lang="ru-RU" dirty="0" smtClean="0"/>
+              <a:rPr lang="ru-RU" dirty="0" smtClean="0">
+                <a:latin typeface="+mj-lt"/>
+              </a:rPr>
               <a:t>рекламы</a:t>
             </a:r>
           </a:p>
-          <a:p>
-            <a:pPr marL="0" indent="0">
-              <a:buNone/>
-            </a:pPr>
-            <a:endParaRPr lang="ru-RU" dirty="0" smtClean="0"/>
-          </a:p>
-        </p:txBody>
-      </p:sp>
-      <p:sp>
-        <p:nvSpPr>
-          <p:cNvPr id="4" name="TextBox 3"/>
-          <p:cNvSpPr txBox="1"/>
+        </p:txBody>
+      </p:sp>
+      <p:pic>
+        <p:nvPicPr>
+          <p:cNvPr id="7" name="Рисунок 6"/>
+          <p:cNvPicPr>
+            <a:picLocks noChangeAspect="1"/>
+          </p:cNvPicPr>
           <p:nvPr/>
-        </p:nvSpPr>
+        </p:nvPicPr>
+        <p:blipFill>
+          <a:blip r:embed="rId2">
+            <a:extLst>
+              <a:ext uri="{28A0092B-C50C-407E-A947-70E740481C1C}">
+                <a14:useLocalDpi xmlns:a14="http://schemas.microsoft.com/office/drawing/2010/main" val="0"/>
+              </a:ext>
+            </a:extLst>
+          </a:blip>
+          <a:stretch>
+            <a:fillRect/>
+          </a:stretch>
+        </p:blipFill>
         <p:spPr>
           <a:xfrm>
-            <a:off x="1364776" y="5295331"/>
-            <a:ext cx="1981953" cy="369332"/>
+            <a:off x="6482095" y="2018234"/>
+            <a:ext cx="4878632" cy="3236159"/>
           </a:xfrm>
           <a:prstGeom prst="rect">
             <a:avLst/>
           </a:prstGeom>
-          <a:noFill/>
         </p:spPr>
-        <p:txBody>
-          <a:bodyPr wrap="none" rtlCol="0">
-            <a:spAutoFit/>
-          </a:bodyPr>
-          <a:lstStyle/>
-          <a:p>
-            <a:r>
-              <a:rPr lang="ru-RU" dirty="0" smtClean="0"/>
-              <a:t>Довольный Дрейк</a:t>
-            </a:r>
-            <a:endParaRPr lang="ru-RU" dirty="0"/>
-          </a:p>
-        </p:txBody>
-      </p:sp>
-      <p:sp>
-        <p:nvSpPr>
-          <p:cNvPr id="5" name="TextBox 4"/>
-          <p:cNvSpPr txBox="1"/>
-          <p:nvPr/>
-        </p:nvSpPr>
-        <p:spPr>
-          <a:xfrm>
-            <a:off x="4585648" y="5445457"/>
-            <a:ext cx="3333220" cy="369332"/>
-          </a:xfrm>
-          <a:prstGeom prst="rect">
-            <a:avLst/>
-          </a:prstGeom>
-          <a:noFill/>
-        </p:spPr>
-        <p:txBody>
-          <a:bodyPr wrap="none" rtlCol="0">
-            <a:spAutoFit/>
-          </a:bodyPr>
-          <a:lstStyle/>
-          <a:p>
-            <a:r>
-              <a:rPr lang="ru-RU" dirty="0" smtClean="0"/>
-              <a:t>Лысый мужик гладит свои щеки</a:t>
-            </a:r>
-            <a:endParaRPr lang="ru-RU" dirty="0"/>
-          </a:p>
-        </p:txBody>
-      </p:sp>
+      </p:pic>
     </p:spTree>
     <p:extLst>
       <p:ext uri="{BB962C8B-B14F-4D97-AF65-F5344CB8AC3E}">
@@ -4735,41 +7519,90 @@
             <p:ph idx="1"/>
           </p:nvPr>
         </p:nvSpPr>
-        <p:spPr/>
-        <p:txBody>
-          <a:bodyPr/>
-          <a:lstStyle/>
-          <a:p>
-            <a:r>
-              <a:rPr lang="ru-RU" dirty="0" smtClean="0"/>
-              <a:t>Распознавание лиц</a:t>
-            </a:r>
-          </a:p>
-          <a:p>
-            <a:r>
-              <a:rPr lang="ru-RU" dirty="0" smtClean="0"/>
+        <p:spPr>
+          <a:xfrm>
+            <a:off x="838200" y="1825625"/>
+            <a:ext cx="6640773" cy="2350590"/>
+          </a:xfrm>
+        </p:spPr>
+        <p:txBody>
+          <a:bodyPr>
+            <a:normAutofit fontScale="92500"/>
+          </a:bodyPr>
+          <a:lstStyle/>
+          <a:p>
+            <a:r>
+              <a:rPr lang="ru-RU" dirty="0" smtClean="0">
+                <a:latin typeface="+mj-lt"/>
+              </a:rPr>
+              <a:t>Детектирование лиц</a:t>
+            </a:r>
+          </a:p>
+          <a:p>
+            <a:r>
+              <a:rPr lang="ru-RU" dirty="0" smtClean="0">
+                <a:latin typeface="+mj-lt"/>
+              </a:rPr>
               <a:t>Определение </a:t>
             </a:r>
             <a:r>
-              <a:rPr lang="ru-RU" dirty="0"/>
+              <a:rPr lang="ru-RU" dirty="0">
+                <a:latin typeface="+mj-lt"/>
+              </a:rPr>
               <a:t>категории целевой аудитории</a:t>
             </a:r>
           </a:p>
           <a:p>
             <a:r>
-              <a:rPr lang="ru-RU" dirty="0" smtClean="0"/>
+              <a:rPr lang="ru-RU" dirty="0" smtClean="0">
+                <a:latin typeface="+mj-lt"/>
+              </a:rPr>
               <a:t>Анализ возраста и пола целевой аудитории</a:t>
             </a:r>
           </a:p>
           <a:p>
             <a:r>
-              <a:rPr lang="ru-RU" dirty="0" smtClean="0"/>
+              <a:rPr lang="ru-RU" dirty="0" smtClean="0">
+                <a:latin typeface="+mj-lt"/>
+              </a:rPr>
               <a:t>Получение статистики посещаемости</a:t>
             </a:r>
-            <a:endParaRPr lang="ru-RU" dirty="0"/>
-          </a:p>
-        </p:txBody>
-      </p:sp>
+            <a:endParaRPr lang="ru-RU" dirty="0">
+              <a:latin typeface="+mj-lt"/>
+            </a:endParaRPr>
+          </a:p>
+        </p:txBody>
+      </p:sp>
+      <p:pic>
+        <p:nvPicPr>
+          <p:cNvPr id="4" name="Рисунок 3"/>
+          <p:cNvPicPr>
+            <a:picLocks noChangeAspect="1"/>
+          </p:cNvPicPr>
+          <p:nvPr/>
+        </p:nvPicPr>
+        <p:blipFill>
+          <a:blip r:embed="rId2">
+            <a:extLst>
+              <a:ext uri="{28A0092B-C50C-407E-A947-70E740481C1C}">
+                <a14:useLocalDpi xmlns:a14="http://schemas.microsoft.com/office/drawing/2010/main" val="0"/>
+              </a:ext>
+            </a:extLst>
+          </a:blip>
+          <a:stretch>
+            <a:fillRect/>
+          </a:stretch>
+        </p:blipFill>
+        <p:spPr>
+          <a:xfrm>
+            <a:off x="7702834" y="365760"/>
+            <a:ext cx="4117020" cy="6090266"/>
+          </a:xfrm>
+          <a:prstGeom prst="rect">
+            <a:avLst/>
+          </a:prstGeom>
+        </p:spPr>
+      </p:pic>
     </p:spTree>
     <p:extLst>
       <p:ext uri="{BB962C8B-B14F-4D97-AF65-F5344CB8AC3E}">
@@ -4824,7 +7657,7 @@
           <a:p>
             <a:r>
               <a:rPr lang="ru-RU" dirty="0" smtClean="0"/>
-              <a:t>Алгоритм распознавания лица</a:t>
+              <a:t>Стек технологий</a:t>
             </a:r>
             <a:endParaRPr lang="ru-RU" dirty="0"/>
           </a:p>
@@ -4840,12 +7673,33 @@
             <p:ph idx="1"/>
           </p:nvPr>
         </p:nvSpPr>
-        <p:spPr/>
-        <p:txBody>
-          <a:bodyPr/>
-          <a:lstStyle/>
-          <a:p>
-            <a:endParaRPr lang="ru-RU"/>
+        <p:spPr>
+          <a:xfrm>
+            <a:off x="7761026" y="2944742"/>
+            <a:ext cx="2556681" cy="1299712"/>
+          </a:xfrm>
+        </p:spPr>
+        <p:txBody>
+          <a:bodyPr/>
+          <a:lstStyle/>
+          <a:p>
+            <a:r>
+              <a:rPr lang="en-US" dirty="0" smtClean="0">
+                <a:latin typeface="+mj-lt"/>
+              </a:rPr>
+              <a:t>ResNet-34</a:t>
+            </a:r>
+          </a:p>
+          <a:p>
+            <a:r>
+              <a:rPr lang="en-US" dirty="0" smtClean="0">
+                <a:latin typeface="+mj-lt"/>
+              </a:rPr>
+              <a:t>HOG+SVM</a:t>
+            </a:r>
+            <a:endParaRPr lang="ru-RU" dirty="0">
+              <a:latin typeface="+mj-lt"/>
+            </a:endParaRPr>
           </a:p>
         </p:txBody>
       </p:sp>
@@ -4903,165 +7757,7 @@
           <a:p>
             <a:r>
               <a:rPr lang="ru-RU" dirty="0" smtClean="0"/>
-              <a:t>Распознавание возраста и пола </a:t>
-            </a:r>
-            <a:endParaRPr lang="ru-RU" dirty="0"/>
-          </a:p>
-        </p:txBody>
-      </p:sp>
-      <p:sp>
-        <p:nvSpPr>
-          <p:cNvPr id="3" name="Объект 2"/>
-          <p:cNvSpPr>
-            <a:spLocks noGrp="1"/>
-          </p:cNvSpPr>
-          <p:nvPr>
-            <p:ph idx="1"/>
-          </p:nvPr>
-        </p:nvSpPr>
-        <p:spPr/>
-        <p:txBody>
-          <a:bodyPr/>
-          <a:lstStyle/>
-          <a:p>
-            <a:endParaRPr lang="ru-RU" dirty="0"/>
-          </a:p>
-        </p:txBody>
-      </p:sp>
-    </p:spTree>
-    <p:extLst>
-      <p:ext uri="{BB962C8B-B14F-4D97-AF65-F5344CB8AC3E}">
-        <p14:creationId xmlns:p14="http://schemas.microsoft.com/office/powerpoint/2010/main" val="2282518552"/>
-      </p:ext>
-    </p:extLst>
-  </p:cSld>
-  <p:clrMapOvr>
-    <a:masterClrMapping/>
-  </p:clrMapOvr>
-  <p:timing>
-    <p:tnLst>
-      <p:par>
-        <p:cTn id="1" dur="indefinite" restart="never" nodeType="tmRoot"/>
-      </p:par>
-    </p:tnLst>
-  </p:timing>
-</p:sld>
-</file>
-
-<file path=ppt/slides/slide7.xml><?xml version="1.0" encoding="utf-8"?>
-<p:sld xmlns:a="http://schemas.openxmlformats.org/drawingml/2006/main" xmlns:r="http://schemas.openxmlformats.org/officeDocument/2006/relationships" xmlns:p="http://schemas.openxmlformats.org/presentationml/2006/main">
-  <p:cSld>
-    <p:spTree>
-      <p:nvGrpSpPr>
-        <p:cNvPr id="1" name=""/>
-        <p:cNvGrpSpPr/>
-        <p:nvPr/>
-      </p:nvGrpSpPr>
-      <p:grpSpPr>
-        <a:xfrm>
-          <a:off x="0" y="0"/>
-          <a:ext cx="0" cy="0"/>
-          <a:chOff x="0" y="0"/>
-          <a:chExt cx="0" cy="0"/>
-        </a:xfrm>
-      </p:grpSpPr>
-      <p:sp>
-        <p:nvSpPr>
-          <p:cNvPr id="2" name="Заголовок 1"/>
-          <p:cNvSpPr>
-            <a:spLocks noGrp="1"/>
-          </p:cNvSpPr>
-          <p:nvPr>
-            <p:ph type="title"/>
-          </p:nvPr>
-        </p:nvSpPr>
-        <p:spPr/>
-        <p:txBody>
-          <a:bodyPr/>
-          <a:lstStyle/>
-          <a:p>
-            <a:r>
-              <a:rPr lang="ru-RU" dirty="0" smtClean="0"/>
-              <a:t>Анализ </a:t>
-            </a:r>
-            <a:endParaRPr lang="ru-RU" dirty="0"/>
-          </a:p>
-        </p:txBody>
-      </p:sp>
-      <p:sp>
-        <p:nvSpPr>
-          <p:cNvPr id="3" name="Объект 2"/>
-          <p:cNvSpPr>
-            <a:spLocks noGrp="1"/>
-          </p:cNvSpPr>
-          <p:nvPr>
-            <p:ph idx="1"/>
-          </p:nvPr>
-        </p:nvSpPr>
-        <p:spPr/>
-        <p:txBody>
-          <a:bodyPr/>
-          <a:lstStyle/>
-          <a:p>
-            <a:endParaRPr lang="ru-RU"/>
-          </a:p>
-        </p:txBody>
-      </p:sp>
-    </p:spTree>
-    <p:extLst>
-      <p:ext uri="{BB962C8B-B14F-4D97-AF65-F5344CB8AC3E}">
-        <p14:creationId xmlns:p14="http://schemas.microsoft.com/office/powerpoint/2010/main" val="1401427735"/>
-      </p:ext>
-    </p:extLst>
-  </p:cSld>
-  <p:clrMapOvr>
-    <a:masterClrMapping/>
-  </p:clrMapOvr>
-  <p:timing>
-    <p:tnLst>
-      <p:par>
-        <p:cTn id="1" dur="indefinite" restart="never" nodeType="tmRoot"/>
-      </p:par>
-    </p:tnLst>
-  </p:timing>
-</p:sld>
-</file>
-
-<file path=ppt/slides/slide8.xml><?xml version="1.0" encoding="utf-8"?>
-<p:sld xmlns:a="http://schemas.openxmlformats.org/drawingml/2006/main" xmlns:r="http://schemas.openxmlformats.org/officeDocument/2006/relationships" xmlns:p="http://schemas.openxmlformats.org/presentationml/2006/main">
-  <p:cSld>
-    <p:spTree>
-      <p:nvGrpSpPr>
-        <p:cNvPr id="1" name=""/>
-        <p:cNvGrpSpPr/>
-        <p:nvPr/>
-      </p:nvGrpSpPr>
-      <p:grpSpPr>
-        <a:xfrm>
-          <a:off x="0" y="0"/>
-          <a:ext cx="0" cy="0"/>
-          <a:chOff x="0" y="0"/>
-          <a:chExt cx="0" cy="0"/>
-        </a:xfrm>
-      </p:grpSpPr>
-      <p:sp>
-        <p:nvSpPr>
-          <p:cNvPr id="2" name="Заголовок 1"/>
-          <p:cNvSpPr>
-            <a:spLocks noGrp="1"/>
-          </p:cNvSpPr>
-          <p:nvPr>
-            <p:ph type="title"/>
-          </p:nvPr>
-        </p:nvSpPr>
-        <p:spPr/>
-        <p:txBody>
-          <a:bodyPr/>
-          <a:lstStyle/>
-          <a:p>
-            <a:r>
-              <a:rPr lang="ru-RU" dirty="0" smtClean="0"/>
-              <a:t>Предлагаемое решение </a:t>
+              <a:t>Анализ целевой аудитории</a:t>
             </a:r>
             <a:endParaRPr lang="ru-RU" dirty="0"/>
           </a:p>
@@ -5272,7 +7968,7 @@
 </file>
 
 <file path=ppt/theme/theme1.xml><?xml version="1.0" encoding="utf-8"?>
-<a:theme xmlns:a="http://schemas.openxmlformats.org/drawingml/2006/main" name="Тема Office">
+<a:theme xmlns:a="http://schemas.openxmlformats.org/drawingml/2006/main" name="HDOfficeLightV0">
   <a:themeElements>
     <a:clrScheme name="Стандартная">
       <a:dk1>
@@ -5314,7 +8010,7 @@
     </a:clrScheme>
     <a:fontScheme name="Стандартная">
       <a:majorFont>
-        <a:latin typeface="Calibri Light" panose="020F0302020204030204"/>
+        <a:latin typeface="Calibri Light"/>
         <a:ea typeface=""/>
         <a:cs typeface=""/>
         <a:font script="Jpan" typeface="ＭＳ Ｐゴシック"/>
@@ -5349,7 +8045,7 @@
         <a:font script="Geor" typeface="Sylfaen"/>
       </a:majorFont>
       <a:minorFont>
-        <a:latin typeface="Calibri" panose="020F0502020204030204"/>
+        <a:latin typeface="Calibri"/>
         <a:ea typeface=""/>
         <a:cs typeface=""/>
         <a:font script="Jpan" typeface="ＭＳ Ｐゴシック"/>
@@ -5393,23 +8089,23 @@
           <a:gsLst>
             <a:gs pos="0">
               <a:schemeClr val="phClr">
+                <a:tint val="67000"/>
+                <a:satMod val="105000"/>
                 <a:lumMod val="110000"/>
-                <a:satMod val="105000"/>
-                <a:tint val="67000"/>
               </a:schemeClr>
             </a:gs>
             <a:gs pos="50000">
               <a:schemeClr val="phClr">
+                <a:tint val="73000"/>
+                <a:satMod val="103000"/>
                 <a:lumMod val="105000"/>
-                <a:satMod val="103000"/>
-                <a:tint val="73000"/>
               </a:schemeClr>
             </a:gs>
             <a:gs pos="100000">
               <a:schemeClr val="phClr">
+                <a:tint val="81000"/>
+                <a:satMod val="109000"/>
                 <a:lumMod val="105000"/>
-                <a:satMod val="109000"/>
-                <a:tint val="81000"/>
               </a:schemeClr>
             </a:gs>
           </a:gsLst>
@@ -5419,23 +8115,23 @@
           <a:gsLst>
             <a:gs pos="0">
               <a:schemeClr val="phClr">
+                <a:tint val="94000"/>
                 <a:satMod val="103000"/>
                 <a:lumMod val="102000"/>
-                <a:tint val="94000"/>
               </a:schemeClr>
             </a:gs>
             <a:gs pos="50000">
               <a:schemeClr val="phClr">
+                <a:shade val="100000"/>
                 <a:satMod val="110000"/>
                 <a:lumMod val="100000"/>
-                <a:shade val="100000"/>
               </a:schemeClr>
             </a:gs>
             <a:gs pos="100000">
               <a:schemeClr val="phClr">
+                <a:shade val="78000"/>
+                <a:satMod val="120000"/>
                 <a:lumMod val="99000"/>
-                <a:satMod val="120000"/>
-                <a:shade val="78000"/>
               </a:schemeClr>
             </a:gs>
           </a:gsLst>
@@ -5448,21 +8144,18 @@
             <a:schemeClr val="phClr"/>
           </a:solidFill>
           <a:prstDash val="solid"/>
-          <a:miter lim="800000"/>
         </a:ln>
         <a:ln w="12700" cap="flat" cmpd="sng" algn="ctr">
           <a:solidFill>
             <a:schemeClr val="phClr"/>
           </a:solidFill>
           <a:prstDash val="solid"/>
-          <a:miter lim="800000"/>
         </a:ln>
         <a:ln w="19050" cap="flat" cmpd="sng" algn="ctr">
           <a:solidFill>
             <a:schemeClr val="phClr"/>
           </a:solidFill>
           <a:prstDash val="solid"/>
-          <a:miter lim="800000"/>
         </a:ln>
       </a:lnStyleLst>
       <a:effectStyleLst>
@@ -5497,16 +8190,16 @@
             <a:gs pos="0">
               <a:schemeClr val="phClr">
                 <a:tint val="93000"/>
+                <a:shade val="98000"/>
                 <a:satMod val="150000"/>
-                <a:shade val="98000"/>
                 <a:lumMod val="102000"/>
               </a:schemeClr>
             </a:gs>
             <a:gs pos="50000">
               <a:schemeClr val="phClr">
                 <a:tint val="98000"/>
+                <a:shade val="90000"/>
                 <a:satMod val="130000"/>
-                <a:shade val="90000"/>
                 <a:lumMod val="103000"/>
               </a:schemeClr>
             </a:gs>
@@ -5524,10 +8217,258 @@
   </a:themeElements>
   <a:objectDefaults/>
   <a:extraClrSchemeLst/>
-  <a:extLst>
-    <a:ext uri="{05A4C25C-085E-4340-85A3-A5531E510DB2}">
-      <thm15:themeFamily xmlns:thm15="http://schemas.microsoft.com/office/thememl/2012/main" name="Office Theme" id="{62F939B6-93AF-4DB8-9C6B-D6C7DFDC589F}" vid="{4A3C46E8-61CC-4603-A589-7422A47A8E4A}"/>
-    </a:ext>
-  </a:extLst>
+</a:theme>
+</file>
+
+<file path=ppt/theme/theme2.xml><?xml version="1.0" encoding="utf-8"?>
+<a:theme xmlns:a="http://schemas.openxmlformats.org/drawingml/2006/main" name="1_HDOfficeLightV0">
+  <a:themeElements>
+    <a:clrScheme name="Стандартная">
+      <a:dk1>
+        <a:sysClr val="windowText" lastClr="000000"/>
+      </a:dk1>
+      <a:lt1>
+        <a:sysClr val="window" lastClr="FFFFFF"/>
+      </a:lt1>
+      <a:dk2>
+        <a:srgbClr val="44546A"/>
+      </a:dk2>
+      <a:lt2>
+        <a:srgbClr val="E7E6E6"/>
+      </a:lt2>
+      <a:accent1>
+        <a:srgbClr val="5B9BD5"/>
+      </a:accent1>
+      <a:accent2>
+        <a:srgbClr val="ED7D31"/>
+      </a:accent2>
+      <a:accent3>
+        <a:srgbClr val="A5A5A5"/>
+      </a:accent3>
+      <a:accent4>
+        <a:srgbClr val="FFC000"/>
+      </a:accent4>
+      <a:accent5>
+        <a:srgbClr val="4472C4"/>
+      </a:accent5>
+      <a:accent6>
+        <a:srgbClr val="70AD47"/>
+      </a:accent6>
+      <a:hlink>
+        <a:srgbClr val="0563C1"/>
+      </a:hlink>
+      <a:folHlink>
+        <a:srgbClr val="954F72"/>
+      </a:folHlink>
+    </a:clrScheme>
+    <a:fontScheme name="Стандартная">
+      <a:majorFont>
+        <a:latin typeface="Calibri Light"/>
+        <a:ea typeface=""/>
+        <a:cs typeface=""/>
+        <a:font script="Jpan" typeface="ＭＳ Ｐゴシック"/>
+        <a:font script="Hang" typeface="맑은 고딕"/>
+        <a:font script="Hans" typeface="宋体"/>
+        <a:font script="Hant" typeface="新細明體"/>
+        <a:font script="Arab" typeface="Times New Roman"/>
+        <a:font script="Hebr" typeface="Times New Roman"/>
+        <a:font script="Thai" typeface="Angsana New"/>
+        <a:font script="Ethi" typeface="Nyala"/>
+        <a:font script="Beng" typeface="Vrinda"/>
+        <a:font script="Gujr" typeface="Shruti"/>
+        <a:font script="Khmr" typeface="MoolBoran"/>
+        <a:font script="Knda" typeface="Tunga"/>
+        <a:font script="Guru" typeface="Raavi"/>
+        <a:font script="Cans" typeface="Euphemia"/>
+        <a:font script="Cher" typeface="Plantagenet Cherokee"/>
+        <a:font script="Yiii" typeface="Microsoft Yi Baiti"/>
+        <a:font script="Tibt" typeface="Microsoft Himalaya"/>
+        <a:font script="Thaa" typeface="MV Boli"/>
+        <a:font script="Deva" typeface="Mangal"/>
+        <a:font script="Telu" typeface="Gautami"/>
+        <a:font script="Taml" typeface="Latha"/>
+        <a:font script="Syrc" typeface="Estrangelo Edessa"/>
+        <a:font script="Orya" typeface="Kalinga"/>
+        <a:font script="Mlym" typeface="Kartika"/>
+        <a:font script="Laoo" typeface="DokChampa"/>
+        <a:font script="Sinh" typeface="Iskoola Pota"/>
+        <a:font script="Mong" typeface="Mongolian Baiti"/>
+        <a:font script="Viet" typeface="Times New Roman"/>
+        <a:font script="Uigh" typeface="Microsoft Uighur"/>
+        <a:font script="Geor" typeface="Sylfaen"/>
+      </a:majorFont>
+      <a:minorFont>
+        <a:latin typeface="Calibri"/>
+        <a:ea typeface=""/>
+        <a:cs typeface=""/>
+        <a:font script="Jpan" typeface="ＭＳ Ｐゴシック"/>
+        <a:font script="Hang" typeface="맑은 고딕"/>
+        <a:font script="Hans" typeface="宋体"/>
+        <a:font script="Hant" typeface="新細明體"/>
+        <a:font script="Arab" typeface="Arial"/>
+        <a:font script="Hebr" typeface="Arial"/>
+        <a:font script="Thai" typeface="Cordia New"/>
+        <a:font script="Ethi" typeface="Nyala"/>
+        <a:font script="Beng" typeface="Vrinda"/>
+        <a:font script="Gujr" typeface="Shruti"/>
+        <a:font script="Khmr" typeface="DaunPenh"/>
+        <a:font script="Knda" typeface="Tunga"/>
+        <a:font script="Guru" typeface="Raavi"/>
+        <a:font script="Cans" typeface="Euphemia"/>
+        <a:font script="Cher" typeface="Plantagenet Cherokee"/>
+        <a:font script="Yiii" typeface="Microsoft Yi Baiti"/>
+        <a:font script="Tibt" typeface="Microsoft Himalaya"/>
+        <a:font script="Thaa" typeface="MV Boli"/>
+        <a:font script="Deva" typeface="Mangal"/>
+        <a:font script="Telu" typeface="Gautami"/>
+        <a:font script="Taml" typeface="Latha"/>
+        <a:font script="Syrc" typeface="Estrangelo Edessa"/>
+        <a:font script="Orya" typeface="Kalinga"/>
+        <a:font script="Mlym" typeface="Kartika"/>
+        <a:font script="Laoo" typeface="DokChampa"/>
+        <a:font script="Sinh" typeface="Iskoola Pota"/>
+        <a:font script="Mong" typeface="Mongolian Baiti"/>
+        <a:font script="Viet" typeface="Arial"/>
+        <a:font script="Uigh" typeface="Microsoft Uighur"/>
+        <a:font script="Geor" typeface="Sylfaen"/>
+      </a:minorFont>
+    </a:fontScheme>
+    <a:fmtScheme name="Стандартная">
+      <a:fillStyleLst>
+        <a:solidFill>
+          <a:schemeClr val="phClr"/>
+        </a:solidFill>
+        <a:gradFill rotWithShape="1">
+          <a:gsLst>
+            <a:gs pos="0">
+              <a:schemeClr val="phClr">
+                <a:tint val="67000"/>
+                <a:satMod val="105000"/>
+                <a:lumMod val="110000"/>
+              </a:schemeClr>
+            </a:gs>
+            <a:gs pos="50000">
+              <a:schemeClr val="phClr">
+                <a:tint val="73000"/>
+                <a:satMod val="103000"/>
+                <a:lumMod val="105000"/>
+              </a:schemeClr>
+            </a:gs>
+            <a:gs pos="100000">
+              <a:schemeClr val="phClr">
+                <a:tint val="81000"/>
+                <a:satMod val="109000"/>
+                <a:lumMod val="105000"/>
+              </a:schemeClr>
+            </a:gs>
+          </a:gsLst>
+          <a:lin ang="5400000" scaled="0"/>
+        </a:gradFill>
+        <a:gradFill rotWithShape="1">
+          <a:gsLst>
+            <a:gs pos="0">
+              <a:schemeClr val="phClr">
+                <a:tint val="94000"/>
+                <a:satMod val="103000"/>
+                <a:lumMod val="102000"/>
+              </a:schemeClr>
+            </a:gs>
+            <a:gs pos="50000">
+              <a:schemeClr val="phClr">
+                <a:shade val="100000"/>
+                <a:satMod val="110000"/>
+                <a:lumMod val="100000"/>
+              </a:schemeClr>
+            </a:gs>
+            <a:gs pos="100000">
+              <a:schemeClr val="phClr">
+                <a:shade val="78000"/>
+                <a:satMod val="120000"/>
+                <a:lumMod val="99000"/>
+              </a:schemeClr>
+            </a:gs>
+          </a:gsLst>
+          <a:lin ang="5400000" scaled="0"/>
+        </a:gradFill>
+      </a:fillStyleLst>
+      <a:lnStyleLst>
+        <a:ln w="6350" cap="flat" cmpd="sng" algn="ctr">
+          <a:solidFill>
+            <a:schemeClr val="phClr"/>
+          </a:solidFill>
+          <a:prstDash val="solid"/>
+        </a:ln>
+        <a:ln w="12700" cap="flat" cmpd="sng" algn="ctr">
+          <a:solidFill>
+            <a:schemeClr val="phClr"/>
+          </a:solidFill>
+          <a:prstDash val="solid"/>
+        </a:ln>
+        <a:ln w="19050" cap="flat" cmpd="sng" algn="ctr">
+          <a:solidFill>
+            <a:schemeClr val="phClr"/>
+          </a:solidFill>
+          <a:prstDash val="solid"/>
+        </a:ln>
+      </a:lnStyleLst>
+      <a:effectStyleLst>
+        <a:effectStyle>
+          <a:effectLst/>
+        </a:effectStyle>
+        <a:effectStyle>
+          <a:effectLst/>
+        </a:effectStyle>
+        <a:effectStyle>
+          <a:effectLst>
+            <a:outerShdw blurRad="57150" dist="19050" dir="5400000" algn="ctr" rotWithShape="0">
+              <a:srgbClr val="000000">
+                <a:alpha val="63000"/>
+              </a:srgbClr>
+            </a:outerShdw>
+          </a:effectLst>
+        </a:effectStyle>
+      </a:effectStyleLst>
+      <a:bgFillStyleLst>
+        <a:solidFill>
+          <a:schemeClr val="phClr"/>
+        </a:solidFill>
+        <a:solidFill>
+          <a:schemeClr val="phClr">
+            <a:tint val="95000"/>
+            <a:satMod val="170000"/>
+          </a:schemeClr>
+        </a:solidFill>
+        <a:gradFill rotWithShape="1">
+          <a:gsLst>
+            <a:gs pos="0">
+              <a:schemeClr val="phClr">
+                <a:tint val="93000"/>
+                <a:shade val="98000"/>
+                <a:satMod val="150000"/>
+                <a:lumMod val="102000"/>
+              </a:schemeClr>
+            </a:gs>
+            <a:gs pos="50000">
+              <a:schemeClr val="phClr">
+                <a:tint val="98000"/>
+                <a:shade val="90000"/>
+                <a:satMod val="130000"/>
+                <a:lumMod val="103000"/>
+              </a:schemeClr>
+            </a:gs>
+            <a:gs pos="100000">
+              <a:schemeClr val="phClr">
+                <a:shade val="63000"/>
+                <a:satMod val="120000"/>
+              </a:schemeClr>
+            </a:gs>
+          </a:gsLst>
+          <a:lin ang="5400000" scaled="0"/>
+        </a:gradFill>
+      </a:bgFillStyleLst>
+    </a:fmtScheme>
+  </a:themeElements>
+  <a:objectDefaults/>
+  <a:extraClrSchemeLst/>
 </a:theme>
 </file>